--- a/SchulungsUnterlagen/BZU/162_Einführung_Grundlagen_01.pptx
+++ b/SchulungsUnterlagen/BZU/162_Einführung_Grundlagen_01.pptx
@@ -6,11 +6,12 @@
   </p:sldMasterIdLst>
   <p:sldIdLst>
     <p:sldId id="256" r:id="rId2"/>
-    <p:sldId id="281" r:id="rId3"/>
-    <p:sldId id="285" r:id="rId4"/>
+    <p:sldId id="287" r:id="rId3"/>
+    <p:sldId id="281" r:id="rId4"/>
     <p:sldId id="286" r:id="rId5"/>
-    <p:sldId id="272" r:id="rId6"/>
-    <p:sldId id="283" r:id="rId7"/>
+    <p:sldId id="285" r:id="rId6"/>
+    <p:sldId id="272" r:id="rId7"/>
+    <p:sldId id="283" r:id="rId8"/>
   </p:sldIdLst>
   <p:sldSz cx="20104100" cy="11309350"/>
   <p:notesSz cx="20104100" cy="11309350"/>
@@ -283,7 +284,7 @@
           <a:p>
             <a:fld id="{1D8BD707-D9CF-40AE-B4C6-C98DA3205C09}" type="datetimeFigureOut">
               <a:rPr lang="en-US"/>
-              <a:t>8/6/2021</a:t>
+              <a:t>9/2/2021</a:t>
             </a:fld>
             <a:endParaRPr lang="en-US"/>
           </a:p>
@@ -482,7 +483,7 @@
           <a:p>
             <a:fld id="{1D8BD707-D9CF-40AE-B4C6-C98DA3205C09}" type="datetimeFigureOut">
               <a:rPr lang="en-US"/>
-              <a:t>8/6/2021</a:t>
+              <a:t>9/2/2021</a:t>
             </a:fld>
             <a:endParaRPr lang="en-US"/>
           </a:p>
@@ -718,7 +719,7 @@
           <a:p>
             <a:fld id="{1D8BD707-D9CF-40AE-B4C6-C98DA3205C09}" type="datetimeFigureOut">
               <a:rPr lang="en-US"/>
-              <a:t>8/6/2021</a:t>
+              <a:t>9/2/2021</a:t>
             </a:fld>
             <a:endParaRPr lang="en-US"/>
           </a:p>
@@ -1859,7 +1860,7 @@
           <a:p>
             <a:fld id="{1D8BD707-D9CF-40AE-B4C6-C98DA3205C09}" type="datetimeFigureOut">
               <a:rPr lang="en-US"/>
-              <a:t>8/6/2021</a:t>
+              <a:t>9/2/2021</a:t>
             </a:fld>
             <a:endParaRPr lang="en-US"/>
           </a:p>
@@ -2000,7 +2001,7 @@
           <a:p>
             <a:fld id="{1D8BD707-D9CF-40AE-B4C6-C98DA3205C09}" type="datetimeFigureOut">
               <a:rPr lang="en-US"/>
-              <a:t>8/6/2021</a:t>
+              <a:t>9/2/2021</a:t>
             </a:fld>
             <a:endParaRPr lang="en-US"/>
           </a:p>
@@ -3181,7 +3182,7 @@
           <a:p>
             <a:fld id="{1D8BD707-D9CF-40AE-B4C6-C98DA3205C09}" type="datetimeFigureOut">
               <a:rPr lang="en-US"/>
-              <a:t>8/6/2021</a:t>
+              <a:t>9/2/2021</a:t>
             </a:fld>
             <a:endParaRPr lang="en-US"/>
           </a:p>
@@ -10983,15 +10984,7 @@
             </a:r>
             <a:r>
               <a:rPr lang="de-CH" spc="5" dirty="0" smtClean="0"/>
-              <a:t>62</a:t>
-            </a:r>
-            <a:r>
-              <a:rPr lang="de-CH" spc="5" dirty="0" smtClean="0"/>
-              <a:t>  </a:t>
-            </a:r>
-            <a:r>
-              <a:rPr lang="de-CH" spc="5" dirty="0" smtClean="0"/>
-              <a:t>| </a:t>
+              <a:t>62  | </a:t>
             </a:r>
             <a:r>
               <a:rPr lang="de-CH" sz="2000" spc="5" dirty="0" smtClean="0"/>
@@ -11004,7 +10997,7 @@
     </p:spTree>
     <p:extLst>
       <p:ext uri="{BB962C8B-B14F-4D97-AF65-F5344CB8AC3E}">
-        <p14:creationId xmlns:p14="http://schemas.microsoft.com/office/powerpoint/2010/main" val="3443884550"/>
+        <p14:creationId xmlns:p14="http://schemas.microsoft.com/office/powerpoint/2010/main" val="4005547305"/>
       </p:ext>
     </p:extLst>
   </p:cSld>
@@ -11269,80 +11262,6 @@
       </p:sp>
       <p:sp>
         <p:nvSpPr>
-          <p:cNvPr id="12" name="object 12"/>
-          <p:cNvSpPr txBox="1">
-            <a:spLocks noGrp="1"/>
-          </p:cNvSpPr>
-          <p:nvPr>
-            <p:ph type="ftr" sz="quarter" idx="5"/>
-          </p:nvPr>
-        </p:nvSpPr>
-        <p:spPr>
-          <a:xfrm>
-            <a:off x="8081294" y="10235393"/>
-            <a:ext cx="6771356" cy="448841"/>
-          </a:xfrm>
-          <a:prstGeom prst="rect">
-            <a:avLst/>
-          </a:prstGeom>
-        </p:spPr>
-        <p:txBody>
-          <a:bodyPr vert="horz" wrap="square" lIns="0" tIns="0" rIns="0" bIns="0" rtlCol="0">
-            <a:spAutoFit/>
-          </a:bodyPr>
-          <a:lstStyle/>
-          <a:p>
-            <a:pPr marL="12700">
-              <a:lnSpc>
-                <a:spcPts val="3515"/>
-              </a:lnSpc>
-            </a:pPr>
-            <a:r>
-              <a:rPr lang="de-CH" sz="2000" spc="5" dirty="0" smtClean="0"/>
-              <a:t>Walter Rothlin   </a:t>
-            </a:r>
-            <a:r>
-              <a:rPr spc="5" dirty="0" smtClean="0"/>
-              <a:t>| </a:t>
-            </a:r>
-            <a:r>
-              <a:rPr lang="de-CH" spc="5" dirty="0" smtClean="0"/>
-              <a:t>  </a:t>
-            </a:r>
-            <a:r>
-              <a:rPr spc="5" dirty="0" err="1" smtClean="0"/>
-              <a:t>Modul</a:t>
-            </a:r>
-            <a:r>
-              <a:rPr spc="-55" dirty="0" smtClean="0"/>
-              <a:t> </a:t>
-            </a:r>
-            <a:r>
-              <a:rPr spc="5" dirty="0" smtClean="0"/>
-              <a:t>1</a:t>
-            </a:r>
-            <a:r>
-              <a:rPr lang="de-CH" spc="5" dirty="0" smtClean="0"/>
-              <a:t>62</a:t>
-            </a:r>
-            <a:r>
-              <a:rPr lang="de-CH" spc="5" dirty="0" smtClean="0"/>
-              <a:t>  </a:t>
-            </a:r>
-            <a:r>
-              <a:rPr lang="de-CH" spc="5" dirty="0" smtClean="0"/>
-              <a:t>| </a:t>
-            </a:r>
-            <a:r>
-              <a:rPr lang="de-CH" sz="2000" spc="5" dirty="0" smtClean="0"/>
-              <a:t>6.8.21</a:t>
-            </a:r>
-            <a:endParaRPr sz="2000" spc="5" dirty="0"/>
-          </a:p>
-        </p:txBody>
-      </p:sp>
-      <p:sp>
-        <p:nvSpPr>
           <p:cNvPr id="13" name="object 13"/>
           <p:cNvSpPr txBox="1">
             <a:spLocks noGrp="1"/>
@@ -11431,7 +11350,7 @@
         <p:spPr>
           <a:xfrm>
             <a:off x="1034388" y="605082"/>
-            <a:ext cx="16866262" cy="798937"/>
+            <a:ext cx="14580262" cy="798937"/>
           </a:xfrm>
           <a:prstGeom prst="rect">
             <a:avLst/>
@@ -11459,7 +11378,7 @@
                 <a:latin typeface="Arial"/>
                 <a:cs typeface="Arial"/>
               </a:rPr>
-              <a:t>Basis-Datentypen (Einschränkung des Wertebereiches)</a:t>
+              <a:t>Strukturierte / Unstrukturierte Daten</a:t>
             </a:r>
             <a:endParaRPr sz="5100" dirty="0">
               <a:latin typeface="Arial"/>
@@ -11511,14 +11430,14 @@
       </p:sp>
       <p:sp>
         <p:nvSpPr>
-          <p:cNvPr id="7" name="Textfeld 6"/>
+          <p:cNvPr id="8" name="Textfeld 7"/>
           <p:cNvSpPr txBox="1"/>
           <p:nvPr/>
         </p:nvSpPr>
         <p:spPr>
           <a:xfrm>
-            <a:off x="1188502" y="1920875"/>
-            <a:ext cx="8656665" cy="584775"/>
+            <a:off x="2094396" y="2754949"/>
+            <a:ext cx="16758370" cy="923330"/>
           </a:xfrm>
           <a:prstGeom prst="rect">
             <a:avLst/>
@@ -11532,43 +11451,23 @@
           <a:lstStyle/>
           <a:p>
             <a:r>
-              <a:rPr lang="de-CH" sz="3200" dirty="0" smtClean="0"/>
-              <a:t>BZU Uster: </a:t>
-            </a:r>
-            <a:r>
-              <a:rPr lang="de-CH" sz="3200" dirty="0" smtClean="0">
-                <a:solidFill>
-                  <a:srgbClr val="00B050"/>
-                </a:solidFill>
-              </a:rPr>
-              <a:t>String, Zeichenketten </a:t>
-            </a:r>
-            <a:r>
-              <a:rPr lang="de-CH" sz="3200" dirty="0" smtClean="0">
-                <a:solidFill>
-                  <a:srgbClr val="FF0000"/>
-                </a:solidFill>
-              </a:rPr>
-              <a:t>/ Länge, Muster,…</a:t>
-            </a:r>
-            <a:endParaRPr lang="de-CH" sz="3200" dirty="0">
-              <a:solidFill>
-                <a:srgbClr val="FF0000"/>
-              </a:solidFill>
-            </a:endParaRPr>
-          </a:p>
-        </p:txBody>
-      </p:sp>
-      <p:sp>
-        <p:nvSpPr>
-          <p:cNvPr id="14" name="Textfeld 13"/>
+              <a:rPr lang="de-CH" sz="5400" dirty="0" smtClean="0"/>
+              <a:t>Mein Name ist Walter Rothlin und ich wohne in Wangen SZ</a:t>
+            </a:r>
+            <a:endParaRPr lang="de-CH" sz="5400" dirty="0"/>
+          </a:p>
+        </p:txBody>
+      </p:sp>
+      <p:sp>
+        <p:nvSpPr>
+          <p:cNvPr id="45" name="Textfeld 44"/>
           <p:cNvSpPr txBox="1"/>
           <p:nvPr/>
         </p:nvSpPr>
         <p:spPr>
           <a:xfrm>
-            <a:off x="1149113" y="3024083"/>
-            <a:ext cx="14627851" cy="584775"/>
+            <a:off x="2736850" y="5531254"/>
+            <a:ext cx="4146776" cy="2800767"/>
           </a:xfrm>
           <a:prstGeom prst="rect">
             <a:avLst/>
@@ -11582,46 +11481,123 @@
           <a:lstStyle/>
           <a:p>
             <a:r>
-              <a:rPr lang="de-CH" sz="3200" dirty="0" smtClean="0"/>
-              <a:t>8855, -100: </a:t>
-            </a:r>
-            <a:r>
-              <a:rPr lang="de-CH" sz="3200" dirty="0" smtClean="0">
-                <a:solidFill>
-                  <a:srgbClr val="00B050"/>
-                </a:solidFill>
-              </a:rPr>
-              <a:t>Integer, Ganze Zahlen </a:t>
-            </a:r>
-            <a:r>
-              <a:rPr lang="de-CH" sz="3200" dirty="0" smtClean="0">
-                <a:solidFill>
-                  <a:srgbClr val="FF0000"/>
-                </a:solidFill>
-              </a:rPr>
-              <a:t>/ Bereich</a:t>
-            </a:r>
-            <a:r>
-              <a:rPr lang="de-CH" sz="3200" dirty="0">
-                <a:solidFill>
-                  <a:srgbClr val="FF0000"/>
-                </a:solidFill>
-              </a:rPr>
-              <a:t> , Resultat einer mathematischen Operation</a:t>
-            </a:r>
-          </a:p>
-        </p:txBody>
-      </p:sp>
-      <p:sp>
-        <p:nvSpPr>
-          <p:cNvPr id="15" name="Textfeld 14"/>
+              <a:rPr lang="de-CH" sz="4400" b="1" dirty="0" smtClean="0"/>
+              <a:t>Name: </a:t>
+            </a:r>
+            <a:r>
+              <a:rPr lang="de-CH" sz="4400" dirty="0" smtClean="0"/>
+              <a:t>Rothlin</a:t>
+            </a:r>
+          </a:p>
+          <a:p>
+            <a:r>
+              <a:rPr lang="de-CH" sz="4400" b="1" dirty="0" smtClean="0"/>
+              <a:t>Vorname: </a:t>
+            </a:r>
+            <a:r>
+              <a:rPr lang="de-CH" sz="4400" dirty="0" smtClean="0"/>
+              <a:t>Walter</a:t>
+            </a:r>
+          </a:p>
+          <a:p>
+            <a:r>
+              <a:rPr lang="de-CH" sz="4400" b="1" dirty="0" smtClean="0"/>
+              <a:t>PLZ: </a:t>
+            </a:r>
+            <a:r>
+              <a:rPr lang="de-CH" sz="4400" dirty="0" smtClean="0"/>
+              <a:t>8855</a:t>
+            </a:r>
+          </a:p>
+          <a:p>
+            <a:r>
+              <a:rPr lang="de-CH" sz="4400" b="1" dirty="0" smtClean="0"/>
+              <a:t>Ort: </a:t>
+            </a:r>
+            <a:r>
+              <a:rPr lang="de-CH" sz="4400" dirty="0" smtClean="0"/>
+              <a:t>Wangen SZ</a:t>
+            </a:r>
+            <a:endParaRPr lang="de-CH" sz="4400" dirty="0"/>
+          </a:p>
+        </p:txBody>
+      </p:sp>
+      <p:sp>
+        <p:nvSpPr>
+          <p:cNvPr id="22" name="object 12"/>
+          <p:cNvSpPr txBox="1">
+            <a:spLocks noGrp="1"/>
+          </p:cNvSpPr>
+          <p:nvPr>
+            <p:ph type="ftr" sz="quarter" idx="5"/>
+          </p:nvPr>
+        </p:nvSpPr>
+        <p:spPr>
+          <a:xfrm>
+            <a:off x="8081294" y="10235393"/>
+            <a:ext cx="6771356" cy="448841"/>
+          </a:xfrm>
+          <a:prstGeom prst="rect">
+            <a:avLst/>
+          </a:prstGeom>
+        </p:spPr>
+        <p:txBody>
+          <a:bodyPr vert="horz" wrap="square" lIns="0" tIns="0" rIns="0" bIns="0" rtlCol="0">
+            <a:spAutoFit/>
+          </a:bodyPr>
+          <a:lstStyle/>
+          <a:p>
+            <a:pPr marL="12700">
+              <a:lnSpc>
+                <a:spcPts val="3515"/>
+              </a:lnSpc>
+            </a:pPr>
+            <a:r>
+              <a:rPr lang="de-CH" sz="2000" spc="5" dirty="0" smtClean="0"/>
+              <a:t>Walter Rothlin   </a:t>
+            </a:r>
+            <a:r>
+              <a:rPr spc="5" dirty="0" smtClean="0"/>
+              <a:t>| </a:t>
+            </a:r>
+            <a:r>
+              <a:rPr lang="de-CH" spc="5" dirty="0" smtClean="0"/>
+              <a:t>  </a:t>
+            </a:r>
+            <a:r>
+              <a:rPr spc="5" dirty="0" err="1" smtClean="0"/>
+              <a:t>Modul</a:t>
+            </a:r>
+            <a:r>
+              <a:rPr spc="-55" dirty="0" smtClean="0"/>
+              <a:t> </a:t>
+            </a:r>
+            <a:r>
+              <a:rPr spc="5" dirty="0" smtClean="0"/>
+              <a:t>1</a:t>
+            </a:r>
+            <a:r>
+              <a:rPr lang="de-CH" spc="5" dirty="0" smtClean="0"/>
+              <a:t>62  | </a:t>
+            </a:r>
+            <a:r>
+              <a:rPr lang="de-CH" sz="2000" spc="5" dirty="0" smtClean="0"/>
+              <a:t>6.8.21</a:t>
+            </a:r>
+            <a:endParaRPr sz="2000" spc="5" dirty="0"/>
+          </a:p>
+        </p:txBody>
+      </p:sp>
+      <p:sp>
+        <p:nvSpPr>
+          <p:cNvPr id="24" name="Textfeld 23"/>
           <p:cNvSpPr txBox="1"/>
           <p:nvPr/>
         </p:nvSpPr>
         <p:spPr>
           <a:xfrm>
-            <a:off x="1105595" y="4125714"/>
-            <a:ext cx="18032437" cy="584775"/>
+            <a:off x="10052050" y="6572115"/>
+            <a:ext cx="7497052" cy="769441"/>
           </a:xfrm>
           <a:prstGeom prst="rect">
             <a:avLst/>
@@ -11635,321 +11611,16 @@
           <a:lstStyle/>
           <a:p>
             <a:r>
-              <a:rPr lang="de-CH" sz="3200" dirty="0" smtClean="0"/>
-              <a:t>88.55, -0.1: </a:t>
-            </a:r>
-            <a:r>
-              <a:rPr lang="de-CH" sz="3200" dirty="0" err="1" smtClean="0">
-                <a:solidFill>
-                  <a:srgbClr val="00B050"/>
-                </a:solidFill>
-              </a:rPr>
-              <a:t>Float</a:t>
-            </a:r>
-            <a:r>
-              <a:rPr lang="de-CH" sz="3200" dirty="0" smtClean="0">
-                <a:solidFill>
-                  <a:srgbClr val="00B050"/>
-                </a:solidFill>
-              </a:rPr>
-              <a:t>, Double, Dezimal-Zahlen </a:t>
-            </a:r>
-            <a:r>
-              <a:rPr lang="de-CH" sz="3200" dirty="0" smtClean="0">
-                <a:solidFill>
-                  <a:srgbClr val="FF0000"/>
-                </a:solidFill>
-              </a:rPr>
-              <a:t>/ Bereich, Genauigkeit, </a:t>
-            </a:r>
-            <a:r>
-              <a:rPr lang="de-CH" sz="3200" dirty="0">
-                <a:solidFill>
-                  <a:srgbClr val="FF0000"/>
-                </a:solidFill>
-              </a:rPr>
-              <a:t>Resultat einer </a:t>
-            </a:r>
-            <a:r>
-              <a:rPr lang="de-CH" sz="3200" dirty="0" smtClean="0">
-                <a:solidFill>
-                  <a:srgbClr val="FF0000"/>
-                </a:solidFill>
-              </a:rPr>
-              <a:t>mathematischen Operation</a:t>
-            </a:r>
-            <a:endParaRPr lang="de-CH" sz="3200" dirty="0">
-              <a:solidFill>
-                <a:srgbClr val="FF0000"/>
-              </a:solidFill>
-            </a:endParaRPr>
-          </a:p>
-        </p:txBody>
-      </p:sp>
-      <p:sp>
-        <p:nvSpPr>
-          <p:cNvPr id="17" name="Textfeld 16"/>
-          <p:cNvSpPr txBox="1"/>
-          <p:nvPr/>
-        </p:nvSpPr>
-        <p:spPr>
-          <a:xfrm>
-            <a:off x="1186633" y="5089790"/>
-            <a:ext cx="8514254" cy="584775"/>
-          </a:xfrm>
-          <a:prstGeom prst="rect">
-            <a:avLst/>
-          </a:prstGeom>
-          <a:noFill/>
-        </p:spPr>
-        <p:txBody>
-          <a:bodyPr wrap="none" rtlCol="0">
-            <a:spAutoFit/>
-          </a:bodyPr>
-          <a:lstStyle/>
-          <a:p>
-            <a:r>
-              <a:rPr lang="de-CH" sz="3200" dirty="0" smtClean="0"/>
-              <a:t>A, 3: </a:t>
-            </a:r>
-            <a:r>
-              <a:rPr lang="de-CH" sz="3200" dirty="0" err="1" smtClean="0">
-                <a:solidFill>
-                  <a:srgbClr val="00B050"/>
-                </a:solidFill>
-              </a:rPr>
-              <a:t>Char</a:t>
-            </a:r>
-            <a:r>
-              <a:rPr lang="de-CH" sz="3200" dirty="0" smtClean="0">
-                <a:solidFill>
-                  <a:srgbClr val="00B050"/>
-                </a:solidFill>
-              </a:rPr>
-              <a:t>, ein einzelnes Zeichen  </a:t>
-            </a:r>
-            <a:r>
-              <a:rPr lang="de-CH" sz="3200" dirty="0" smtClean="0">
-                <a:solidFill>
-                  <a:srgbClr val="FF0000"/>
-                </a:solidFill>
-              </a:rPr>
-              <a:t>/ </a:t>
-            </a:r>
-            <a:r>
-              <a:rPr lang="de-CH" sz="3200" dirty="0" err="1" smtClean="0">
-                <a:solidFill>
-                  <a:srgbClr val="FF0000"/>
-                </a:solidFill>
-              </a:rPr>
-              <a:t>Ascii</a:t>
-            </a:r>
-            <a:r>
-              <a:rPr lang="de-CH" sz="3200" dirty="0" smtClean="0">
-                <a:solidFill>
-                  <a:srgbClr val="FF0000"/>
-                </a:solidFill>
-              </a:rPr>
-              <a:t>, UNI-Code</a:t>
-            </a:r>
-            <a:endParaRPr lang="de-CH" sz="3200" dirty="0">
-              <a:solidFill>
-                <a:srgbClr val="FF0000"/>
-              </a:solidFill>
-            </a:endParaRPr>
-          </a:p>
-        </p:txBody>
-      </p:sp>
-      <p:sp>
-        <p:nvSpPr>
-          <p:cNvPr id="18" name="Textfeld 17"/>
-          <p:cNvSpPr txBox="1"/>
-          <p:nvPr/>
-        </p:nvSpPr>
-        <p:spPr>
-          <a:xfrm>
-            <a:off x="1186633" y="6078922"/>
-            <a:ext cx="15301048" cy="584775"/>
-          </a:xfrm>
-          <a:prstGeom prst="rect">
-            <a:avLst/>
-          </a:prstGeom>
-          <a:noFill/>
-        </p:spPr>
-        <p:txBody>
-          <a:bodyPr wrap="none" rtlCol="0">
-            <a:spAutoFit/>
-          </a:bodyPr>
-          <a:lstStyle/>
-          <a:p>
-            <a:r>
-              <a:rPr lang="de-CH" sz="3200" dirty="0" smtClean="0"/>
-              <a:t>True, </a:t>
-            </a:r>
-            <a:r>
-              <a:rPr lang="de-CH" sz="3200" dirty="0" err="1" smtClean="0"/>
-              <a:t>False</a:t>
-            </a:r>
-            <a:r>
-              <a:rPr lang="de-CH" sz="3200" dirty="0" smtClean="0"/>
-              <a:t>: </a:t>
-            </a:r>
-            <a:r>
-              <a:rPr lang="de-CH" sz="3200" dirty="0" smtClean="0">
-                <a:solidFill>
-                  <a:srgbClr val="00B050"/>
-                </a:solidFill>
-              </a:rPr>
-              <a:t>Boolean, Wahr-Falsch, ein-aus </a:t>
-            </a:r>
-            <a:r>
-              <a:rPr lang="de-CH" sz="3200" dirty="0" smtClean="0">
-                <a:solidFill>
-                  <a:srgbClr val="FF0000"/>
-                </a:solidFill>
-              </a:rPr>
-              <a:t>/ 2 Zustände, </a:t>
-            </a:r>
-            <a:r>
-              <a:rPr lang="de-CH" sz="3200" dirty="0">
-                <a:solidFill>
-                  <a:srgbClr val="FF0000"/>
-                </a:solidFill>
-              </a:rPr>
-              <a:t>R</a:t>
-            </a:r>
-            <a:r>
-              <a:rPr lang="de-CH" sz="3200" dirty="0" smtClean="0">
-                <a:solidFill>
-                  <a:srgbClr val="FF0000"/>
-                </a:solidFill>
-              </a:rPr>
-              <a:t>esultat einer logischen Operation</a:t>
-            </a:r>
-            <a:endParaRPr lang="de-CH" sz="3200" dirty="0">
-              <a:solidFill>
-                <a:srgbClr val="FF0000"/>
-              </a:solidFill>
-            </a:endParaRPr>
-          </a:p>
-        </p:txBody>
-      </p:sp>
-      <p:sp>
-        <p:nvSpPr>
-          <p:cNvPr id="19" name="Textfeld 18"/>
-          <p:cNvSpPr txBox="1"/>
-          <p:nvPr/>
-        </p:nvSpPr>
-        <p:spPr>
-          <a:xfrm>
-            <a:off x="1188502" y="7060969"/>
-            <a:ext cx="11926535" cy="584775"/>
-          </a:xfrm>
-          <a:prstGeom prst="rect">
-            <a:avLst/>
-          </a:prstGeom>
-          <a:noFill/>
-        </p:spPr>
-        <p:txBody>
-          <a:bodyPr wrap="none" rtlCol="0">
-            <a:spAutoFit/>
-          </a:bodyPr>
-          <a:lstStyle/>
-          <a:p>
-            <a:r>
-              <a:rPr lang="de-CH" sz="3200" dirty="0" err="1"/>
-              <a:t>r</a:t>
-            </a:r>
-            <a:r>
-              <a:rPr lang="de-CH" sz="3200" dirty="0" err="1" smtClean="0"/>
-              <a:t>ot,gruen,blau</a:t>
-            </a:r>
-            <a:r>
-              <a:rPr lang="de-CH" sz="3200" dirty="0" smtClean="0"/>
-              <a:t>,…: </a:t>
-            </a:r>
-            <a:r>
-              <a:rPr lang="de-CH" sz="3200" dirty="0" err="1" smtClean="0">
-                <a:solidFill>
-                  <a:srgbClr val="00B050"/>
-                </a:solidFill>
-              </a:rPr>
-              <a:t>Enumeration</a:t>
-            </a:r>
-            <a:r>
-              <a:rPr lang="de-CH" sz="3200" dirty="0" smtClean="0">
-                <a:solidFill>
-                  <a:srgbClr val="00B050"/>
-                </a:solidFill>
-              </a:rPr>
-              <a:t> </a:t>
-            </a:r>
-            <a:r>
-              <a:rPr lang="de-CH" sz="3200" dirty="0" smtClean="0">
-                <a:solidFill>
-                  <a:srgbClr val="FF0000"/>
-                </a:solidFill>
-              </a:rPr>
-              <a:t>/ eine endliche </a:t>
-            </a:r>
-            <a:r>
-              <a:rPr lang="de-CH" sz="3200" dirty="0">
-                <a:solidFill>
-                  <a:srgbClr val="FF0000"/>
-                </a:solidFill>
-              </a:rPr>
-              <a:t>A</a:t>
-            </a:r>
-            <a:r>
-              <a:rPr lang="de-CH" sz="3200" dirty="0" smtClean="0">
-                <a:solidFill>
-                  <a:srgbClr val="FF0000"/>
-                </a:solidFill>
-              </a:rPr>
-              <a:t>nzahl Werte/Zustände</a:t>
-            </a:r>
-            <a:endParaRPr lang="de-CH" sz="3200" dirty="0">
-              <a:solidFill>
-                <a:srgbClr val="FF0000"/>
-              </a:solidFill>
-            </a:endParaRPr>
-          </a:p>
-        </p:txBody>
-      </p:sp>
-      <p:sp>
-        <p:nvSpPr>
-          <p:cNvPr id="8" name="Textfeld 7"/>
-          <p:cNvSpPr txBox="1"/>
-          <p:nvPr/>
-        </p:nvSpPr>
-        <p:spPr>
-          <a:xfrm>
-            <a:off x="1323584" y="8220877"/>
-            <a:ext cx="16632182" cy="369332"/>
-          </a:xfrm>
-          <a:prstGeom prst="rect">
-            <a:avLst/>
-          </a:prstGeom>
-          <a:noFill/>
-        </p:spPr>
-        <p:txBody>
-          <a:bodyPr wrap="none" rtlCol="0">
-            <a:spAutoFit/>
-          </a:bodyPr>
-          <a:lstStyle/>
-          <a:p>
-            <a:r>
-              <a:rPr lang="de-CH" dirty="0" smtClean="0"/>
-              <a:t>Beim programmieren (z.B. Java, C#,…) müssen die Datentypen explizit zugewiesen werden, oder bei Excel, Python,… wird der Datentype impliziert anhand des Wertes  gesetzt!!!!</a:t>
-            </a:r>
-            <a:endParaRPr lang="de-CH" dirty="0"/>
+              <a:rPr lang="de-CH" sz="4400" dirty="0" smtClean="0"/>
+              <a:t>Rothlin;Walter;8855;Wangen SZ</a:t>
+            </a:r>
           </a:p>
         </p:txBody>
       </p:sp>
     </p:spTree>
     <p:extLst>
       <p:ext uri="{BB962C8B-B14F-4D97-AF65-F5344CB8AC3E}">
-        <p14:creationId xmlns:p14="http://schemas.microsoft.com/office/powerpoint/2010/main" val="979477353"/>
+        <p14:creationId xmlns:p14="http://schemas.microsoft.com/office/powerpoint/2010/main" val="3443884550"/>
       </p:ext>
     </p:extLst>
   </p:cSld>
@@ -12877,15 +12548,7 @@
             </a:r>
             <a:r>
               <a:rPr lang="de-CH" spc="5" dirty="0" smtClean="0"/>
-              <a:t>62</a:t>
-            </a:r>
-            <a:r>
-              <a:rPr lang="de-CH" spc="5" dirty="0" smtClean="0"/>
-              <a:t>  </a:t>
-            </a:r>
-            <a:r>
-              <a:rPr lang="de-CH" spc="5" dirty="0" smtClean="0"/>
-              <a:t>| </a:t>
+              <a:t>62  | </a:t>
             </a:r>
             <a:r>
               <a:rPr lang="de-CH" sz="2000" spc="5" dirty="0" smtClean="0"/>
@@ -13163,6 +12826,72 @@
       </p:sp>
       <p:sp>
         <p:nvSpPr>
+          <p:cNvPr id="12" name="object 12"/>
+          <p:cNvSpPr txBox="1">
+            <a:spLocks noGrp="1"/>
+          </p:cNvSpPr>
+          <p:nvPr>
+            <p:ph type="ftr" sz="quarter" idx="5"/>
+          </p:nvPr>
+        </p:nvSpPr>
+        <p:spPr>
+          <a:xfrm>
+            <a:off x="8081294" y="10235393"/>
+            <a:ext cx="6771356" cy="448841"/>
+          </a:xfrm>
+          <a:prstGeom prst="rect">
+            <a:avLst/>
+          </a:prstGeom>
+        </p:spPr>
+        <p:txBody>
+          <a:bodyPr vert="horz" wrap="square" lIns="0" tIns="0" rIns="0" bIns="0" rtlCol="0">
+            <a:spAutoFit/>
+          </a:bodyPr>
+          <a:lstStyle/>
+          <a:p>
+            <a:pPr marL="12700">
+              <a:lnSpc>
+                <a:spcPts val="3515"/>
+              </a:lnSpc>
+            </a:pPr>
+            <a:r>
+              <a:rPr lang="de-CH" sz="2000" spc="5" dirty="0" smtClean="0"/>
+              <a:t>Walter Rothlin   </a:t>
+            </a:r>
+            <a:r>
+              <a:rPr spc="5" dirty="0" smtClean="0"/>
+              <a:t>| </a:t>
+            </a:r>
+            <a:r>
+              <a:rPr lang="de-CH" spc="5" dirty="0" smtClean="0"/>
+              <a:t>  </a:t>
+            </a:r>
+            <a:r>
+              <a:rPr spc="5" dirty="0" err="1" smtClean="0"/>
+              <a:t>Modul</a:t>
+            </a:r>
+            <a:r>
+              <a:rPr spc="-55" dirty="0" smtClean="0"/>
+              <a:t> </a:t>
+            </a:r>
+            <a:r>
+              <a:rPr spc="5" dirty="0" smtClean="0"/>
+              <a:t>1</a:t>
+            </a:r>
+            <a:r>
+              <a:rPr lang="de-CH" spc="5" dirty="0" smtClean="0"/>
+              <a:t>62  | </a:t>
+            </a:r>
+            <a:r>
+              <a:rPr lang="de-CH" sz="2000" spc="5" dirty="0" smtClean="0"/>
+              <a:t>2.9.21</a:t>
+            </a:r>
+            <a:endParaRPr sz="2000" spc="5" dirty="0"/>
+          </a:p>
+        </p:txBody>
+      </p:sp>
+      <p:sp>
+        <p:nvSpPr>
           <p:cNvPr id="13" name="object 13"/>
           <p:cNvSpPr txBox="1">
             <a:spLocks noGrp="1"/>
@@ -13279,7 +13008,7 @@
                 <a:latin typeface="Arial"/>
                 <a:cs typeface="Arial"/>
               </a:rPr>
-              <a:t>Datenstrukturen</a:t>
+              <a:t>Basis-Datentypen (Einschränkung des Wertebereiches)</a:t>
             </a:r>
             <a:endParaRPr sz="5100" dirty="0">
               <a:latin typeface="Arial"/>
@@ -13331,14 +13060,14 @@
       </p:sp>
       <p:sp>
         <p:nvSpPr>
-          <p:cNvPr id="11" name="Textfeld 10"/>
+          <p:cNvPr id="7" name="Textfeld 6"/>
           <p:cNvSpPr txBox="1"/>
           <p:nvPr/>
         </p:nvSpPr>
         <p:spPr>
           <a:xfrm>
-            <a:off x="1746250" y="1920875"/>
-            <a:ext cx="10118796" cy="584775"/>
+            <a:off x="1188502" y="1920875"/>
+            <a:ext cx="8656665" cy="584775"/>
           </a:xfrm>
           <a:prstGeom prst="rect">
             <a:avLst/>
@@ -13353,212 +13082,436 @@
           <a:p>
             <a:r>
               <a:rPr lang="de-CH" sz="3200" dirty="0" smtClean="0"/>
-              <a:t>Mehrere Variablen unter einer Variablen zusammengefasst!</a:t>
-            </a:r>
-            <a:endParaRPr lang="de-CH" sz="3200" dirty="0"/>
-          </a:p>
-        </p:txBody>
-      </p:sp>
-      <p:pic>
-        <p:nvPicPr>
-          <p:cNvPr id="28" name="Grafik 27" descr="workspace - Java - Verwo/src/com/verwo/torque/DescramblerParameters.java - Eclipse"/>
-          <p:cNvPicPr>
-            <a:picLocks noChangeAspect="1"/>
-          </p:cNvPicPr>
-          <p:nvPr/>
-        </p:nvPicPr>
-        <p:blipFill rotWithShape="1">
-          <a:blip r:embed="rId3">
-            <a:extLst>
-              <a:ext uri="{28A0092B-C50C-407E-A947-70E740481C1C}">
-                <a14:useLocalDpi xmlns:a14="http://schemas.microsoft.com/office/drawing/2010/main" val="0"/>
-              </a:ext>
-            </a:extLst>
-          </a:blip>
-          <a:srcRect l="32647" t="19392" r="42150" b="67684"/>
-          <a:stretch/>
-        </p:blipFill>
-        <p:spPr>
-          <a:xfrm>
-            <a:off x="10585450" y="3646537"/>
-            <a:ext cx="4648200" cy="1447800"/>
+              <a:t>BZU Uster: </a:t>
+            </a:r>
+            <a:r>
+              <a:rPr lang="de-CH" sz="3200" dirty="0" smtClean="0">
+                <a:solidFill>
+                  <a:srgbClr val="00B050"/>
+                </a:solidFill>
+              </a:rPr>
+              <a:t>String, Zeichenketten </a:t>
+            </a:r>
+            <a:r>
+              <a:rPr lang="de-CH" sz="3200" dirty="0" smtClean="0">
+                <a:solidFill>
+                  <a:srgbClr val="FF0000"/>
+                </a:solidFill>
+              </a:rPr>
+              <a:t>/ Länge, Muster,…</a:t>
+            </a:r>
+            <a:endParaRPr lang="de-CH" sz="3200" dirty="0">
+              <a:solidFill>
+                <a:srgbClr val="FF0000"/>
+              </a:solidFill>
+            </a:endParaRPr>
+          </a:p>
+        </p:txBody>
+      </p:sp>
+      <p:sp>
+        <p:nvSpPr>
+          <p:cNvPr id="14" name="Textfeld 13"/>
+          <p:cNvSpPr txBox="1"/>
+          <p:nvPr/>
+        </p:nvSpPr>
+        <p:spPr>
+          <a:xfrm>
+            <a:off x="1149113" y="3024083"/>
+            <a:ext cx="14627851" cy="584775"/>
           </a:xfrm>
           <a:prstGeom prst="rect">
             <a:avLst/>
           </a:prstGeom>
-        </p:spPr>
-      </p:pic>
-      <p:pic>
-        <p:nvPicPr>
-          <p:cNvPr id="29" name="Grafik 28" descr="workspace - Java - Verwo/src/com/verwo/torque/DescramblerConfig.java - Eclipse"/>
-          <p:cNvPicPr>
-            <a:picLocks noChangeAspect="1"/>
-          </p:cNvPicPr>
-          <p:nvPr/>
-        </p:nvPicPr>
-        <p:blipFill rotWithShape="1">
-          <a:blip r:embed="rId4">
-            <a:extLst>
-              <a:ext uri="{28A0092B-C50C-407E-A947-70E740481C1C}">
-                <a14:useLocalDpi xmlns:a14="http://schemas.microsoft.com/office/drawing/2010/main" val="0"/>
-              </a:ext>
-            </a:extLst>
-          </a:blip>
-          <a:srcRect l="35540" t="39117" r="14881" b="57482"/>
-          <a:stretch/>
-        </p:blipFill>
-        <p:spPr>
-          <a:xfrm>
-            <a:off x="7766050" y="7255749"/>
-            <a:ext cx="9144000" cy="381000"/>
-          </a:xfrm>
-          <a:prstGeom prst="rect">
-            <a:avLst/>
-          </a:prstGeom>
-        </p:spPr>
-      </p:pic>
-      <p:pic>
-        <p:nvPicPr>
-          <p:cNvPr id="30" name="Grafik 29" descr="workspace - Java - RothlinLib/src/com/rothlin/graphics/FunctionGraph/FunctionControllerWithExpressionString.java - Eclipse"/>
-          <p:cNvPicPr>
-            <a:picLocks noChangeAspect="1"/>
-          </p:cNvPicPr>
-          <p:nvPr/>
-        </p:nvPicPr>
-        <p:blipFill rotWithShape="1">
-          <a:blip r:embed="rId5">
-            <a:extLst>
-              <a:ext uri="{28A0092B-C50C-407E-A947-70E740481C1C}">
-                <a14:useLocalDpi xmlns:a14="http://schemas.microsoft.com/office/drawing/2010/main" val="0"/>
-              </a:ext>
-            </a:extLst>
-          </a:blip>
-          <a:srcRect l="35539" t="28234" r="24797" b="60883"/>
-          <a:stretch/>
-        </p:blipFill>
-        <p:spPr>
-          <a:xfrm>
-            <a:off x="2432050" y="3428979"/>
-            <a:ext cx="7315200" cy="1219200"/>
-          </a:xfrm>
-          <a:prstGeom prst="rect">
-            <a:avLst/>
-          </a:prstGeom>
-        </p:spPr>
-      </p:pic>
-      <p:pic>
-        <p:nvPicPr>
-          <p:cNvPr id="31" name="Grafik 30" descr="Javabeginners - Array deklarieren - Mozilla Firefox"/>
-          <p:cNvPicPr>
-            <a:picLocks noChangeAspect="1"/>
-          </p:cNvPicPr>
-          <p:nvPr/>
-        </p:nvPicPr>
-        <p:blipFill rotWithShape="1">
-          <a:blip r:embed="rId6">
-            <a:extLst>
-              <a:ext uri="{28A0092B-C50C-407E-A947-70E740481C1C}">
-                <a14:useLocalDpi xmlns:a14="http://schemas.microsoft.com/office/drawing/2010/main" val="0"/>
-              </a:ext>
-            </a:extLst>
-          </a:blip>
-          <a:srcRect l="18563" t="29656" r="67964" b="53699"/>
-          <a:stretch/>
-        </p:blipFill>
-        <p:spPr>
-          <a:xfrm>
-            <a:off x="1517650" y="5571507"/>
-            <a:ext cx="4582453" cy="3054967"/>
-          </a:xfrm>
-          <a:prstGeom prst="rect">
-            <a:avLst/>
-          </a:prstGeom>
-        </p:spPr>
-      </p:pic>
-      <p:sp>
-        <p:nvSpPr>
-          <p:cNvPr id="17" name="object 12"/>
-          <p:cNvSpPr txBox="1">
-            <a:spLocks noGrp="1"/>
-          </p:cNvSpPr>
-          <p:nvPr>
-            <p:ph type="ftr" sz="quarter" idx="5"/>
-          </p:nvPr>
-        </p:nvSpPr>
-        <p:spPr>
-          <a:xfrm>
-            <a:off x="8081294" y="10235393"/>
-            <a:ext cx="6771356" cy="448841"/>
-          </a:xfrm>
-          <a:prstGeom prst="rect">
-            <a:avLst/>
-          </a:prstGeom>
-        </p:spPr>
-        <p:txBody>
-          <a:bodyPr vert="horz" wrap="square" lIns="0" tIns="0" rIns="0" bIns="0" rtlCol="0">
+          <a:noFill/>
+        </p:spPr>
+        <p:txBody>
+          <a:bodyPr wrap="none" rtlCol="0">
             <a:spAutoFit/>
           </a:bodyPr>
           <a:lstStyle/>
           <a:p>
-            <a:pPr marL="12700">
-              <a:lnSpc>
-                <a:spcPts val="3515"/>
-              </a:lnSpc>
-            </a:pPr>
-            <a:r>
-              <a:rPr lang="de-CH" sz="2000" spc="5" dirty="0" smtClean="0"/>
-              <a:t>Walter Rothlin   </a:t>
-            </a:r>
-            <a:r>
-              <a:rPr spc="5" dirty="0" smtClean="0"/>
-              <a:t>| </a:t>
-            </a:r>
-            <a:r>
-              <a:rPr lang="de-CH" spc="5" dirty="0" smtClean="0"/>
-              <a:t>  </a:t>
-            </a:r>
-            <a:r>
-              <a:rPr spc="5" dirty="0" err="1" smtClean="0"/>
-              <a:t>Modul</a:t>
-            </a:r>
-            <a:r>
-              <a:rPr spc="-55" dirty="0" smtClean="0"/>
+            <a:r>
+              <a:rPr lang="de-CH" sz="3200" dirty="0" smtClean="0"/>
+              <a:t>8855, -100: </a:t>
+            </a:r>
+            <a:r>
+              <a:rPr lang="de-CH" sz="3200" dirty="0" smtClean="0">
+                <a:solidFill>
+                  <a:srgbClr val="00B050"/>
+                </a:solidFill>
+              </a:rPr>
+              <a:t>Integer, Ganze Zahlen </a:t>
+            </a:r>
+            <a:r>
+              <a:rPr lang="de-CH" sz="3200" dirty="0" smtClean="0">
+                <a:solidFill>
+                  <a:srgbClr val="FF0000"/>
+                </a:solidFill>
+              </a:rPr>
+              <a:t>/ Bereich</a:t>
+            </a:r>
+            <a:r>
+              <a:rPr lang="de-CH" sz="3200" dirty="0">
+                <a:solidFill>
+                  <a:srgbClr val="FF0000"/>
+                </a:solidFill>
+              </a:rPr>
+              <a:t> , Resultat einer mathematischen Operation</a:t>
+            </a:r>
+          </a:p>
+        </p:txBody>
+      </p:sp>
+      <p:sp>
+        <p:nvSpPr>
+          <p:cNvPr id="15" name="Textfeld 14"/>
+          <p:cNvSpPr txBox="1"/>
+          <p:nvPr/>
+        </p:nvSpPr>
+        <p:spPr>
+          <a:xfrm>
+            <a:off x="1105595" y="4125714"/>
+            <a:ext cx="18032437" cy="584775"/>
+          </a:xfrm>
+          <a:prstGeom prst="rect">
+            <a:avLst/>
+          </a:prstGeom>
+          <a:noFill/>
+        </p:spPr>
+        <p:txBody>
+          <a:bodyPr wrap="none" rtlCol="0">
+            <a:spAutoFit/>
+          </a:bodyPr>
+          <a:lstStyle/>
+          <a:p>
+            <a:r>
+              <a:rPr lang="de-CH" sz="3200" dirty="0" smtClean="0"/>
+              <a:t>88.55, -0.1: </a:t>
+            </a:r>
+            <a:r>
+              <a:rPr lang="de-CH" sz="3200" dirty="0" err="1" smtClean="0">
+                <a:solidFill>
+                  <a:srgbClr val="00B050"/>
+                </a:solidFill>
+              </a:rPr>
+              <a:t>Float</a:t>
+            </a:r>
+            <a:r>
+              <a:rPr lang="de-CH" sz="3200" dirty="0" smtClean="0">
+                <a:solidFill>
+                  <a:srgbClr val="00B050"/>
+                </a:solidFill>
+              </a:rPr>
+              <a:t>, Double, Dezimal-Zahlen </a:t>
+            </a:r>
+            <a:r>
+              <a:rPr lang="de-CH" sz="3200" dirty="0" smtClean="0">
+                <a:solidFill>
+                  <a:srgbClr val="FF0000"/>
+                </a:solidFill>
+              </a:rPr>
+              <a:t>/ Bereich, Genauigkeit, </a:t>
+            </a:r>
+            <a:r>
+              <a:rPr lang="de-CH" sz="3200" dirty="0">
+                <a:solidFill>
+                  <a:srgbClr val="FF0000"/>
+                </a:solidFill>
+              </a:rPr>
+              <a:t>Resultat einer </a:t>
+            </a:r>
+            <a:r>
+              <a:rPr lang="de-CH" sz="3200" dirty="0" smtClean="0">
+                <a:solidFill>
+                  <a:srgbClr val="FF0000"/>
+                </a:solidFill>
+              </a:rPr>
+              <a:t>mathematischen Operation</a:t>
+            </a:r>
+            <a:endParaRPr lang="de-CH" sz="3200" dirty="0">
+              <a:solidFill>
+                <a:srgbClr val="FF0000"/>
+              </a:solidFill>
+            </a:endParaRPr>
+          </a:p>
+        </p:txBody>
+      </p:sp>
+      <p:sp>
+        <p:nvSpPr>
+          <p:cNvPr id="17" name="Textfeld 16"/>
+          <p:cNvSpPr txBox="1"/>
+          <p:nvPr/>
+        </p:nvSpPr>
+        <p:spPr>
+          <a:xfrm>
+            <a:off x="1186633" y="5089790"/>
+            <a:ext cx="8608832" cy="584775"/>
+          </a:xfrm>
+          <a:prstGeom prst="rect">
+            <a:avLst/>
+          </a:prstGeom>
+          <a:noFill/>
+        </p:spPr>
+        <p:txBody>
+          <a:bodyPr wrap="none" rtlCol="0">
+            <a:spAutoFit/>
+          </a:bodyPr>
+          <a:lstStyle/>
+          <a:p>
+            <a:r>
+              <a:rPr lang="de-CH" sz="3200" dirty="0" smtClean="0"/>
+              <a:t>A, 3: </a:t>
+            </a:r>
+            <a:r>
+              <a:rPr lang="de-CH" sz="3200" dirty="0" err="1" smtClean="0">
+                <a:solidFill>
+                  <a:srgbClr val="00B050"/>
+                </a:solidFill>
+              </a:rPr>
+              <a:t>Char</a:t>
+            </a:r>
+            <a:r>
+              <a:rPr lang="de-CH" sz="3200" dirty="0" smtClean="0">
+                <a:solidFill>
+                  <a:srgbClr val="00B050"/>
+                </a:solidFill>
+              </a:rPr>
+              <a:t>, ein einzelnes Zeichen  </a:t>
+            </a:r>
+            <a:r>
+              <a:rPr lang="de-CH" sz="3200" dirty="0" smtClean="0">
+                <a:solidFill>
+                  <a:srgbClr val="FF0000"/>
+                </a:solidFill>
+              </a:rPr>
+              <a:t>/ </a:t>
+            </a:r>
+            <a:r>
+              <a:rPr lang="de-CH" sz="3200" dirty="0" smtClean="0">
+                <a:solidFill>
+                  <a:srgbClr val="FF0000"/>
+                </a:solidFill>
+              </a:rPr>
+              <a:t>ASCII, </a:t>
+            </a:r>
+            <a:r>
+              <a:rPr lang="de-CH" sz="3200" dirty="0" smtClean="0">
+                <a:solidFill>
+                  <a:srgbClr val="FF0000"/>
+                </a:solidFill>
+              </a:rPr>
+              <a:t>UNI-Code</a:t>
+            </a:r>
+            <a:endParaRPr lang="de-CH" sz="3200" dirty="0">
+              <a:solidFill>
+                <a:srgbClr val="FF0000"/>
+              </a:solidFill>
+            </a:endParaRPr>
+          </a:p>
+        </p:txBody>
+      </p:sp>
+      <p:sp>
+        <p:nvSpPr>
+          <p:cNvPr id="18" name="Textfeld 17"/>
+          <p:cNvSpPr txBox="1"/>
+          <p:nvPr/>
+        </p:nvSpPr>
+        <p:spPr>
+          <a:xfrm>
+            <a:off x="1186633" y="6078922"/>
+            <a:ext cx="15301048" cy="584775"/>
+          </a:xfrm>
+          <a:prstGeom prst="rect">
+            <a:avLst/>
+          </a:prstGeom>
+          <a:noFill/>
+        </p:spPr>
+        <p:txBody>
+          <a:bodyPr wrap="none" rtlCol="0">
+            <a:spAutoFit/>
+          </a:bodyPr>
+          <a:lstStyle/>
+          <a:p>
+            <a:r>
+              <a:rPr lang="de-CH" sz="3200" dirty="0" smtClean="0"/>
+              <a:t>True, </a:t>
+            </a:r>
+            <a:r>
+              <a:rPr lang="de-CH" sz="3200" dirty="0" err="1" smtClean="0"/>
+              <a:t>False</a:t>
+            </a:r>
+            <a:r>
+              <a:rPr lang="de-CH" sz="3200" dirty="0" smtClean="0"/>
+              <a:t>: </a:t>
+            </a:r>
+            <a:r>
+              <a:rPr lang="de-CH" sz="3200" dirty="0" smtClean="0">
+                <a:solidFill>
+                  <a:srgbClr val="00B050"/>
+                </a:solidFill>
+              </a:rPr>
+              <a:t>Boolean, Wahr-Falsch, ein-aus </a:t>
+            </a:r>
+            <a:r>
+              <a:rPr lang="de-CH" sz="3200" dirty="0" smtClean="0">
+                <a:solidFill>
+                  <a:srgbClr val="FF0000"/>
+                </a:solidFill>
+              </a:rPr>
+              <a:t>/ 2 Zustände, </a:t>
+            </a:r>
+            <a:r>
+              <a:rPr lang="de-CH" sz="3200" dirty="0">
+                <a:solidFill>
+                  <a:srgbClr val="FF0000"/>
+                </a:solidFill>
+              </a:rPr>
+              <a:t>R</a:t>
+            </a:r>
+            <a:r>
+              <a:rPr lang="de-CH" sz="3200" dirty="0" smtClean="0">
+                <a:solidFill>
+                  <a:srgbClr val="FF0000"/>
+                </a:solidFill>
+              </a:rPr>
+              <a:t>esultat einer logischen Operation</a:t>
+            </a:r>
+            <a:endParaRPr lang="de-CH" sz="3200" dirty="0">
+              <a:solidFill>
+                <a:srgbClr val="FF0000"/>
+              </a:solidFill>
+            </a:endParaRPr>
+          </a:p>
+        </p:txBody>
+      </p:sp>
+      <p:sp>
+        <p:nvSpPr>
+          <p:cNvPr id="19" name="Textfeld 18"/>
+          <p:cNvSpPr txBox="1"/>
+          <p:nvPr/>
+        </p:nvSpPr>
+        <p:spPr>
+          <a:xfrm>
+            <a:off x="1188502" y="7060969"/>
+            <a:ext cx="11926535" cy="584775"/>
+          </a:xfrm>
+          <a:prstGeom prst="rect">
+            <a:avLst/>
+          </a:prstGeom>
+          <a:noFill/>
+        </p:spPr>
+        <p:txBody>
+          <a:bodyPr wrap="none" rtlCol="0">
+            <a:spAutoFit/>
+          </a:bodyPr>
+          <a:lstStyle/>
+          <a:p>
+            <a:r>
+              <a:rPr lang="de-CH" sz="3200" dirty="0" err="1"/>
+              <a:t>r</a:t>
+            </a:r>
+            <a:r>
+              <a:rPr lang="de-CH" sz="3200" dirty="0" err="1" smtClean="0"/>
+              <a:t>ot,gruen,blau</a:t>
+            </a:r>
+            <a:r>
+              <a:rPr lang="de-CH" sz="3200" dirty="0" smtClean="0"/>
+              <a:t>,…: </a:t>
+            </a:r>
+            <a:r>
+              <a:rPr lang="de-CH" sz="3200" dirty="0" err="1" smtClean="0">
+                <a:solidFill>
+                  <a:srgbClr val="00B050"/>
+                </a:solidFill>
+              </a:rPr>
+              <a:t>Enumeration</a:t>
+            </a:r>
+            <a:r>
+              <a:rPr lang="de-CH" sz="3200" dirty="0" smtClean="0">
+                <a:solidFill>
+                  <a:srgbClr val="00B050"/>
+                </a:solidFill>
+              </a:rPr>
               <a:t> </a:t>
             </a:r>
             <a:r>
-              <a:rPr spc="5" dirty="0" smtClean="0"/>
-              <a:t>1</a:t>
-            </a:r>
-            <a:r>
-              <a:rPr lang="de-CH" spc="5" dirty="0" smtClean="0"/>
-              <a:t>62</a:t>
-            </a:r>
-            <a:r>
-              <a:rPr lang="de-CH" spc="5" dirty="0" smtClean="0"/>
-              <a:t>  </a:t>
-            </a:r>
-            <a:r>
-              <a:rPr lang="de-CH" spc="5" dirty="0" smtClean="0"/>
-              <a:t>| </a:t>
-            </a:r>
-            <a:r>
-              <a:rPr lang="de-CH" sz="2000" spc="5" dirty="0" smtClean="0"/>
-              <a:t>6.8.21</a:t>
-            </a:r>
-            <a:endParaRPr sz="2000" spc="5" dirty="0"/>
+              <a:rPr lang="de-CH" sz="3200" dirty="0" smtClean="0">
+                <a:solidFill>
+                  <a:srgbClr val="FF0000"/>
+                </a:solidFill>
+              </a:rPr>
+              <a:t>/ eine endliche </a:t>
+            </a:r>
+            <a:r>
+              <a:rPr lang="de-CH" sz="3200" dirty="0">
+                <a:solidFill>
+                  <a:srgbClr val="FF0000"/>
+                </a:solidFill>
+              </a:rPr>
+              <a:t>A</a:t>
+            </a:r>
+            <a:r>
+              <a:rPr lang="de-CH" sz="3200" dirty="0" smtClean="0">
+                <a:solidFill>
+                  <a:srgbClr val="FF0000"/>
+                </a:solidFill>
+              </a:rPr>
+              <a:t>nzahl Werte/Zustände</a:t>
+            </a:r>
+            <a:endParaRPr lang="de-CH" sz="3200" dirty="0">
+              <a:solidFill>
+                <a:srgbClr val="FF0000"/>
+              </a:solidFill>
+            </a:endParaRPr>
+          </a:p>
+        </p:txBody>
+      </p:sp>
+      <p:sp>
+        <p:nvSpPr>
+          <p:cNvPr id="8" name="Textfeld 7"/>
+          <p:cNvSpPr txBox="1"/>
+          <p:nvPr/>
+        </p:nvSpPr>
+        <p:spPr>
+          <a:xfrm>
+            <a:off x="1323584" y="8220877"/>
+            <a:ext cx="16632182" cy="369332"/>
+          </a:xfrm>
+          <a:prstGeom prst="rect">
+            <a:avLst/>
+          </a:prstGeom>
+          <a:noFill/>
+        </p:spPr>
+        <p:txBody>
+          <a:bodyPr wrap="none" rtlCol="0">
+            <a:spAutoFit/>
+          </a:bodyPr>
+          <a:lstStyle/>
+          <a:p>
+            <a:r>
+              <a:rPr lang="de-CH" dirty="0" smtClean="0"/>
+              <a:t>Beim programmieren (z.B. Java, C#,…) müssen die Datentypen explizit zugewiesen werden, oder bei Excel, Python,… wird der Datentype impliziert anhand des Wertes  gesetzt!!!!</a:t>
+            </a:r>
+            <a:endParaRPr lang="de-CH" dirty="0"/>
           </a:p>
         </p:txBody>
       </p:sp>
     </p:spTree>
     <p:extLst>
       <p:ext uri="{BB962C8B-B14F-4D97-AF65-F5344CB8AC3E}">
-        <p14:creationId xmlns:p14="http://schemas.microsoft.com/office/powerpoint/2010/main" val="1406119506"/>
+        <p14:creationId xmlns:p14="http://schemas.microsoft.com/office/powerpoint/2010/main" val="979477353"/>
       </p:ext>
     </p:extLst>
   </p:cSld>
   <p:clrMapOvr>
     <a:masterClrMapping/>
   </p:clrMapOvr>
+  <p:timing>
+    <p:tnLst>
+      <p:par>
+        <p:cTn id="1" dur="indefinite" restart="never" nodeType="tmRoot"/>
+      </p:par>
+    </p:tnLst>
+  </p:timing>
 </p:sld>
 </file>
 
@@ -13898,7 +13851,7 @@
         <p:spPr>
           <a:xfrm>
             <a:off x="1034388" y="605082"/>
-            <a:ext cx="14580262" cy="798937"/>
+            <a:ext cx="16866262" cy="798937"/>
           </a:xfrm>
           <a:prstGeom prst="rect">
             <a:avLst/>
@@ -13926,7 +13879,7 @@
                 <a:latin typeface="Arial"/>
                 <a:cs typeface="Arial"/>
               </a:rPr>
-              <a:t>Aufgabe: Ihren Steckbrief</a:t>
+              <a:t>Datenstrukturen</a:t>
             </a:r>
             <a:endParaRPr sz="5100" dirty="0">
               <a:latin typeface="Arial"/>
@@ -13978,14 +13931,14 @@
       </p:sp>
       <p:sp>
         <p:nvSpPr>
-          <p:cNvPr id="8" name="Textfeld 7"/>
+          <p:cNvPr id="11" name="Textfeld 10"/>
           <p:cNvSpPr txBox="1"/>
           <p:nvPr/>
         </p:nvSpPr>
         <p:spPr>
           <a:xfrm>
-            <a:off x="1007256" y="1673672"/>
-            <a:ext cx="7613559" cy="5262979"/>
+            <a:off x="1746250" y="1920875"/>
+            <a:ext cx="10118796" cy="584775"/>
           </a:xfrm>
           <a:prstGeom prst="rect">
             <a:avLst/>
@@ -13999,93 +13952,660 @@
           <a:lstStyle/>
           <a:p>
             <a:r>
-              <a:rPr lang="de-CH" sz="2800" dirty="0"/>
-              <a:t>Schreiben Sie </a:t>
-            </a:r>
-            <a:r>
-              <a:rPr lang="de-CH" sz="2800" dirty="0" smtClean="0"/>
-              <a:t>einen Steckbrief über </a:t>
-            </a:r>
-            <a:r>
-              <a:rPr lang="de-CH" sz="2800" dirty="0"/>
-              <a:t>Sie.</a:t>
-            </a:r>
-            <a:br>
-              <a:rPr lang="de-CH" sz="2800" dirty="0"/>
-            </a:br>
-            <a:r>
-              <a:rPr lang="de-CH" sz="2800" dirty="0"/>
-              <a:t>Darin sollen </a:t>
-            </a:r>
-            <a:r>
-              <a:rPr lang="de-CH" sz="2800" dirty="0" smtClean="0"/>
-              <a:t>unter anderem folgendes vorkommen:</a:t>
-            </a:r>
-          </a:p>
-          <a:p>
-            <a:pPr marL="457200" indent="-457200">
-              <a:buFont typeface="Arial" panose="020B0604020202020204" pitchFamily="34" charset="0"/>
-              <a:buChar char="•"/>
+              <a:rPr lang="de-CH" sz="3200" dirty="0" smtClean="0"/>
+              <a:t>Mehrere Variablen unter einer Variablen zusammengefasst!</a:t>
+            </a:r>
+            <a:endParaRPr lang="de-CH" sz="3200" dirty="0"/>
+          </a:p>
+        </p:txBody>
+      </p:sp>
+      <p:pic>
+        <p:nvPicPr>
+          <p:cNvPr id="28" name="Grafik 27" descr="workspace - Java - Verwo/src/com/verwo/torque/DescramblerParameters.java - Eclipse"/>
+          <p:cNvPicPr>
+            <a:picLocks noChangeAspect="1"/>
+          </p:cNvPicPr>
+          <p:nvPr/>
+        </p:nvPicPr>
+        <p:blipFill rotWithShape="1">
+          <a:blip r:embed="rId3">
+            <a:extLst>
+              <a:ext uri="{28A0092B-C50C-407E-A947-70E740481C1C}">
+                <a14:useLocalDpi xmlns:a14="http://schemas.microsoft.com/office/drawing/2010/main" val="0"/>
+              </a:ext>
+            </a:extLst>
+          </a:blip>
+          <a:srcRect l="32647" t="19392" r="42150" b="67684"/>
+          <a:stretch/>
+        </p:blipFill>
+        <p:spPr>
+          <a:xfrm>
+            <a:off x="10585450" y="3646537"/>
+            <a:ext cx="4648200" cy="1447800"/>
+          </a:xfrm>
+          <a:prstGeom prst="rect">
+            <a:avLst/>
+          </a:prstGeom>
+        </p:spPr>
+      </p:pic>
+      <p:pic>
+        <p:nvPicPr>
+          <p:cNvPr id="29" name="Grafik 28" descr="workspace - Java - Verwo/src/com/verwo/torque/DescramblerConfig.java - Eclipse"/>
+          <p:cNvPicPr>
+            <a:picLocks noChangeAspect="1"/>
+          </p:cNvPicPr>
+          <p:nvPr/>
+        </p:nvPicPr>
+        <p:blipFill rotWithShape="1">
+          <a:blip r:embed="rId4">
+            <a:extLst>
+              <a:ext uri="{28A0092B-C50C-407E-A947-70E740481C1C}">
+                <a14:useLocalDpi xmlns:a14="http://schemas.microsoft.com/office/drawing/2010/main" val="0"/>
+              </a:ext>
+            </a:extLst>
+          </a:blip>
+          <a:srcRect l="35540" t="39117" r="14881" b="57482"/>
+          <a:stretch/>
+        </p:blipFill>
+        <p:spPr>
+          <a:xfrm>
+            <a:off x="7766050" y="7255749"/>
+            <a:ext cx="9144000" cy="381000"/>
+          </a:xfrm>
+          <a:prstGeom prst="rect">
+            <a:avLst/>
+          </a:prstGeom>
+        </p:spPr>
+      </p:pic>
+      <p:pic>
+        <p:nvPicPr>
+          <p:cNvPr id="30" name="Grafik 29" descr="workspace - Java - RothlinLib/src/com/rothlin/graphics/FunctionGraph/FunctionControllerWithExpressionString.java - Eclipse"/>
+          <p:cNvPicPr>
+            <a:picLocks noChangeAspect="1"/>
+          </p:cNvPicPr>
+          <p:nvPr/>
+        </p:nvPicPr>
+        <p:blipFill rotWithShape="1">
+          <a:blip r:embed="rId5">
+            <a:extLst>
+              <a:ext uri="{28A0092B-C50C-407E-A947-70E740481C1C}">
+                <a14:useLocalDpi xmlns:a14="http://schemas.microsoft.com/office/drawing/2010/main" val="0"/>
+              </a:ext>
+            </a:extLst>
+          </a:blip>
+          <a:srcRect l="35539" t="28234" r="24797" b="60883"/>
+          <a:stretch/>
+        </p:blipFill>
+        <p:spPr>
+          <a:xfrm>
+            <a:off x="2432050" y="3428979"/>
+            <a:ext cx="7315200" cy="1219200"/>
+          </a:xfrm>
+          <a:prstGeom prst="rect">
+            <a:avLst/>
+          </a:prstGeom>
+        </p:spPr>
+      </p:pic>
+      <p:pic>
+        <p:nvPicPr>
+          <p:cNvPr id="31" name="Grafik 30" descr="Javabeginners - Array deklarieren - Mozilla Firefox"/>
+          <p:cNvPicPr>
+            <a:picLocks noChangeAspect="1"/>
+          </p:cNvPicPr>
+          <p:nvPr/>
+        </p:nvPicPr>
+        <p:blipFill rotWithShape="1">
+          <a:blip r:embed="rId6">
+            <a:extLst>
+              <a:ext uri="{28A0092B-C50C-407E-A947-70E740481C1C}">
+                <a14:useLocalDpi xmlns:a14="http://schemas.microsoft.com/office/drawing/2010/main" val="0"/>
+              </a:ext>
+            </a:extLst>
+          </a:blip>
+          <a:srcRect l="18563" t="29656" r="67964" b="53699"/>
+          <a:stretch/>
+        </p:blipFill>
+        <p:spPr>
+          <a:xfrm>
+            <a:off x="1517650" y="5571507"/>
+            <a:ext cx="4582453" cy="3054967"/>
+          </a:xfrm>
+          <a:prstGeom prst="rect">
+            <a:avLst/>
+          </a:prstGeom>
+        </p:spPr>
+      </p:pic>
+      <p:sp>
+        <p:nvSpPr>
+          <p:cNvPr id="17" name="object 12"/>
+          <p:cNvSpPr txBox="1">
+            <a:spLocks noGrp="1"/>
+          </p:cNvSpPr>
+          <p:nvPr>
+            <p:ph type="ftr" sz="quarter" idx="5"/>
+          </p:nvPr>
+        </p:nvSpPr>
+        <p:spPr>
+          <a:xfrm>
+            <a:off x="8081294" y="10235393"/>
+            <a:ext cx="6771356" cy="448841"/>
+          </a:xfrm>
+          <a:prstGeom prst="rect">
+            <a:avLst/>
+          </a:prstGeom>
+        </p:spPr>
+        <p:txBody>
+          <a:bodyPr vert="horz" wrap="square" lIns="0" tIns="0" rIns="0" bIns="0" rtlCol="0">
+            <a:spAutoFit/>
+          </a:bodyPr>
+          <a:lstStyle/>
+          <a:p>
+            <a:pPr marL="12700">
+              <a:lnSpc>
+                <a:spcPts val="3515"/>
+              </a:lnSpc>
             </a:pPr>
             <a:r>
-              <a:rPr lang="de-CH" sz="2800" dirty="0" smtClean="0"/>
-              <a:t>Personalien</a:t>
-            </a:r>
-          </a:p>
-          <a:p>
-            <a:pPr marL="457200" indent="-457200">
-              <a:buFont typeface="Arial" panose="020B0604020202020204" pitchFamily="34" charset="0"/>
-              <a:buChar char="•"/>
+              <a:rPr lang="de-CH" sz="2000" spc="5" dirty="0" smtClean="0"/>
+              <a:t>Walter Rothlin   </a:t>
+            </a:r>
+            <a:r>
+              <a:rPr spc="5" dirty="0" smtClean="0"/>
+              <a:t>| </a:t>
+            </a:r>
+            <a:r>
+              <a:rPr lang="de-CH" spc="5" dirty="0" smtClean="0"/>
+              <a:t>  </a:t>
+            </a:r>
+            <a:r>
+              <a:rPr spc="5" dirty="0" err="1" smtClean="0"/>
+              <a:t>Modul</a:t>
+            </a:r>
+            <a:r>
+              <a:rPr spc="-55" dirty="0" smtClean="0"/>
+              <a:t> </a:t>
+            </a:r>
+            <a:r>
+              <a:rPr spc="5" dirty="0" smtClean="0"/>
+              <a:t>1</a:t>
+            </a:r>
+            <a:r>
+              <a:rPr lang="de-CH" spc="5" dirty="0" smtClean="0"/>
+              <a:t>62  | </a:t>
+            </a:r>
+            <a:r>
+              <a:rPr lang="de-CH" sz="2000" spc="5" dirty="0" smtClean="0"/>
+              <a:t>6.8.21</a:t>
+            </a:r>
+            <a:endParaRPr sz="2000" spc="5" dirty="0"/>
+          </a:p>
+        </p:txBody>
+      </p:sp>
+    </p:spTree>
+    <p:extLst>
+      <p:ext uri="{BB962C8B-B14F-4D97-AF65-F5344CB8AC3E}">
+        <p14:creationId xmlns:p14="http://schemas.microsoft.com/office/powerpoint/2010/main" val="1406119506"/>
+      </p:ext>
+    </p:extLst>
+  </p:cSld>
+  <p:clrMapOvr>
+    <a:masterClrMapping/>
+  </p:clrMapOvr>
+  <p:timing>
+    <p:tnLst>
+      <p:par>
+        <p:cTn id="1" dur="indefinite" restart="never" nodeType="tmRoot"/>
+      </p:par>
+    </p:tnLst>
+  </p:timing>
+</p:sld>
+</file>
+
+<file path=ppt/slides/slide7.xml><?xml version="1.0" encoding="utf-8"?>
+<p:sld xmlns:a="http://schemas.openxmlformats.org/drawingml/2006/main" xmlns:r="http://schemas.openxmlformats.org/officeDocument/2006/relationships" xmlns:p="http://schemas.openxmlformats.org/presentationml/2006/main">
+  <p:cSld>
+    <p:bg>
+      <p:bgPr>
+        <a:noFill/>
+        <a:effectLst/>
+      </p:bgPr>
+    </p:bg>
+    <p:spTree>
+      <p:nvGrpSpPr>
+        <p:cNvPr id="1" name=""/>
+        <p:cNvGrpSpPr/>
+        <p:nvPr/>
+      </p:nvGrpSpPr>
+      <p:grpSpPr>
+        <a:xfrm>
+          <a:off x="0" y="0"/>
+          <a:ext cx="0" cy="0"/>
+          <a:chOff x="0" y="0"/>
+          <a:chExt cx="0" cy="0"/>
+        </a:xfrm>
+      </p:grpSpPr>
+      <p:sp>
+        <p:nvSpPr>
+          <p:cNvPr id="2" name="object 2"/>
+          <p:cNvSpPr/>
+          <p:nvPr/>
+        </p:nvSpPr>
+        <p:spPr>
+          <a:xfrm>
+            <a:off x="1146365" y="10237110"/>
+            <a:ext cx="205104" cy="208915"/>
+          </a:xfrm>
+          <a:custGeom>
+            <a:avLst/>
+            <a:gdLst/>
+            <a:ahLst/>
+            <a:cxnLst/>
+            <a:rect l="l" t="t" r="r" b="b"/>
+            <a:pathLst>
+              <a:path w="205105" h="208915">
+                <a:moveTo>
+                  <a:pt x="0" y="0"/>
+                </a:moveTo>
+                <a:lnTo>
+                  <a:pt x="0" y="208770"/>
+                </a:lnTo>
+                <a:lnTo>
+                  <a:pt x="205103" y="208770"/>
+                </a:lnTo>
+                <a:lnTo>
+                  <a:pt x="0" y="0"/>
+                </a:lnTo>
+                <a:close/>
+              </a:path>
+            </a:pathLst>
+          </a:custGeom>
+          <a:solidFill>
+            <a:srgbClr val="009FE3"/>
+          </a:solidFill>
+        </p:spPr>
+        <p:txBody>
+          <a:bodyPr wrap="square" lIns="0" tIns="0" rIns="0" bIns="0" rtlCol="0"/>
+          <a:lstStyle/>
+          <a:p>
+            <a:endParaRPr/>
+          </a:p>
+        </p:txBody>
+      </p:sp>
+      <p:sp>
+        <p:nvSpPr>
+          <p:cNvPr id="3" name="object 3"/>
+          <p:cNvSpPr/>
+          <p:nvPr/>
+        </p:nvSpPr>
+        <p:spPr>
+          <a:xfrm>
+            <a:off x="1141608" y="10444321"/>
+            <a:ext cx="211454" cy="0"/>
+          </a:xfrm>
+          <a:custGeom>
+            <a:avLst/>
+            <a:gdLst/>
+            <a:ahLst/>
+            <a:cxnLst/>
+            <a:rect l="l" t="t" r="r" b="b"/>
+            <a:pathLst>
+              <a:path w="211455">
+                <a:moveTo>
+                  <a:pt x="0" y="0"/>
+                </a:moveTo>
+                <a:lnTo>
+                  <a:pt x="211445" y="0"/>
+                </a:lnTo>
+              </a:path>
+            </a:pathLst>
+          </a:custGeom>
+          <a:ln w="6350">
+            <a:solidFill>
+              <a:srgbClr val="000000"/>
+            </a:solidFill>
+          </a:ln>
+        </p:spPr>
+        <p:txBody>
+          <a:bodyPr wrap="square" lIns="0" tIns="0" rIns="0" bIns="0" rtlCol="0"/>
+          <a:lstStyle/>
+          <a:p>
+            <a:endParaRPr/>
+          </a:p>
+        </p:txBody>
+      </p:sp>
+      <p:sp>
+        <p:nvSpPr>
+          <p:cNvPr id="4" name="object 4"/>
+          <p:cNvSpPr/>
+          <p:nvPr/>
+        </p:nvSpPr>
+        <p:spPr>
+          <a:xfrm>
+            <a:off x="1144779" y="10405712"/>
+            <a:ext cx="0" cy="35560"/>
+          </a:xfrm>
+          <a:custGeom>
+            <a:avLst/>
+            <a:gdLst/>
+            <a:ahLst/>
+            <a:cxnLst/>
+            <a:rect l="l" t="t" r="r" b="b"/>
+            <a:pathLst>
+              <a:path h="35559">
+                <a:moveTo>
+                  <a:pt x="0" y="0"/>
+                </a:moveTo>
+                <a:lnTo>
+                  <a:pt x="0" y="35434"/>
+                </a:lnTo>
+              </a:path>
+            </a:pathLst>
+          </a:custGeom>
+          <a:ln w="6343">
+            <a:solidFill>
+              <a:srgbClr val="000000"/>
+            </a:solidFill>
+          </a:ln>
+        </p:spPr>
+        <p:txBody>
+          <a:bodyPr wrap="square" lIns="0" tIns="0" rIns="0" bIns="0" rtlCol="0"/>
+          <a:lstStyle/>
+          <a:p>
+            <a:endParaRPr/>
+          </a:p>
+        </p:txBody>
+      </p:sp>
+      <p:sp>
+        <p:nvSpPr>
+          <p:cNvPr id="5" name="object 5"/>
+          <p:cNvSpPr/>
+          <p:nvPr/>
+        </p:nvSpPr>
+        <p:spPr>
+          <a:xfrm>
+            <a:off x="1350146" y="10405712"/>
+            <a:ext cx="0" cy="36195"/>
+          </a:xfrm>
+          <a:custGeom>
+            <a:avLst/>
+            <a:gdLst/>
+            <a:ahLst/>
+            <a:cxnLst/>
+            <a:rect l="l" t="t" r="r" b="b"/>
+            <a:pathLst>
+              <a:path h="36195">
+                <a:moveTo>
+                  <a:pt x="0" y="0"/>
+                </a:moveTo>
+                <a:lnTo>
+                  <a:pt x="0" y="35863"/>
+                </a:lnTo>
+              </a:path>
+            </a:pathLst>
+          </a:custGeom>
+          <a:ln w="5814">
+            <a:solidFill>
+              <a:srgbClr val="000000"/>
+            </a:solidFill>
+          </a:ln>
+        </p:spPr>
+        <p:txBody>
+          <a:bodyPr wrap="square" lIns="0" tIns="0" rIns="0" bIns="0" rtlCol="0"/>
+          <a:lstStyle/>
+          <a:p>
+            <a:endParaRPr/>
+          </a:p>
+        </p:txBody>
+      </p:sp>
+      <p:sp>
+        <p:nvSpPr>
+          <p:cNvPr id="6" name="object 6"/>
+          <p:cNvSpPr/>
+          <p:nvPr/>
+        </p:nvSpPr>
+        <p:spPr>
+          <a:xfrm>
+            <a:off x="1122478" y="9976405"/>
+            <a:ext cx="247650" cy="429895"/>
+          </a:xfrm>
+          <a:custGeom>
+            <a:avLst/>
+            <a:gdLst/>
+            <a:ahLst/>
+            <a:cxnLst/>
+            <a:rect l="l" t="t" r="r" b="b"/>
+            <a:pathLst>
+              <a:path w="247650" h="429895">
+                <a:moveTo>
+                  <a:pt x="0" y="429306"/>
+                </a:moveTo>
+                <a:lnTo>
+                  <a:pt x="247129" y="429306"/>
+                </a:lnTo>
+                <a:lnTo>
+                  <a:pt x="247129" y="0"/>
+                </a:lnTo>
+                <a:lnTo>
+                  <a:pt x="0" y="0"/>
+                </a:lnTo>
+                <a:lnTo>
+                  <a:pt x="0" y="429306"/>
+                </a:lnTo>
+                <a:close/>
+              </a:path>
+            </a:pathLst>
+          </a:custGeom>
+          <a:solidFill>
+            <a:srgbClr val="FFFFFF"/>
+          </a:solidFill>
+        </p:spPr>
+        <p:txBody>
+          <a:bodyPr wrap="square" lIns="0" tIns="0" rIns="0" bIns="0" rtlCol="0"/>
+          <a:lstStyle/>
+          <a:p>
+            <a:endParaRPr/>
+          </a:p>
+        </p:txBody>
+      </p:sp>
+      <p:sp>
+        <p:nvSpPr>
+          <p:cNvPr id="13" name="object 13"/>
+          <p:cNvSpPr txBox="1">
+            <a:spLocks noGrp="1"/>
+          </p:cNvSpPr>
+          <p:nvPr>
+            <p:ph type="sldNum" sz="quarter" idx="7"/>
+          </p:nvPr>
+        </p:nvSpPr>
+        <p:spPr>
+          <a:prstGeom prst="rect">
+            <a:avLst/>
+          </a:prstGeom>
+        </p:spPr>
+        <p:txBody>
+          <a:bodyPr vert="horz" wrap="square" lIns="0" tIns="0" rIns="0" bIns="0" rtlCol="0">
+            <a:spAutoFit/>
+          </a:bodyPr>
+          <a:lstStyle/>
+          <a:p>
+            <a:pPr marL="25400">
+              <a:lnSpc>
+                <a:spcPts val="1735"/>
+              </a:lnSpc>
             </a:pPr>
-            <a:r>
-              <a:rPr lang="de-CH" sz="2800" dirty="0" smtClean="0"/>
-              <a:t>E-Mail Adresse</a:t>
-            </a:r>
-          </a:p>
-          <a:p>
-            <a:pPr marL="457200" indent="-457200">
-              <a:buFont typeface="Arial" panose="020B0604020202020204" pitchFamily="34" charset="0"/>
-              <a:buChar char="•"/>
+            <a:fld id="{81D60167-4931-47E6-BA6A-407CBD079E47}" type="slidenum">
+              <a:rPr spc="15" dirty="0"/>
+              <a:t>7</a:t>
+            </a:fld>
+            <a:endParaRPr spc="15" dirty="0"/>
+          </a:p>
+        </p:txBody>
+      </p:sp>
+      <p:sp>
+        <p:nvSpPr>
+          <p:cNvPr id="9" name="object 9"/>
+          <p:cNvSpPr txBox="1"/>
+          <p:nvPr/>
+        </p:nvSpPr>
+        <p:spPr>
+          <a:xfrm>
+            <a:off x="1107684" y="9945112"/>
+            <a:ext cx="215900" cy="327025"/>
+          </a:xfrm>
+          <a:prstGeom prst="rect">
+            <a:avLst/>
+          </a:prstGeom>
+        </p:spPr>
+        <p:txBody>
+          <a:bodyPr vert="horz" wrap="square" lIns="0" tIns="15875" rIns="0" bIns="0" rtlCol="0">
+            <a:spAutoFit/>
+          </a:bodyPr>
+          <a:lstStyle/>
+          <a:p>
+            <a:pPr marL="12700">
+              <a:lnSpc>
+                <a:spcPct val="100000"/>
+              </a:lnSpc>
+              <a:spcBef>
+                <a:spcPts val="125"/>
+              </a:spcBef>
             </a:pPr>
             <a:r>
-              <a:rPr lang="de-CH" sz="2800" dirty="0" smtClean="0"/>
-              <a:t>Hobbies</a:t>
-            </a:r>
-          </a:p>
-          <a:p>
-            <a:pPr marL="457200" indent="-457200">
-              <a:buFont typeface="Arial" panose="020B0604020202020204" pitchFamily="34" charset="0"/>
-              <a:buChar char="•"/>
+              <a:rPr sz="1950" dirty="0">
+                <a:latin typeface="Calibri"/>
+                <a:cs typeface="Calibri"/>
+              </a:rPr>
+              <a:t>...</a:t>
+            </a:r>
+            <a:endParaRPr sz="1950">
+              <a:latin typeface="Calibri"/>
+              <a:cs typeface="Calibri"/>
+            </a:endParaRPr>
+          </a:p>
+        </p:txBody>
+      </p:sp>
+      <p:sp>
+        <p:nvSpPr>
+          <p:cNvPr id="10" name="object 10"/>
+          <p:cNvSpPr txBox="1">
+            <a:spLocks noGrp="1"/>
+          </p:cNvSpPr>
+          <p:nvPr>
+            <p:ph type="title"/>
+          </p:nvPr>
+        </p:nvSpPr>
+        <p:spPr>
+          <a:xfrm>
+            <a:off x="1034388" y="605082"/>
+            <a:ext cx="14580262" cy="798937"/>
+          </a:xfrm>
+          <a:prstGeom prst="rect">
+            <a:avLst/>
+          </a:prstGeom>
+        </p:spPr>
+        <p:txBody>
+          <a:bodyPr vert="horz" wrap="square" lIns="0" tIns="13970" rIns="0" bIns="0" rtlCol="0">
+            <a:spAutoFit/>
+          </a:bodyPr>
+          <a:lstStyle/>
+          <a:p>
+            <a:pPr marL="12700">
+              <a:lnSpc>
+                <a:spcPct val="100000"/>
+              </a:lnSpc>
+              <a:spcBef>
+                <a:spcPts val="110"/>
+              </a:spcBef>
             </a:pPr>
             <a:r>
-              <a:rPr lang="de-CH" sz="2800" dirty="0" smtClean="0"/>
-              <a:t>Bild</a:t>
-            </a:r>
-          </a:p>
-          <a:p>
-            <a:pPr marL="457200" indent="-457200">
-              <a:buFont typeface="Arial" panose="020B0604020202020204" pitchFamily="34" charset="0"/>
-              <a:buChar char="•"/>
-            </a:pPr>
-            <a:r>
-              <a:rPr lang="de-CH" sz="2800" dirty="0" smtClean="0"/>
-              <a:t>…..</a:t>
-            </a:r>
-          </a:p>
-          <a:p>
-            <a:pPr marL="457200" indent="-457200">
-              <a:buFont typeface="Arial" panose="020B0604020202020204" pitchFamily="34" charset="0"/>
-              <a:buChar char="•"/>
-            </a:pPr>
-            <a:r>
-              <a:rPr lang="de-CH" sz="2800" dirty="0" err="1" smtClean="0"/>
-              <a:t>OnePager</a:t>
-            </a:r>
-            <a:r>
-              <a:rPr lang="de-CH" sz="2800" dirty="0" smtClean="0"/>
-              <a:t>!</a:t>
-            </a:r>
-          </a:p>
+              <a:rPr lang="de-CH" sz="5100" b="1" spc="-60" dirty="0" smtClean="0">
+                <a:solidFill>
+                  <a:srgbClr val="006FC0"/>
+                </a:solidFill>
+                <a:latin typeface="Arial"/>
+                <a:cs typeface="Arial"/>
+              </a:rPr>
+              <a:t>Aufgabe: </a:t>
+            </a:r>
+            <a:r>
+              <a:rPr lang="de-CH" sz="5100" b="1" spc="-60" dirty="0" smtClean="0">
+                <a:solidFill>
+                  <a:srgbClr val="006FC0"/>
+                </a:solidFill>
+                <a:latin typeface="Arial"/>
+                <a:cs typeface="Arial"/>
+              </a:rPr>
+              <a:t>Adressliste</a:t>
+            </a:r>
+            <a:endParaRPr sz="5100" dirty="0">
+              <a:latin typeface="Arial"/>
+              <a:cs typeface="Arial"/>
+            </a:endParaRPr>
+          </a:p>
+        </p:txBody>
+      </p:sp>
+      <p:sp>
+        <p:nvSpPr>
+          <p:cNvPr id="16" name="AutoShape 3" descr="Bildergebnis für Haus">
+            <a:hlinkClick r:id="rId2"/>
+          </p:cNvPr>
+          <p:cNvSpPr>
+            <a:spLocks noChangeAspect="1" noChangeArrowheads="1"/>
+          </p:cNvSpPr>
+          <p:nvPr/>
+        </p:nvSpPr>
+        <p:spPr bwMode="auto">
+          <a:xfrm>
+            <a:off x="155575" y="-280988"/>
+            <a:ext cx="304800" cy="304801"/>
+          </a:xfrm>
+          <a:prstGeom prst="rect">
+            <a:avLst/>
+          </a:prstGeom>
+          <a:noFill/>
+          <a:extLst>
+            <a:ext uri="{909E8E84-426E-40DD-AFC4-6F175D3DCCD1}">
+              <a14:hiddenFill xmlns:a14="http://schemas.microsoft.com/office/drawing/2010/main">
+                <a:solidFill>
+                  <a:srgbClr val="FFFFFF"/>
+                </a:solidFill>
+              </a14:hiddenFill>
+            </a:ext>
+          </a:extLst>
+        </p:spPr>
+        <p:txBody>
+          <a:bodyPr vert="horz" wrap="square" lIns="91440" tIns="45720" rIns="91440" bIns="45720" numCol="1" anchor="t" anchorCtr="0" compatLnSpc="1">
+            <a:prstTxWarp prst="textNoShape">
+              <a:avLst/>
+            </a:prstTxWarp>
+          </a:bodyPr>
+          <a:lstStyle/>
+          <a:p>
+            <a:endParaRPr lang="de-CH"/>
+          </a:p>
+        </p:txBody>
+      </p:sp>
+      <p:sp>
+        <p:nvSpPr>
+          <p:cNvPr id="8" name="Textfeld 7"/>
+          <p:cNvSpPr txBox="1"/>
+          <p:nvPr/>
+        </p:nvSpPr>
+        <p:spPr>
+          <a:xfrm>
+            <a:off x="1007256" y="1673672"/>
+            <a:ext cx="5846088" cy="1815882"/>
+          </a:xfrm>
+          <a:prstGeom prst="rect">
+            <a:avLst/>
+          </a:prstGeom>
+          <a:noFill/>
+        </p:spPr>
+        <p:txBody>
+          <a:bodyPr wrap="none" rtlCol="0">
+            <a:spAutoFit/>
+          </a:bodyPr>
+          <a:lstStyle/>
           <a:p>
             <a:pPr marL="457200" indent="-457200">
               <a:buFont typeface="Arial" panose="020B0604020202020204" pitchFamily="34" charset="0"/>
@@ -14172,15 +14692,7 @@
             </a:r>
             <a:r>
               <a:rPr lang="de-CH" spc="5" dirty="0" smtClean="0"/>
-              <a:t>62</a:t>
-            </a:r>
-            <a:r>
-              <a:rPr lang="de-CH" spc="5" dirty="0" smtClean="0"/>
-              <a:t>  </a:t>
-            </a:r>
-            <a:r>
-              <a:rPr lang="de-CH" spc="5" dirty="0" smtClean="0"/>
-              <a:t>| </a:t>
+              <a:t>62  | </a:t>
             </a:r>
             <a:r>
               <a:rPr lang="de-CH" sz="2000" spc="5" dirty="0" smtClean="0"/>

--- a/SchulungsUnterlagen/BZU/162_Einführung_Grundlagen_01.pptx
+++ b/SchulungsUnterlagen/BZU/162_Einführung_Grundlagen_01.pptx
@@ -3432,7 +3432,12 @@
           <a:bodyPr wrap="square" lIns="0" tIns="0" rIns="0" bIns="0" rtlCol="0"/>
           <a:lstStyle/>
           <a:p>
-            <a:endParaRPr/>
+            <a:pPr marL="12700">
+              <a:lnSpc>
+                <a:spcPts val="3515"/>
+              </a:lnSpc>
+            </a:pPr>
+            <a:endParaRPr lang="de-CH" spc="5" dirty="0"/>
           </a:p>
         </p:txBody>
       </p:sp>
@@ -10082,8 +10087,8 @@
         </p:nvSpPr>
         <p:spPr>
           <a:xfrm>
-            <a:off x="13103508" y="10298553"/>
-            <a:ext cx="153035" cy="327025"/>
+            <a:off x="18097499" y="10760075"/>
+            <a:ext cx="1981200" cy="316112"/>
           </a:xfrm>
           <a:prstGeom prst="rect">
             <a:avLst/>
@@ -10104,13 +10109,13 @@
               </a:spcBef>
             </a:pPr>
             <a:r>
-              <a:rPr sz="1950" spc="10" dirty="0">
+              <a:rPr lang="de-CH" sz="1950" spc="10" dirty="0" smtClean="0">
                 <a:latin typeface="Calibri"/>
                 <a:cs typeface="Calibri"/>
               </a:rPr>
-              <a:t>1</a:t>
+              <a:t>Version: 2.9.21</a:t>
             </a:r>
-            <a:endParaRPr sz="1950">
+            <a:endParaRPr sz="1950" dirty="0">
               <a:latin typeface="Calibri"/>
               <a:cs typeface="Calibri"/>
             </a:endParaRPr>
@@ -10925,72 +10930,6 @@
               <a:t>Uster, 13°,… können in Form von Nachrichten gespeichert, verarbeitet und verteilt werden </a:t>
             </a:r>
             <a:endParaRPr lang="de-CH" sz="2800" dirty="0"/>
-          </a:p>
-        </p:txBody>
-      </p:sp>
-      <p:sp>
-        <p:nvSpPr>
-          <p:cNvPr id="22" name="object 12"/>
-          <p:cNvSpPr txBox="1">
-            <a:spLocks noGrp="1"/>
-          </p:cNvSpPr>
-          <p:nvPr>
-            <p:ph type="ftr" sz="quarter" idx="5"/>
-          </p:nvPr>
-        </p:nvSpPr>
-        <p:spPr>
-          <a:xfrm>
-            <a:off x="8081294" y="10235393"/>
-            <a:ext cx="6771356" cy="448841"/>
-          </a:xfrm>
-          <a:prstGeom prst="rect">
-            <a:avLst/>
-          </a:prstGeom>
-        </p:spPr>
-        <p:txBody>
-          <a:bodyPr vert="horz" wrap="square" lIns="0" tIns="0" rIns="0" bIns="0" rtlCol="0">
-            <a:spAutoFit/>
-          </a:bodyPr>
-          <a:lstStyle/>
-          <a:p>
-            <a:pPr marL="12700">
-              <a:lnSpc>
-                <a:spcPts val="3515"/>
-              </a:lnSpc>
-            </a:pPr>
-            <a:r>
-              <a:rPr lang="de-CH" sz="2000" spc="5" dirty="0" smtClean="0"/>
-              <a:t>Walter Rothlin   </a:t>
-            </a:r>
-            <a:r>
-              <a:rPr spc="5" dirty="0" smtClean="0"/>
-              <a:t>| </a:t>
-            </a:r>
-            <a:r>
-              <a:rPr lang="de-CH" spc="5" dirty="0" smtClean="0"/>
-              <a:t>  </a:t>
-            </a:r>
-            <a:r>
-              <a:rPr spc="5" dirty="0" err="1" smtClean="0"/>
-              <a:t>Modul</a:t>
-            </a:r>
-            <a:r>
-              <a:rPr spc="-55" dirty="0" smtClean="0"/>
-              <a:t> </a:t>
-            </a:r>
-            <a:r>
-              <a:rPr spc="5" dirty="0" smtClean="0"/>
-              <a:t>1</a:t>
-            </a:r>
-            <a:r>
-              <a:rPr lang="de-CH" spc="5" dirty="0" smtClean="0"/>
-              <a:t>62  | </a:t>
-            </a:r>
-            <a:r>
-              <a:rPr lang="de-CH" sz="2000" spc="5" dirty="0" smtClean="0"/>
-              <a:t>6.8.21</a:t>
-            </a:r>
-            <a:endParaRPr sz="2000" spc="5" dirty="0"/>
           </a:p>
         </p:txBody>
       </p:sp>
@@ -11443,6 +11382,14 @@
             <a:avLst/>
           </a:prstGeom>
           <a:noFill/>
+          <a:ln>
+            <a:solidFill>
+              <a:schemeClr val="accent1">
+                <a:lumMod val="60000"/>
+                <a:lumOff val="40000"/>
+              </a:schemeClr>
+            </a:solidFill>
+          </a:ln>
         </p:spPr>
         <p:txBody>
           <a:bodyPr wrap="none" rtlCol="0">
@@ -11466,13 +11413,21 @@
         </p:nvSpPr>
         <p:spPr>
           <a:xfrm>
-            <a:off x="2736850" y="5531254"/>
+            <a:off x="2094396" y="4305703"/>
             <a:ext cx="4146776" cy="2800767"/>
           </a:xfrm>
           <a:prstGeom prst="rect">
             <a:avLst/>
           </a:prstGeom>
           <a:noFill/>
+          <a:ln>
+            <a:solidFill>
+              <a:schemeClr val="tx2">
+                <a:lumMod val="40000"/>
+                <a:lumOff val="60000"/>
+              </a:schemeClr>
+            </a:solidFill>
+          </a:ln>
         </p:spPr>
         <p:txBody>
           <a:bodyPr wrap="none" rtlCol="0">
@@ -11524,85 +11479,27 @@
       </p:sp>
       <p:sp>
         <p:nvSpPr>
-          <p:cNvPr id="22" name="object 12"/>
-          <p:cNvSpPr txBox="1">
-            <a:spLocks noGrp="1"/>
-          </p:cNvSpPr>
-          <p:nvPr>
-            <p:ph type="ftr" sz="quarter" idx="5"/>
-          </p:nvPr>
-        </p:nvSpPr>
-        <p:spPr>
-          <a:xfrm>
-            <a:off x="8081294" y="10235393"/>
-            <a:ext cx="6771356" cy="448841"/>
-          </a:xfrm>
-          <a:prstGeom prst="rect">
-            <a:avLst/>
-          </a:prstGeom>
-        </p:spPr>
-        <p:txBody>
-          <a:bodyPr vert="horz" wrap="square" lIns="0" tIns="0" rIns="0" bIns="0" rtlCol="0">
-            <a:spAutoFit/>
-          </a:bodyPr>
-          <a:lstStyle/>
-          <a:p>
-            <a:pPr marL="12700">
-              <a:lnSpc>
-                <a:spcPts val="3515"/>
-              </a:lnSpc>
-            </a:pPr>
-            <a:r>
-              <a:rPr lang="de-CH" sz="2000" spc="5" dirty="0" smtClean="0"/>
-              <a:t>Walter Rothlin   </a:t>
-            </a:r>
-            <a:r>
-              <a:rPr spc="5" dirty="0" smtClean="0"/>
-              <a:t>| </a:t>
-            </a:r>
-            <a:r>
-              <a:rPr lang="de-CH" spc="5" dirty="0" smtClean="0"/>
-              <a:t>  </a:t>
-            </a:r>
-            <a:r>
-              <a:rPr spc="5" dirty="0" err="1" smtClean="0"/>
-              <a:t>Modul</a:t>
-            </a:r>
-            <a:r>
-              <a:rPr spc="-55" dirty="0" smtClean="0"/>
-              <a:t> </a:t>
-            </a:r>
-            <a:r>
-              <a:rPr spc="5" dirty="0" smtClean="0"/>
-              <a:t>1</a:t>
-            </a:r>
-            <a:r>
-              <a:rPr lang="de-CH" spc="5" dirty="0" smtClean="0"/>
-              <a:t>62  | </a:t>
-            </a:r>
-            <a:r>
-              <a:rPr lang="de-CH" sz="2000" spc="5" dirty="0" smtClean="0"/>
-              <a:t>6.8.21</a:t>
-            </a:r>
-            <a:endParaRPr sz="2000" spc="5" dirty="0"/>
-          </a:p>
-        </p:txBody>
-      </p:sp>
-      <p:sp>
-        <p:nvSpPr>
           <p:cNvPr id="24" name="Textfeld 23"/>
           <p:cNvSpPr txBox="1"/>
           <p:nvPr/>
         </p:nvSpPr>
         <p:spPr>
           <a:xfrm>
-            <a:off x="10052050" y="6572115"/>
-            <a:ext cx="7497052" cy="769441"/>
+            <a:off x="7708002" y="4305712"/>
+            <a:ext cx="7497052" cy="1446550"/>
           </a:xfrm>
           <a:prstGeom prst="rect">
             <a:avLst/>
           </a:prstGeom>
           <a:noFill/>
+          <a:ln>
+            <a:solidFill>
+              <a:schemeClr val="tx2">
+                <a:lumMod val="40000"/>
+                <a:lumOff val="60000"/>
+              </a:schemeClr>
+            </a:solidFill>
+          </a:ln>
         </p:spPr>
         <p:txBody>
           <a:bodyPr wrap="none" rtlCol="0">
@@ -11614,6 +11511,64 @@
               <a:rPr lang="de-CH" sz="4400" dirty="0" smtClean="0"/>
               <a:t>Rothlin;Walter;8855;Wangen SZ</a:t>
             </a:r>
+          </a:p>
+          <a:p>
+            <a:r>
+              <a:rPr lang="de-CH" sz="4400" dirty="0" smtClean="0"/>
+              <a:t>Franz;Bernhard;8854;Siebnen</a:t>
+            </a:r>
+            <a:endParaRPr lang="de-CH" sz="4400" dirty="0" smtClean="0"/>
+          </a:p>
+        </p:txBody>
+      </p:sp>
+      <p:sp>
+        <p:nvSpPr>
+          <p:cNvPr id="15" name="Textfeld 14"/>
+          <p:cNvSpPr txBox="1"/>
+          <p:nvPr/>
+        </p:nvSpPr>
+        <p:spPr>
+          <a:xfrm>
+            <a:off x="7708002" y="6379695"/>
+            <a:ext cx="7497052" cy="2123658"/>
+          </a:xfrm>
+          <a:prstGeom prst="rect">
+            <a:avLst/>
+          </a:prstGeom>
+          <a:noFill/>
+          <a:ln>
+            <a:solidFill>
+              <a:schemeClr val="tx2">
+                <a:lumMod val="40000"/>
+                <a:lumOff val="60000"/>
+              </a:schemeClr>
+            </a:solidFill>
+          </a:ln>
+        </p:spPr>
+        <p:txBody>
+          <a:bodyPr wrap="none" rtlCol="0">
+            <a:spAutoFit/>
+          </a:bodyPr>
+          <a:lstStyle/>
+          <a:p>
+            <a:r>
+              <a:rPr lang="de-CH" sz="4400" dirty="0" err="1" smtClean="0"/>
+              <a:t>Name;Vorname;PLZ;Ort</a:t>
+            </a:r>
+            <a:endParaRPr lang="de-CH" sz="4400" dirty="0" smtClean="0"/>
+          </a:p>
+          <a:p>
+            <a:r>
+              <a:rPr lang="de-CH" sz="4400" dirty="0" smtClean="0"/>
+              <a:t>Rothlin;Walter;8855;Wangen SZ</a:t>
+            </a:r>
+          </a:p>
+          <a:p>
+            <a:r>
+              <a:rPr lang="de-CH" sz="4400" dirty="0" smtClean="0"/>
+              <a:t>Franz;Bernhard;8854;Siebnen</a:t>
+            </a:r>
+            <a:endParaRPr lang="de-CH" sz="4400" dirty="0" smtClean="0"/>
           </a:p>
         </p:txBody>
       </p:sp>
@@ -12492,72 +12447,6 @@
           </a:p>
         </p:txBody>
       </p:sp>
-      <p:sp>
-        <p:nvSpPr>
-          <p:cNvPr id="28" name="object 12"/>
-          <p:cNvSpPr txBox="1">
-            <a:spLocks noGrp="1"/>
-          </p:cNvSpPr>
-          <p:nvPr>
-            <p:ph type="ftr" sz="quarter" idx="5"/>
-          </p:nvPr>
-        </p:nvSpPr>
-        <p:spPr>
-          <a:xfrm>
-            <a:off x="8081294" y="10235393"/>
-            <a:ext cx="6771356" cy="448841"/>
-          </a:xfrm>
-          <a:prstGeom prst="rect">
-            <a:avLst/>
-          </a:prstGeom>
-        </p:spPr>
-        <p:txBody>
-          <a:bodyPr vert="horz" wrap="square" lIns="0" tIns="0" rIns="0" bIns="0" rtlCol="0">
-            <a:spAutoFit/>
-          </a:bodyPr>
-          <a:lstStyle/>
-          <a:p>
-            <a:pPr marL="12700">
-              <a:lnSpc>
-                <a:spcPts val="3515"/>
-              </a:lnSpc>
-            </a:pPr>
-            <a:r>
-              <a:rPr lang="de-CH" sz="2000" spc="5" dirty="0" smtClean="0"/>
-              <a:t>Walter Rothlin   </a:t>
-            </a:r>
-            <a:r>
-              <a:rPr spc="5" dirty="0" smtClean="0"/>
-              <a:t>| </a:t>
-            </a:r>
-            <a:r>
-              <a:rPr lang="de-CH" spc="5" dirty="0" smtClean="0"/>
-              <a:t>  </a:t>
-            </a:r>
-            <a:r>
-              <a:rPr spc="5" dirty="0" err="1" smtClean="0"/>
-              <a:t>Modul</a:t>
-            </a:r>
-            <a:r>
-              <a:rPr spc="-55" dirty="0" smtClean="0"/>
-              <a:t> </a:t>
-            </a:r>
-            <a:r>
-              <a:rPr spc="5" dirty="0" smtClean="0"/>
-              <a:t>1</a:t>
-            </a:r>
-            <a:r>
-              <a:rPr lang="de-CH" spc="5" dirty="0" smtClean="0"/>
-              <a:t>62  | </a:t>
-            </a:r>
-            <a:r>
-              <a:rPr lang="de-CH" sz="2000" spc="5" dirty="0" smtClean="0"/>
-              <a:t>6.8.21</a:t>
-            </a:r>
-            <a:endParaRPr sz="2000" spc="5" dirty="0"/>
-          </a:p>
-        </p:txBody>
-      </p:sp>
     </p:spTree>
     <p:extLst>
       <p:ext uri="{BB962C8B-B14F-4D97-AF65-F5344CB8AC3E}">
@@ -12821,72 +12710,6 @@
           <a:lstStyle/>
           <a:p>
             <a:endParaRPr/>
-          </a:p>
-        </p:txBody>
-      </p:sp>
-      <p:sp>
-        <p:nvSpPr>
-          <p:cNvPr id="12" name="object 12"/>
-          <p:cNvSpPr txBox="1">
-            <a:spLocks noGrp="1"/>
-          </p:cNvSpPr>
-          <p:nvPr>
-            <p:ph type="ftr" sz="quarter" idx="5"/>
-          </p:nvPr>
-        </p:nvSpPr>
-        <p:spPr>
-          <a:xfrm>
-            <a:off x="8081294" y="10235393"/>
-            <a:ext cx="6771356" cy="448841"/>
-          </a:xfrm>
-          <a:prstGeom prst="rect">
-            <a:avLst/>
-          </a:prstGeom>
-        </p:spPr>
-        <p:txBody>
-          <a:bodyPr vert="horz" wrap="square" lIns="0" tIns="0" rIns="0" bIns="0" rtlCol="0">
-            <a:spAutoFit/>
-          </a:bodyPr>
-          <a:lstStyle/>
-          <a:p>
-            <a:pPr marL="12700">
-              <a:lnSpc>
-                <a:spcPts val="3515"/>
-              </a:lnSpc>
-            </a:pPr>
-            <a:r>
-              <a:rPr lang="de-CH" sz="2000" spc="5" dirty="0" smtClean="0"/>
-              <a:t>Walter Rothlin   </a:t>
-            </a:r>
-            <a:r>
-              <a:rPr spc="5" dirty="0" smtClean="0"/>
-              <a:t>| </a:t>
-            </a:r>
-            <a:r>
-              <a:rPr lang="de-CH" spc="5" dirty="0" smtClean="0"/>
-              <a:t>  </a:t>
-            </a:r>
-            <a:r>
-              <a:rPr spc="5" dirty="0" err="1" smtClean="0"/>
-              <a:t>Modul</a:t>
-            </a:r>
-            <a:r>
-              <a:rPr spc="-55" dirty="0" smtClean="0"/>
-              <a:t> </a:t>
-            </a:r>
-            <a:r>
-              <a:rPr spc="5" dirty="0" smtClean="0"/>
-              <a:t>1</a:t>
-            </a:r>
-            <a:r>
-              <a:rPr lang="de-CH" spc="5" dirty="0" smtClean="0"/>
-              <a:t>62  | </a:t>
-            </a:r>
-            <a:r>
-              <a:rPr lang="de-CH" sz="2000" spc="5" dirty="0" smtClean="0"/>
-              <a:t>2.9.21</a:t>
-            </a:r>
-            <a:endParaRPr sz="2000" spc="5" dirty="0"/>
           </a:p>
         </p:txBody>
       </p:sp>
@@ -13244,7 +13067,7 @@
         <p:spPr>
           <a:xfrm>
             <a:off x="1186633" y="5089790"/>
-            <a:ext cx="8608832" cy="584775"/>
+            <a:ext cx="8599214" cy="584775"/>
           </a:xfrm>
           <a:prstGeom prst="rect">
             <a:avLst/>
@@ -13283,7 +13106,7 @@
                   <a:srgbClr val="FF0000"/>
                 </a:solidFill>
               </a:rPr>
-              <a:t>/ </a:t>
+              <a:t>/ ASCII, </a:t>
             </a:r>
             <a:r>
               <a:rPr lang="de-CH" sz="3200" dirty="0" smtClean="0">
@@ -13291,15 +13114,7 @@
                   <a:srgbClr val="FF0000"/>
                 </a:solidFill>
               </a:rPr>
-              <a:t>ASCII, </a:t>
-            </a:r>
-            <a:r>
-              <a:rPr lang="de-CH" sz="3200" dirty="0" smtClean="0">
-                <a:solidFill>
-                  <a:srgbClr val="FF0000"/>
-                </a:solidFill>
-              </a:rPr>
-              <a:t>UNI-Code</a:t>
+              <a:t>Unicode</a:t>
             </a:r>
             <a:endParaRPr lang="de-CH" sz="3200" dirty="0">
               <a:solidFill>
@@ -14075,72 +13890,6 @@
           </a:prstGeom>
         </p:spPr>
       </p:pic>
-      <p:sp>
-        <p:nvSpPr>
-          <p:cNvPr id="17" name="object 12"/>
-          <p:cNvSpPr txBox="1">
-            <a:spLocks noGrp="1"/>
-          </p:cNvSpPr>
-          <p:nvPr>
-            <p:ph type="ftr" sz="quarter" idx="5"/>
-          </p:nvPr>
-        </p:nvSpPr>
-        <p:spPr>
-          <a:xfrm>
-            <a:off x="8081294" y="10235393"/>
-            <a:ext cx="6771356" cy="448841"/>
-          </a:xfrm>
-          <a:prstGeom prst="rect">
-            <a:avLst/>
-          </a:prstGeom>
-        </p:spPr>
-        <p:txBody>
-          <a:bodyPr vert="horz" wrap="square" lIns="0" tIns="0" rIns="0" bIns="0" rtlCol="0">
-            <a:spAutoFit/>
-          </a:bodyPr>
-          <a:lstStyle/>
-          <a:p>
-            <a:pPr marL="12700">
-              <a:lnSpc>
-                <a:spcPts val="3515"/>
-              </a:lnSpc>
-            </a:pPr>
-            <a:r>
-              <a:rPr lang="de-CH" sz="2000" spc="5" dirty="0" smtClean="0"/>
-              <a:t>Walter Rothlin   </a:t>
-            </a:r>
-            <a:r>
-              <a:rPr spc="5" dirty="0" smtClean="0"/>
-              <a:t>| </a:t>
-            </a:r>
-            <a:r>
-              <a:rPr lang="de-CH" spc="5" dirty="0" smtClean="0"/>
-              <a:t>  </a:t>
-            </a:r>
-            <a:r>
-              <a:rPr spc="5" dirty="0" err="1" smtClean="0"/>
-              <a:t>Modul</a:t>
-            </a:r>
-            <a:r>
-              <a:rPr spc="-55" dirty="0" smtClean="0"/>
-              <a:t> </a:t>
-            </a:r>
-            <a:r>
-              <a:rPr spc="5" dirty="0" smtClean="0"/>
-              <a:t>1</a:t>
-            </a:r>
-            <a:r>
-              <a:rPr lang="de-CH" spc="5" dirty="0" smtClean="0"/>
-              <a:t>62  | </a:t>
-            </a:r>
-            <a:r>
-              <a:rPr lang="de-CH" sz="2000" spc="5" dirty="0" smtClean="0"/>
-              <a:t>6.8.21</a:t>
-            </a:r>
-            <a:endParaRPr sz="2000" spc="5" dirty="0"/>
-          </a:p>
-        </p:txBody>
-      </p:sp>
     </p:spTree>
     <p:extLst>
       <p:ext uri="{BB962C8B-B14F-4D97-AF65-F5344CB8AC3E}">
@@ -14525,17 +14274,7 @@
                 <a:latin typeface="Arial"/>
                 <a:cs typeface="Arial"/>
               </a:rPr>
-              <a:t>Aufgabe: </a:t>
-            </a:r>
-            <a:r>
-              <a:rPr lang="de-CH" sz="5100" b="1" spc="-60" dirty="0" smtClean="0">
-                <a:solidFill>
-                  <a:srgbClr val="006FC0"/>
-                </a:solidFill>
-                <a:latin typeface="Arial"/>
-                <a:cs typeface="Arial"/>
-              </a:rPr>
-              <a:t>Adressliste</a:t>
+              <a:t>Aufgabe: Adressliste</a:t>
             </a:r>
             <a:endParaRPr sz="5100" dirty="0">
               <a:latin typeface="Arial"/>
@@ -14633,72 +14372,6 @@
               <a:t>Abgabe heute elektronisch auf Moodle</a:t>
             </a:r>
             <a:endParaRPr lang="de-CH" sz="2800" dirty="0"/>
-          </a:p>
-        </p:txBody>
-      </p:sp>
-      <p:sp>
-        <p:nvSpPr>
-          <p:cNvPr id="14" name="object 12"/>
-          <p:cNvSpPr txBox="1">
-            <a:spLocks noGrp="1"/>
-          </p:cNvSpPr>
-          <p:nvPr>
-            <p:ph type="ftr" sz="quarter" idx="5"/>
-          </p:nvPr>
-        </p:nvSpPr>
-        <p:spPr>
-          <a:xfrm>
-            <a:off x="8081294" y="10235393"/>
-            <a:ext cx="6771356" cy="448841"/>
-          </a:xfrm>
-          <a:prstGeom prst="rect">
-            <a:avLst/>
-          </a:prstGeom>
-        </p:spPr>
-        <p:txBody>
-          <a:bodyPr vert="horz" wrap="square" lIns="0" tIns="0" rIns="0" bIns="0" rtlCol="0">
-            <a:spAutoFit/>
-          </a:bodyPr>
-          <a:lstStyle/>
-          <a:p>
-            <a:pPr marL="12700">
-              <a:lnSpc>
-                <a:spcPts val="3515"/>
-              </a:lnSpc>
-            </a:pPr>
-            <a:r>
-              <a:rPr lang="de-CH" sz="2000" spc="5" dirty="0" smtClean="0"/>
-              <a:t>Walter Rothlin   </a:t>
-            </a:r>
-            <a:r>
-              <a:rPr spc="5" dirty="0" smtClean="0"/>
-              <a:t>| </a:t>
-            </a:r>
-            <a:r>
-              <a:rPr lang="de-CH" spc="5" dirty="0" smtClean="0"/>
-              <a:t>  </a:t>
-            </a:r>
-            <a:r>
-              <a:rPr spc="5" dirty="0" err="1" smtClean="0"/>
-              <a:t>Modul</a:t>
-            </a:r>
-            <a:r>
-              <a:rPr spc="-55" dirty="0" smtClean="0"/>
-              <a:t> </a:t>
-            </a:r>
-            <a:r>
-              <a:rPr spc="5" dirty="0" smtClean="0"/>
-              <a:t>1</a:t>
-            </a:r>
-            <a:r>
-              <a:rPr lang="de-CH" spc="5" dirty="0" smtClean="0"/>
-              <a:t>62  | </a:t>
-            </a:r>
-            <a:r>
-              <a:rPr lang="de-CH" sz="2000" spc="5" dirty="0" smtClean="0"/>
-              <a:t>6.8.21</a:t>
-            </a:r>
-            <a:endParaRPr sz="2000" spc="5" dirty="0"/>
           </a:p>
         </p:txBody>
       </p:sp>

--- a/SchulungsUnterlagen/BZU/162_Einführung_Grundlagen_01.pptx
+++ b/SchulungsUnterlagen/BZU/162_Einführung_Grundlagen_01.pptx
@@ -284,7 +284,7 @@
           <a:p>
             <a:fld id="{1D8BD707-D9CF-40AE-B4C6-C98DA3205C09}" type="datetimeFigureOut">
               <a:rPr lang="en-US"/>
-              <a:t>9/2/2021</a:t>
+              <a:t>9/24/2021</a:t>
             </a:fld>
             <a:endParaRPr lang="en-US"/>
           </a:p>
@@ -483,7 +483,7 @@
           <a:p>
             <a:fld id="{1D8BD707-D9CF-40AE-B4C6-C98DA3205C09}" type="datetimeFigureOut">
               <a:rPr lang="en-US"/>
-              <a:t>9/2/2021</a:t>
+              <a:t>9/24/2021</a:t>
             </a:fld>
             <a:endParaRPr lang="en-US"/>
           </a:p>
@@ -719,7 +719,7 @@
           <a:p>
             <a:fld id="{1D8BD707-D9CF-40AE-B4C6-C98DA3205C09}" type="datetimeFigureOut">
               <a:rPr lang="en-US"/>
-              <a:t>9/2/2021</a:t>
+              <a:t>9/24/2021</a:t>
             </a:fld>
             <a:endParaRPr lang="en-US"/>
           </a:p>
@@ -1860,7 +1860,7 @@
           <a:p>
             <a:fld id="{1D8BD707-D9CF-40AE-B4C6-C98DA3205C09}" type="datetimeFigureOut">
               <a:rPr lang="en-US"/>
-              <a:t>9/2/2021</a:t>
+              <a:t>9/24/2021</a:t>
             </a:fld>
             <a:endParaRPr lang="en-US"/>
           </a:p>
@@ -2001,7 +2001,7 @@
           <a:p>
             <a:fld id="{1D8BD707-D9CF-40AE-B4C6-C98DA3205C09}" type="datetimeFigureOut">
               <a:rPr lang="en-US"/>
-              <a:t>9/2/2021</a:t>
+              <a:t>9/24/2021</a:t>
             </a:fld>
             <a:endParaRPr lang="en-US"/>
           </a:p>
@@ -3182,7 +3182,7 @@
           <a:p>
             <a:fld id="{1D8BD707-D9CF-40AE-B4C6-C98DA3205C09}" type="datetimeFigureOut">
               <a:rPr lang="en-US"/>
-              <a:t>9/2/2021</a:t>
+              <a:t>9/24/2021</a:t>
             </a:fld>
             <a:endParaRPr lang="en-US"/>
           </a:p>
@@ -10908,7 +10908,7 @@
         <p:spPr>
           <a:xfrm>
             <a:off x="1840282" y="8926153"/>
-            <a:ext cx="14374384" cy="523220"/>
+            <a:ext cx="16060807" cy="523220"/>
           </a:xfrm>
           <a:prstGeom prst="rect">
             <a:avLst/>
@@ -10927,7 +10927,15 @@
             </a:r>
             <a:r>
               <a:rPr lang="de-CH" sz="2800" dirty="0" smtClean="0"/>
-              <a:t>Uster, 13°,… können in Form von Nachrichten gespeichert, verarbeitet und verteilt werden </a:t>
+              <a:t>Uster, 13</a:t>
+            </a:r>
+            <a:r>
+              <a:rPr lang="de-CH" sz="2800" dirty="0" smtClean="0"/>
+              <a:t>°, regnerisch… </a:t>
+            </a:r>
+            <a:r>
+              <a:rPr lang="de-CH" sz="2800" dirty="0" smtClean="0"/>
+              <a:t>können in Form von Nachrichten gespeichert, verarbeitet und verteilt werden </a:t>
             </a:r>
             <a:endParaRPr lang="de-CH" sz="2800" dirty="0"/>
           </a:p>
@@ -11517,7 +11525,6 @@
               <a:rPr lang="de-CH" sz="4400" dirty="0" smtClean="0"/>
               <a:t>Franz;Bernhard;8854;Siebnen</a:t>
             </a:r>
-            <a:endParaRPr lang="de-CH" sz="4400" dirty="0" smtClean="0"/>
           </a:p>
         </p:txBody>
       </p:sp>
@@ -11568,7 +11575,6 @@
               <a:rPr lang="de-CH" sz="4400" dirty="0" smtClean="0"/>
               <a:t>Franz;Bernhard;8854;Siebnen</a:t>
             </a:r>
-            <a:endParaRPr lang="de-CH" sz="4400" dirty="0" smtClean="0"/>
           </a:p>
         </p:txBody>
       </p:sp>
@@ -13106,15 +13112,7 @@
                   <a:srgbClr val="FF0000"/>
                 </a:solidFill>
               </a:rPr>
-              <a:t>/ ASCII, </a:t>
-            </a:r>
-            <a:r>
-              <a:rPr lang="de-CH" sz="3200" dirty="0" smtClean="0">
-                <a:solidFill>
-                  <a:srgbClr val="FF0000"/>
-                </a:solidFill>
-              </a:rPr>
-              <a:t>Unicode</a:t>
+              <a:t>/ ASCII, Unicode</a:t>
             </a:r>
             <a:endParaRPr lang="de-CH" sz="3200" dirty="0">
               <a:solidFill>

--- a/SchulungsUnterlagen/BZU/162_Einführung_Grundlagen_01.pptx
+++ b/SchulungsUnterlagen/BZU/162_Einführung_Grundlagen_01.pptx
@@ -8,10 +8,11 @@
     <p:sldId id="256" r:id="rId2"/>
     <p:sldId id="287" r:id="rId3"/>
     <p:sldId id="281" r:id="rId4"/>
-    <p:sldId id="286" r:id="rId5"/>
-    <p:sldId id="285" r:id="rId6"/>
-    <p:sldId id="272" r:id="rId7"/>
-    <p:sldId id="283" r:id="rId8"/>
+    <p:sldId id="288" r:id="rId5"/>
+    <p:sldId id="286" r:id="rId6"/>
+    <p:sldId id="285" r:id="rId7"/>
+    <p:sldId id="272" r:id="rId8"/>
+    <p:sldId id="283" r:id="rId9"/>
   </p:sldIdLst>
   <p:sldSz cx="20104100" cy="11309350"/>
   <p:notesSz cx="20104100" cy="11309350"/>
@@ -284,7 +285,7 @@
           <a:p>
             <a:fld id="{1D8BD707-D9CF-40AE-B4C6-C98DA3205C09}" type="datetimeFigureOut">
               <a:rPr lang="en-US"/>
-              <a:t>9/24/2021</a:t>
+              <a:t>9/8/2022</a:t>
             </a:fld>
             <a:endParaRPr lang="en-US"/>
           </a:p>
@@ -483,7 +484,7 @@
           <a:p>
             <a:fld id="{1D8BD707-D9CF-40AE-B4C6-C98DA3205C09}" type="datetimeFigureOut">
               <a:rPr lang="en-US"/>
-              <a:t>9/24/2021</a:t>
+              <a:t>9/8/2022</a:t>
             </a:fld>
             <a:endParaRPr lang="en-US"/>
           </a:p>
@@ -719,7 +720,7 @@
           <a:p>
             <a:fld id="{1D8BD707-D9CF-40AE-B4C6-C98DA3205C09}" type="datetimeFigureOut">
               <a:rPr lang="en-US"/>
-              <a:t>9/24/2021</a:t>
+              <a:t>9/8/2022</a:t>
             </a:fld>
             <a:endParaRPr lang="en-US"/>
           </a:p>
@@ -1860,7 +1861,7 @@
           <a:p>
             <a:fld id="{1D8BD707-D9CF-40AE-B4C6-C98DA3205C09}" type="datetimeFigureOut">
               <a:rPr lang="en-US"/>
-              <a:t>9/24/2021</a:t>
+              <a:t>9/8/2022</a:t>
             </a:fld>
             <a:endParaRPr lang="en-US"/>
           </a:p>
@@ -2001,7 +2002,7 @@
           <a:p>
             <a:fld id="{1D8BD707-D9CF-40AE-B4C6-C98DA3205C09}" type="datetimeFigureOut">
               <a:rPr lang="en-US"/>
-              <a:t>9/24/2021</a:t>
+              <a:t>9/8/2022</a:t>
             </a:fld>
             <a:endParaRPr lang="en-US"/>
           </a:p>
@@ -3182,7 +3183,7 @@
           <a:p>
             <a:fld id="{1D8BD707-D9CF-40AE-B4C6-C98DA3205C09}" type="datetimeFigureOut">
               <a:rPr lang="en-US"/>
-              <a:t>9/24/2021</a:t>
+              <a:t>9/8/2022</a:t>
             </a:fld>
             <a:endParaRPr lang="en-US"/>
           </a:p>
@@ -10040,11 +10041,11 @@
               <a:t> </a:t>
             </a:r>
             <a:r>
-              <a:rPr sz="5250" spc="-155" dirty="0" smtClean="0"/>
+              <a:rPr sz="5250" spc="-155" dirty="0"/>
               <a:t>1</a:t>
             </a:r>
             <a:r>
-              <a:rPr lang="de-CH" sz="5250" spc="-155" dirty="0" smtClean="0"/>
+              <a:rPr lang="de-CH" sz="5250" spc="-155" dirty="0"/>
               <a:t>62</a:t>
             </a:r>
             <a:endParaRPr sz="5250" dirty="0"/>
@@ -10109,11 +10110,11 @@
               </a:spcBef>
             </a:pPr>
             <a:r>
-              <a:rPr lang="de-CH" sz="1950" spc="10" dirty="0" smtClean="0">
+              <a:rPr lang="de-CH" sz="1950" spc="10" dirty="0">
                 <a:latin typeface="Calibri"/>
                 <a:cs typeface="Calibri"/>
               </a:rPr>
-              <a:t>Version: 2.9.21</a:t>
+              <a:t>Version: 8.9.22</a:t>
             </a:r>
             <a:endParaRPr sz="1950" dirty="0">
               <a:latin typeface="Calibri"/>
@@ -10152,7 +10153,7 @@
               </a:spcBef>
             </a:pPr>
             <a:r>
-              <a:rPr lang="de-CH" sz="2950" spc="-5" dirty="0" smtClean="0">
+              <a:rPr lang="de-CH" sz="2950" spc="-5" dirty="0">
                 <a:latin typeface="Arial Black"/>
                 <a:cs typeface="Arial Black"/>
               </a:rPr>
@@ -10205,13 +10206,6 @@
   <p:clrMapOvr>
     <a:masterClrMapping/>
   </p:clrMapOvr>
-  <p:timing>
-    <p:tnLst>
-      <p:par>
-        <p:cTn id="1" dur="indefinite" restart="never" nodeType="tmRoot"/>
-      </p:par>
-    </p:tnLst>
-  </p:timing>
 </p:sld>
 </file>
 
@@ -10572,7 +10566,7 @@
               </a:spcBef>
             </a:pPr>
             <a:r>
-              <a:rPr lang="de-CH" sz="5100" b="1" spc="-60" dirty="0" smtClean="0">
+              <a:rPr lang="de-CH" sz="5100" b="1" spc="-60" dirty="0">
                 <a:solidFill>
                   <a:srgbClr val="006FC0"/>
                 </a:solidFill>
@@ -10652,14 +10646,13 @@
           <a:lstStyle/>
           <a:p>
             <a:r>
-              <a:rPr lang="de-CH" sz="2800" b="1" dirty="0" smtClean="0"/>
+              <a:rPr lang="de-CH" sz="2800" b="1" dirty="0"/>
               <a:t>Nachricht / Information: </a:t>
             </a:r>
             <a:r>
-              <a:rPr lang="de-CH" sz="2800" dirty="0" smtClean="0"/>
+              <a:rPr lang="de-CH" sz="2800" dirty="0"/>
               <a:t>Es regnet in Uster</a:t>
             </a:r>
-            <a:endParaRPr lang="de-CH" sz="2800" dirty="0"/>
           </a:p>
         </p:txBody>
       </p:sp>
@@ -10686,14 +10679,13 @@
           <a:lstStyle/>
           <a:p>
             <a:r>
-              <a:rPr lang="de-CH" sz="2800" b="1" dirty="0" smtClean="0"/>
+              <a:rPr lang="de-CH" sz="2800" b="1" dirty="0"/>
               <a:t>Wissen: </a:t>
             </a:r>
             <a:r>
-              <a:rPr lang="de-CH" sz="2800" dirty="0" smtClean="0"/>
+              <a:rPr lang="de-CH" sz="2800" dirty="0"/>
               <a:t>Da ich heute nach Uster muss, nehme ich einen Schirm mit</a:t>
             </a:r>
-            <a:endParaRPr lang="de-CH" sz="2800" dirty="0"/>
           </a:p>
         </p:txBody>
       </p:sp>
@@ -10808,17 +10800,16 @@
           <a:p>
             <a:pPr algn="ctr"/>
             <a:r>
-              <a:rPr lang="de-CH" sz="2800" i="1" dirty="0" smtClean="0"/>
+              <a:rPr lang="de-CH" sz="2800" i="1" dirty="0"/>
               <a:t>Individuelle Konsequenzen</a:t>
             </a:r>
           </a:p>
           <a:p>
             <a:pPr algn="ctr"/>
             <a:r>
-              <a:rPr lang="de-CH" sz="2800" i="1" dirty="0" smtClean="0"/>
+              <a:rPr lang="de-CH" sz="2800" i="1" dirty="0"/>
               <a:t>Zielgerichtetes handeln</a:t>
             </a:r>
-            <a:endParaRPr lang="de-CH" sz="2800" i="1" dirty="0"/>
           </a:p>
         </p:txBody>
       </p:sp>
@@ -10922,22 +10913,13 @@
           <a:lstStyle/>
           <a:p>
             <a:r>
-              <a:rPr lang="de-CH" sz="2800" b="1" dirty="0" smtClean="0"/>
+              <a:rPr lang="de-CH" sz="2800" b="1" dirty="0"/>
               <a:t>Daten: </a:t>
             </a:r>
             <a:r>
-              <a:rPr lang="de-CH" sz="2800" dirty="0" smtClean="0"/>
-              <a:t>Uster, 13</a:t>
+              <a:rPr lang="de-CH" sz="2800" dirty="0"/>
+              <a:t>Uster, 13°, regnerisch… können in Form von Nachrichten gespeichert, verarbeitet und verteilt werden </a:t>
             </a:r>
-            <a:r>
-              <a:rPr lang="de-CH" sz="2800" dirty="0" smtClean="0"/>
-              <a:t>°, regnerisch… </a:t>
-            </a:r>
-            <a:r>
-              <a:rPr lang="de-CH" sz="2800" dirty="0" smtClean="0"/>
-              <a:t>können in Form von Nachrichten gespeichert, verarbeitet und verteilt werden </a:t>
-            </a:r>
-            <a:endParaRPr lang="de-CH" sz="2800" dirty="0"/>
           </a:p>
         </p:txBody>
       </p:sp>
@@ -10951,13 +10933,6 @@
   <p:clrMapOvr>
     <a:masterClrMapping/>
   </p:clrMapOvr>
-  <p:timing>
-    <p:tnLst>
-      <p:par>
-        <p:cTn id="1" dur="indefinite" restart="never" nodeType="tmRoot"/>
-      </p:par>
-    </p:tnLst>
-  </p:timing>
 </p:sld>
 </file>
 
@@ -11318,7 +11293,7 @@
               </a:spcBef>
             </a:pPr>
             <a:r>
-              <a:rPr lang="de-CH" sz="5100" b="1" spc="-60" dirty="0" smtClean="0">
+              <a:rPr lang="de-CH" sz="5100" b="1" spc="-60" dirty="0">
                 <a:solidFill>
                   <a:srgbClr val="006FC0"/>
                 </a:solidFill>
@@ -11383,8 +11358,8 @@
         </p:nvSpPr>
         <p:spPr>
           <a:xfrm>
-            <a:off x="2094396" y="2754949"/>
-            <a:ext cx="16758370" cy="923330"/>
+            <a:off x="908050" y="1920875"/>
+            <a:ext cx="7119454" cy="2031325"/>
           </a:xfrm>
           <a:prstGeom prst="rect">
             <a:avLst/>
@@ -11400,14 +11375,185 @@
           </a:ln>
         </p:spPr>
         <p:txBody>
-          <a:bodyPr wrap="none" rtlCol="0">
+          <a:bodyPr wrap="square" rtlCol="0">
             <a:spAutoFit/>
           </a:bodyPr>
           <a:lstStyle/>
           <a:p>
+            <a:pPr lvl="0">
+              <a:spcBef>
+                <a:spcPts val="600"/>
+              </a:spcBef>
+              <a:tabLst>
+                <a:tab pos="274320" algn="l"/>
+                <a:tab pos="5796915" algn="r"/>
+              </a:tabLst>
+            </a:pPr>
             <a:r>
-              <a:rPr lang="de-CH" sz="5400" dirty="0" smtClean="0"/>
-              <a:t>Mein Name ist Walter Rothlin und ich wohne in Wangen SZ</a:t>
+              <a:rPr lang="de-CH" sz="1800" b="1" kern="0" dirty="0">
+                <a:effectLst/>
+                <a:latin typeface="Arial" panose="020B0604020202020204" pitchFamily="34" charset="0"/>
+                <a:cs typeface="Times New Roman" panose="02020603050405020304" pitchFamily="18" charset="0"/>
+              </a:rPr>
+              <a:t>1. Unstrukturierte Daten</a:t>
+            </a:r>
+          </a:p>
+          <a:p>
+            <a:pPr marL="270510">
+              <a:tabLst>
+                <a:tab pos="5796915" algn="r"/>
+              </a:tabLst>
+            </a:pPr>
+            <a:r>
+              <a:rPr lang="de-CH" sz="1800" dirty="0" err="1">
+                <a:solidFill>
+                  <a:srgbClr val="000000"/>
+                </a:solidFill>
+                <a:effectLst/>
+                <a:latin typeface="Arial" panose="020B0604020202020204" pitchFamily="34" charset="0"/>
+                <a:ea typeface="Times New Roman" panose="02020603050405020304" pitchFamily="18" charset="0"/>
+                <a:cs typeface="Times New Roman" panose="02020603050405020304" pitchFamily="18" charset="0"/>
+              </a:rPr>
+              <a:t>Datenart</a:t>
+            </a:r>
+            <a:r>
+              <a:rPr lang="de-CH" sz="1800" dirty="0">
+                <a:solidFill>
+                  <a:srgbClr val="000000"/>
+                </a:solidFill>
+                <a:effectLst/>
+                <a:latin typeface="Arial" panose="020B0604020202020204" pitchFamily="34" charset="0"/>
+                <a:ea typeface="Times New Roman" panose="02020603050405020304" pitchFamily="18" charset="0"/>
+                <a:cs typeface="Times New Roman" panose="02020603050405020304" pitchFamily="18" charset="0"/>
+              </a:rPr>
+              <a:t>: Text</a:t>
+            </a:r>
+            <a:br>
+              <a:rPr lang="de-CH" sz="1800" dirty="0">
+                <a:solidFill>
+                  <a:srgbClr val="000000"/>
+                </a:solidFill>
+                <a:effectLst/>
+                <a:latin typeface="Arial" panose="020B0604020202020204" pitchFamily="34" charset="0"/>
+                <a:ea typeface="Times New Roman" panose="02020603050405020304" pitchFamily="18" charset="0"/>
+                <a:cs typeface="Times New Roman" panose="02020603050405020304" pitchFamily="18" charset="0"/>
+              </a:rPr>
+            </a:br>
+            <a:r>
+              <a:rPr lang="de-CH" sz="1800" dirty="0">
+                <a:solidFill>
+                  <a:srgbClr val="000000"/>
+                </a:solidFill>
+                <a:effectLst/>
+                <a:latin typeface="Arial" panose="020B0604020202020204" pitchFamily="34" charset="0"/>
+                <a:ea typeface="Times New Roman" panose="02020603050405020304" pitchFamily="18" charset="0"/>
+                <a:cs typeface="Times New Roman" panose="02020603050405020304" pitchFamily="18" charset="0"/>
+              </a:rPr>
+              <a:t>Strukturierung: keine</a:t>
+            </a:r>
+            <a:br>
+              <a:rPr lang="de-CH" sz="1800" dirty="0">
+                <a:solidFill>
+                  <a:srgbClr val="000000"/>
+                </a:solidFill>
+                <a:effectLst/>
+                <a:latin typeface="Arial" panose="020B0604020202020204" pitchFamily="34" charset="0"/>
+                <a:ea typeface="Times New Roman" panose="02020603050405020304" pitchFamily="18" charset="0"/>
+                <a:cs typeface="Times New Roman" panose="02020603050405020304" pitchFamily="18" charset="0"/>
+              </a:rPr>
+            </a:br>
+            <a:r>
+              <a:rPr lang="de-CH" sz="1800" dirty="0">
+                <a:solidFill>
+                  <a:srgbClr val="000000"/>
+                </a:solidFill>
+                <a:effectLst/>
+                <a:latin typeface="Arial" panose="020B0604020202020204" pitchFamily="34" charset="0"/>
+                <a:ea typeface="Times New Roman" panose="02020603050405020304" pitchFamily="18" charset="0"/>
+                <a:cs typeface="Times New Roman" panose="02020603050405020304" pitchFamily="18" charset="0"/>
+              </a:rPr>
+              <a:t>Beispiel: Benutzeranleitung, Buch</a:t>
+            </a:r>
+            <a:br>
+              <a:rPr lang="de-CH" sz="1800" dirty="0">
+                <a:solidFill>
+                  <a:srgbClr val="000000"/>
+                </a:solidFill>
+                <a:effectLst/>
+                <a:latin typeface="Arial" panose="020B0604020202020204" pitchFamily="34" charset="0"/>
+                <a:ea typeface="Times New Roman" panose="02020603050405020304" pitchFamily="18" charset="0"/>
+                <a:cs typeface="Times New Roman" panose="02020603050405020304" pitchFamily="18" charset="0"/>
+              </a:rPr>
+            </a:br>
+            <a:r>
+              <a:rPr lang="de-CH" sz="1800" dirty="0">
+                <a:solidFill>
+                  <a:srgbClr val="000000"/>
+                </a:solidFill>
+                <a:effectLst/>
+                <a:latin typeface="Arial" panose="020B0604020202020204" pitchFamily="34" charset="0"/>
+                <a:ea typeface="Times New Roman" panose="02020603050405020304" pitchFamily="18" charset="0"/>
+                <a:cs typeface="Times New Roman" panose="02020603050405020304" pitchFamily="18" charset="0"/>
+              </a:rPr>
+              <a:t>Programm: Textverarbeitung </a:t>
+            </a:r>
+            <a:r>
+              <a:rPr lang="de-CH" sz="1800" dirty="0" err="1">
+                <a:solidFill>
+                  <a:srgbClr val="000000"/>
+                </a:solidFill>
+                <a:effectLst/>
+                <a:latin typeface="Arial" panose="020B0604020202020204" pitchFamily="34" charset="0"/>
+                <a:ea typeface="Times New Roman" panose="02020603050405020304" pitchFamily="18" charset="0"/>
+                <a:cs typeface="Times New Roman" panose="02020603050405020304" pitchFamily="18" charset="0"/>
+              </a:rPr>
+              <a:t>z.B</a:t>
+            </a:r>
+            <a:r>
+              <a:rPr lang="de-CH" sz="1800" dirty="0">
+                <a:solidFill>
+                  <a:srgbClr val="000000"/>
+                </a:solidFill>
+                <a:effectLst/>
+                <a:latin typeface="Arial" panose="020B0604020202020204" pitchFamily="34" charset="0"/>
+                <a:ea typeface="Times New Roman" panose="02020603050405020304" pitchFamily="18" charset="0"/>
+                <a:cs typeface="Times New Roman" panose="02020603050405020304" pitchFamily="18" charset="0"/>
+              </a:rPr>
+              <a:t> Word, Wordstar etc., Notepad</a:t>
+            </a:r>
+            <a:br>
+              <a:rPr lang="de-CH" sz="1800" dirty="0">
+                <a:solidFill>
+                  <a:srgbClr val="000000"/>
+                </a:solidFill>
+                <a:effectLst/>
+                <a:latin typeface="Arial" panose="020B0604020202020204" pitchFamily="34" charset="0"/>
+                <a:ea typeface="Times New Roman" panose="02020603050405020304" pitchFamily="18" charset="0"/>
+                <a:cs typeface="Times New Roman" panose="02020603050405020304" pitchFamily="18" charset="0"/>
+              </a:rPr>
+            </a:br>
+            <a:r>
+              <a:rPr lang="de-CH" sz="1800" dirty="0">
+                <a:solidFill>
+                  <a:srgbClr val="000000"/>
+                </a:solidFill>
+                <a:effectLst/>
+                <a:latin typeface="Arial" panose="020B0604020202020204" pitchFamily="34" charset="0"/>
+                <a:ea typeface="Times New Roman" panose="02020603050405020304" pitchFamily="18" charset="0"/>
+                <a:cs typeface="Times New Roman" panose="02020603050405020304" pitchFamily="18" charset="0"/>
+              </a:rPr>
+              <a:t>Auswertemöglichkeiten: keine, ausser Suchfunktion</a:t>
+            </a:r>
+          </a:p>
+          <a:p>
+            <a:r>
+              <a:rPr lang="de-DE" sz="1800" dirty="0">
+                <a:effectLst/>
+                <a:latin typeface="Arial" panose="020B0604020202020204" pitchFamily="34" charset="0"/>
+                <a:ea typeface="Times New Roman" panose="02020603050405020304" pitchFamily="18" charset="0"/>
+                <a:cs typeface="Times New Roman" panose="02020603050405020304" pitchFamily="18" charset="0"/>
+              </a:rPr>
+              <a:t>    Datenkonsistenzprüfung (‚gute’ Daten): keine</a:t>
             </a:r>
             <a:endParaRPr lang="de-CH" sz="5400" dirty="0"/>
           </a:p>
@@ -11415,14 +11561,20 @@
       </p:sp>
       <p:sp>
         <p:nvSpPr>
-          <p:cNvPr id="45" name="Textfeld 44"/>
+          <p:cNvPr id="7" name="Textfeld 6">
+            <a:extLst>
+              <a:ext uri="{FF2B5EF4-FFF2-40B4-BE49-F238E27FC236}">
+                <a16:creationId xmlns:a16="http://schemas.microsoft.com/office/drawing/2014/main" id="{DFCA5AD8-E8D6-D7A5-262C-5B33BB7AEAF9}"/>
+              </a:ext>
+            </a:extLst>
+          </p:cNvPr>
           <p:cNvSpPr txBox="1"/>
           <p:nvPr/>
         </p:nvSpPr>
         <p:spPr>
           <a:xfrm>
-            <a:off x="2094396" y="4305703"/>
-            <a:ext cx="4146776" cy="2800767"/>
+            <a:off x="3455504" y="4130675"/>
+            <a:ext cx="9144000" cy="2031325"/>
           </a:xfrm>
           <a:prstGeom prst="rect">
             <a:avLst/>
@@ -11430,71 +11582,182 @@
           <a:noFill/>
           <a:ln>
             <a:solidFill>
-              <a:schemeClr val="tx2">
-                <a:lumMod val="40000"/>
-                <a:lumOff val="60000"/>
+              <a:schemeClr val="accent1">
+                <a:lumMod val="60000"/>
+                <a:lumOff val="40000"/>
               </a:schemeClr>
             </a:solidFill>
           </a:ln>
         </p:spPr>
         <p:txBody>
-          <a:bodyPr wrap="none" rtlCol="0">
+          <a:bodyPr wrap="square" rtlCol="0">
             <a:spAutoFit/>
           </a:bodyPr>
           <a:lstStyle/>
           <a:p>
+            <a:pPr lvl="0">
+              <a:spcBef>
+                <a:spcPts val="600"/>
+              </a:spcBef>
+              <a:tabLst>
+                <a:tab pos="274320" algn="l"/>
+                <a:tab pos="5796915" algn="r"/>
+              </a:tabLst>
+            </a:pPr>
             <a:r>
-              <a:rPr lang="de-CH" sz="4400" b="1" dirty="0" smtClean="0"/>
-              <a:t>Name: </a:t>
+              <a:rPr lang="de-CH" sz="1800" b="1" kern="0" dirty="0">
+                <a:effectLst/>
+                <a:latin typeface="Arial" panose="020B0604020202020204" pitchFamily="34" charset="0"/>
+                <a:cs typeface="Times New Roman" panose="02020603050405020304" pitchFamily="18" charset="0"/>
+              </a:rPr>
+              <a:t>2. Mässig strukturierte Daten</a:t>
+            </a:r>
+          </a:p>
+          <a:p>
+            <a:pPr marL="270510">
+              <a:tabLst>
+                <a:tab pos="5796915" algn="r"/>
+              </a:tabLst>
+            </a:pPr>
+            <a:r>
+              <a:rPr lang="de-CH" sz="1800" dirty="0" err="1">
+                <a:solidFill>
+                  <a:srgbClr val="000000"/>
+                </a:solidFill>
+                <a:effectLst/>
+                <a:latin typeface="Arial" panose="020B0604020202020204" pitchFamily="34" charset="0"/>
+                <a:ea typeface="Times New Roman" panose="02020603050405020304" pitchFamily="18" charset="0"/>
+                <a:cs typeface="Times New Roman" panose="02020603050405020304" pitchFamily="18" charset="0"/>
+              </a:rPr>
+              <a:t>Datenart</a:t>
             </a:r>
             <a:r>
-              <a:rPr lang="de-CH" sz="4400" dirty="0" smtClean="0"/>
-              <a:t>Rothlin</a:t>
+              <a:rPr lang="de-CH" sz="1800" dirty="0">
+                <a:solidFill>
+                  <a:srgbClr val="000000"/>
+                </a:solidFill>
+                <a:effectLst/>
+                <a:latin typeface="Arial" panose="020B0604020202020204" pitchFamily="34" charset="0"/>
+                <a:ea typeface="Times New Roman" panose="02020603050405020304" pitchFamily="18" charset="0"/>
+                <a:cs typeface="Times New Roman" panose="02020603050405020304" pitchFamily="18" charset="0"/>
+              </a:rPr>
+              <a:t>: Tabellen</a:t>
             </a:r>
           </a:p>
           <a:p>
+            <a:pPr marL="270510">
+              <a:tabLst>
+                <a:tab pos="5796915" algn="r"/>
+              </a:tabLst>
+            </a:pPr>
             <a:r>
-              <a:rPr lang="de-CH" sz="4400" b="1" dirty="0" smtClean="0"/>
-              <a:t>Vorname: </a:t>
+              <a:rPr lang="de-CH" sz="1800" dirty="0">
+                <a:solidFill>
+                  <a:srgbClr val="000000"/>
+                </a:solidFill>
+                <a:effectLst/>
+                <a:latin typeface="Arial" panose="020B0604020202020204" pitchFamily="34" charset="0"/>
+                <a:ea typeface="Times New Roman" panose="02020603050405020304" pitchFamily="18" charset="0"/>
+                <a:cs typeface="Times New Roman" panose="02020603050405020304" pitchFamily="18" charset="0"/>
+              </a:rPr>
+              <a:t>Strukturierung: mässig, basiert auf Zeilen und Spalten</a:t>
             </a:r>
+            <a:br>
+              <a:rPr lang="de-CH" sz="1800" dirty="0">
+                <a:solidFill>
+                  <a:srgbClr val="000000"/>
+                </a:solidFill>
+                <a:effectLst/>
+                <a:latin typeface="Arial" panose="020B0604020202020204" pitchFamily="34" charset="0"/>
+                <a:ea typeface="Times New Roman" panose="02020603050405020304" pitchFamily="18" charset="0"/>
+                <a:cs typeface="Times New Roman" panose="02020603050405020304" pitchFamily="18" charset="0"/>
+              </a:rPr>
+            </a:br>
             <a:r>
-              <a:rPr lang="de-CH" sz="4400" dirty="0" smtClean="0"/>
-              <a:t>Walter</a:t>
+              <a:rPr lang="de-CH" sz="1800" dirty="0">
+                <a:solidFill>
+                  <a:srgbClr val="000000"/>
+                </a:solidFill>
+                <a:effectLst/>
+                <a:latin typeface="Arial" panose="020B0604020202020204" pitchFamily="34" charset="0"/>
+                <a:ea typeface="Times New Roman" panose="02020603050405020304" pitchFamily="18" charset="0"/>
+                <a:cs typeface="Times New Roman" panose="02020603050405020304" pitchFamily="18" charset="0"/>
+              </a:rPr>
+              <a:t>Beispiel: Erdölverbrauch in bestimmten Jahren</a:t>
             </a:r>
           </a:p>
           <a:p>
+            <a:pPr marL="270510">
+              <a:tabLst>
+                <a:tab pos="5796915" algn="r"/>
+              </a:tabLst>
+            </a:pPr>
             <a:r>
-              <a:rPr lang="de-CH" sz="4400" b="1" dirty="0" smtClean="0"/>
-              <a:t>PLZ: </a:t>
+              <a:rPr lang="de-CH" sz="1800" dirty="0">
+                <a:solidFill>
+                  <a:srgbClr val="000000"/>
+                </a:solidFill>
+                <a:effectLst/>
+                <a:latin typeface="Arial" panose="020B0604020202020204" pitchFamily="34" charset="0"/>
+                <a:ea typeface="Times New Roman" panose="02020603050405020304" pitchFamily="18" charset="0"/>
+                <a:cs typeface="Times New Roman" panose="02020603050405020304" pitchFamily="18" charset="0"/>
+              </a:rPr>
+              <a:t>Programm: z.B. EXCEL</a:t>
             </a:r>
+            <a:br>
+              <a:rPr lang="de-CH" sz="1800" dirty="0">
+                <a:solidFill>
+                  <a:srgbClr val="000000"/>
+                </a:solidFill>
+                <a:effectLst/>
+                <a:latin typeface="Arial" panose="020B0604020202020204" pitchFamily="34" charset="0"/>
+                <a:ea typeface="Times New Roman" panose="02020603050405020304" pitchFamily="18" charset="0"/>
+                <a:cs typeface="Times New Roman" panose="02020603050405020304" pitchFamily="18" charset="0"/>
+              </a:rPr>
+            </a:br>
             <a:r>
-              <a:rPr lang="de-CH" sz="4400" dirty="0" smtClean="0"/>
-              <a:t>8855</a:t>
+              <a:rPr lang="de-CH" sz="1800" dirty="0">
+                <a:solidFill>
+                  <a:srgbClr val="000000"/>
+                </a:solidFill>
+                <a:effectLst/>
+                <a:latin typeface="Arial" panose="020B0604020202020204" pitchFamily="34" charset="0"/>
+                <a:ea typeface="Times New Roman" panose="02020603050405020304" pitchFamily="18" charset="0"/>
+                <a:cs typeface="Times New Roman" panose="02020603050405020304" pitchFamily="18" charset="0"/>
+              </a:rPr>
+              <a:t>Auswertemöglichkeiten: Sortieren, math. Funktionen wie Summen, Min, Max etc.</a:t>
             </a:r>
           </a:p>
           <a:p>
             <a:r>
-              <a:rPr lang="de-CH" sz="4400" b="1" dirty="0" smtClean="0"/>
-              <a:t>Ort: </a:t>
+              <a:rPr lang="de-DE" sz="1800" dirty="0">
+                <a:effectLst/>
+                <a:latin typeface="Arial" panose="020B0604020202020204" pitchFamily="34" charset="0"/>
+                <a:ea typeface="Times New Roman" panose="02020603050405020304" pitchFamily="18" charset="0"/>
+                <a:cs typeface="Times New Roman" panose="02020603050405020304" pitchFamily="18" charset="0"/>
+              </a:rPr>
+              <a:t>    Datenkonsistenzprüfung (‚gute’ Daten): teilweise möglich mit Auswahlfenstern</a:t>
             </a:r>
-            <a:r>
-              <a:rPr lang="de-CH" sz="4400" dirty="0" smtClean="0"/>
-              <a:t>Wangen SZ</a:t>
-            </a:r>
-            <a:endParaRPr lang="de-CH" sz="4400" dirty="0"/>
-          </a:p>
-        </p:txBody>
-      </p:sp>
-      <p:sp>
-        <p:nvSpPr>
-          <p:cNvPr id="24" name="Textfeld 23"/>
+            <a:endParaRPr lang="de-CH" sz="5400" dirty="0"/>
+          </a:p>
+        </p:txBody>
+      </p:sp>
+      <p:sp>
+        <p:nvSpPr>
+          <p:cNvPr id="11" name="Textfeld 10">
+            <a:extLst>
+              <a:ext uri="{FF2B5EF4-FFF2-40B4-BE49-F238E27FC236}">
+                <a16:creationId xmlns:a16="http://schemas.microsoft.com/office/drawing/2014/main" id="{7AF1891D-0116-C312-D975-C5786E3F3B58}"/>
+              </a:ext>
+            </a:extLst>
+          </p:cNvPr>
           <p:cNvSpPr txBox="1"/>
           <p:nvPr/>
         </p:nvSpPr>
         <p:spPr>
           <a:xfrm>
-            <a:off x="7708002" y="4305712"/>
-            <a:ext cx="7497052" cy="1446550"/>
+            <a:off x="3431508" y="6416675"/>
+            <a:ext cx="9144000" cy="1754326"/>
           </a:xfrm>
           <a:prstGeom prst="rect">
             <a:avLst/>
@@ -11502,78 +11765,146 @@
           <a:noFill/>
           <a:ln>
             <a:solidFill>
-              <a:schemeClr val="tx2">
-                <a:lumMod val="40000"/>
-                <a:lumOff val="60000"/>
+              <a:schemeClr val="accent1">
+                <a:lumMod val="60000"/>
+                <a:lumOff val="40000"/>
               </a:schemeClr>
             </a:solidFill>
           </a:ln>
         </p:spPr>
         <p:txBody>
-          <a:bodyPr wrap="none" rtlCol="0">
+          <a:bodyPr wrap="square" rtlCol="0">
             <a:spAutoFit/>
           </a:bodyPr>
           <a:lstStyle/>
           <a:p>
+            <a:pPr lvl="0">
+              <a:spcBef>
+                <a:spcPts val="600"/>
+              </a:spcBef>
+              <a:tabLst>
+                <a:tab pos="274320" algn="l"/>
+                <a:tab pos="5796915" algn="r"/>
+              </a:tabLst>
+            </a:pPr>
             <a:r>
-              <a:rPr lang="de-CH" sz="4400" dirty="0" smtClean="0"/>
-              <a:t>Rothlin;Walter;8855;Wangen SZ</a:t>
+              <a:rPr lang="de-CH" sz="1800" b="1" kern="0" dirty="0">
+                <a:effectLst/>
+                <a:latin typeface="Arial" panose="020B0604020202020204" pitchFamily="34" charset="0"/>
+                <a:cs typeface="Times New Roman" panose="02020603050405020304" pitchFamily="18" charset="0"/>
+              </a:rPr>
+              <a:t>3. Stark strukturierte Daten</a:t>
             </a:r>
           </a:p>
           <a:p>
+            <a:pPr marL="270510">
+              <a:tabLst>
+                <a:tab pos="5796915" algn="r"/>
+              </a:tabLst>
+            </a:pPr>
             <a:r>
-              <a:rPr lang="de-CH" sz="4400" dirty="0" smtClean="0"/>
-              <a:t>Franz;Bernhard;8854;Siebnen</a:t>
+              <a:rPr lang="de-CH" sz="1800" dirty="0" err="1">
+                <a:solidFill>
+                  <a:srgbClr val="000000"/>
+                </a:solidFill>
+                <a:effectLst/>
+                <a:latin typeface="Arial" panose="020B0604020202020204" pitchFamily="34" charset="0"/>
+                <a:ea typeface="Times New Roman" panose="02020603050405020304" pitchFamily="18" charset="0"/>
+                <a:cs typeface="Times New Roman" panose="02020603050405020304" pitchFamily="18" charset="0"/>
+              </a:rPr>
+              <a:t>Datenart</a:t>
             </a:r>
-          </a:p>
-        </p:txBody>
-      </p:sp>
-      <p:sp>
-        <p:nvSpPr>
-          <p:cNvPr id="15" name="Textfeld 14"/>
-          <p:cNvSpPr txBox="1"/>
-          <p:nvPr/>
-        </p:nvSpPr>
-        <p:spPr>
-          <a:xfrm>
-            <a:off x="7708002" y="6379695"/>
-            <a:ext cx="7497052" cy="2123658"/>
-          </a:xfrm>
-          <a:prstGeom prst="rect">
-            <a:avLst/>
-          </a:prstGeom>
-          <a:noFill/>
-          <a:ln>
-            <a:solidFill>
-              <a:schemeClr val="tx2">
-                <a:lumMod val="40000"/>
-                <a:lumOff val="60000"/>
-              </a:schemeClr>
-            </a:solidFill>
-          </a:ln>
-        </p:spPr>
-        <p:txBody>
-          <a:bodyPr wrap="none" rtlCol="0">
-            <a:spAutoFit/>
-          </a:bodyPr>
-          <a:lstStyle/>
-          <a:p>
             <a:r>
-              <a:rPr lang="de-CH" sz="4400" dirty="0" err="1" smtClean="0"/>
-              <a:t>Name;Vorname;PLZ;Ort</a:t>
+              <a:rPr lang="de-CH" sz="1800" dirty="0">
+                <a:solidFill>
+                  <a:srgbClr val="000000"/>
+                </a:solidFill>
+                <a:effectLst/>
+                <a:latin typeface="Arial" panose="020B0604020202020204" pitchFamily="34" charset="0"/>
+                <a:ea typeface="Times New Roman" panose="02020603050405020304" pitchFamily="18" charset="0"/>
+                <a:cs typeface="Times New Roman" panose="02020603050405020304" pitchFamily="18" charset="0"/>
+              </a:rPr>
+              <a:t>: Datenbanken</a:t>
             </a:r>
-            <a:endParaRPr lang="de-CH" sz="4400" dirty="0" smtClean="0"/>
-          </a:p>
-          <a:p>
+            <a:br>
+              <a:rPr lang="de-CH" sz="1800" dirty="0">
+                <a:solidFill>
+                  <a:srgbClr val="000000"/>
+                </a:solidFill>
+                <a:effectLst/>
+                <a:latin typeface="Arial" panose="020B0604020202020204" pitchFamily="34" charset="0"/>
+                <a:ea typeface="Times New Roman" panose="02020603050405020304" pitchFamily="18" charset="0"/>
+                <a:cs typeface="Times New Roman" panose="02020603050405020304" pitchFamily="18" charset="0"/>
+              </a:rPr>
+            </a:br>
             <a:r>
-              <a:rPr lang="de-CH" sz="4400" dirty="0" smtClean="0"/>
-              <a:t>Rothlin;Walter;8855;Wangen SZ</a:t>
+              <a:rPr lang="de-CH" sz="1800" dirty="0">
+                <a:solidFill>
+                  <a:srgbClr val="000000"/>
+                </a:solidFill>
+                <a:effectLst/>
+                <a:latin typeface="Arial" panose="020B0604020202020204" pitchFamily="34" charset="0"/>
+                <a:ea typeface="Times New Roman" panose="02020603050405020304" pitchFamily="18" charset="0"/>
+                <a:cs typeface="Times New Roman" panose="02020603050405020304" pitchFamily="18" charset="0"/>
+              </a:rPr>
+              <a:t>Strukturierung: stark, basiert auf Tabellen, Datensätzen, Beziehungen, Attributen</a:t>
             </a:r>
           </a:p>
           <a:p>
+            <a:pPr marL="270510">
+              <a:tabLst>
+                <a:tab pos="5796915" algn="r"/>
+              </a:tabLst>
+            </a:pPr>
             <a:r>
-              <a:rPr lang="de-CH" sz="4400" dirty="0" smtClean="0"/>
-              <a:t>Franz;Bernhard;8854;Siebnen</a:t>
+              <a:rPr lang="de-CH" sz="1800" dirty="0">
+                <a:solidFill>
+                  <a:srgbClr val="000000"/>
+                </a:solidFill>
+                <a:effectLst/>
+                <a:latin typeface="Arial" panose="020B0604020202020204" pitchFamily="34" charset="0"/>
+                <a:ea typeface="Times New Roman" panose="02020603050405020304" pitchFamily="18" charset="0"/>
+                <a:cs typeface="Times New Roman" panose="02020603050405020304" pitchFamily="18" charset="0"/>
+              </a:rPr>
+              <a:t>Beispiel: CD-Ausleih-Datenbank</a:t>
+            </a:r>
+          </a:p>
+          <a:p>
+            <a:pPr marL="270510">
+              <a:tabLst>
+                <a:tab pos="5796915" algn="r"/>
+              </a:tabLst>
+            </a:pPr>
+            <a:r>
+              <a:rPr lang="de-CH" sz="1800" dirty="0">
+                <a:solidFill>
+                  <a:srgbClr val="000000"/>
+                </a:solidFill>
+                <a:effectLst/>
+                <a:latin typeface="Arial" panose="020B0604020202020204" pitchFamily="34" charset="0"/>
+                <a:ea typeface="Times New Roman" panose="02020603050405020304" pitchFamily="18" charset="0"/>
+                <a:cs typeface="Times New Roman" panose="02020603050405020304" pitchFamily="18" charset="0"/>
+              </a:rPr>
+              <a:t>Auswertemöglichkeiten: beliebig </a:t>
+            </a:r>
+          </a:p>
+          <a:p>
+            <a:pPr marL="270510">
+              <a:tabLst>
+                <a:tab pos="5796915" algn="r"/>
+              </a:tabLst>
+            </a:pPr>
+            <a:r>
+              <a:rPr lang="de-CH" sz="1800" dirty="0">
+                <a:solidFill>
+                  <a:srgbClr val="000000"/>
+                </a:solidFill>
+                <a:effectLst/>
+                <a:latin typeface="Arial" panose="020B0604020202020204" pitchFamily="34" charset="0"/>
+                <a:ea typeface="Times New Roman" panose="02020603050405020304" pitchFamily="18" charset="0"/>
+                <a:cs typeface="Times New Roman" panose="02020603050405020304" pitchFamily="18" charset="0"/>
+              </a:rPr>
+              <a:t>Datenkonsistenzprüfung (‚gute’ Daten): maximale Möglichkeiten</a:t>
             </a:r>
           </a:p>
         </p:txBody>
@@ -11588,13 +11919,6 @@
   <p:clrMapOvr>
     <a:masterClrMapping/>
   </p:clrMapOvr>
-  <p:timing>
-    <p:tnLst>
-      <p:par>
-        <p:cTn id="1" dur="indefinite" restart="never" nodeType="tmRoot"/>
-      </p:par>
-    </p:tnLst>
-  </p:timing>
 </p:sld>
 </file>
 
@@ -11934,7 +12258,7 @@
         <p:spPr>
           <a:xfrm>
             <a:off x="1034388" y="605082"/>
-            <a:ext cx="16866262" cy="798937"/>
+            <a:ext cx="14580262" cy="798937"/>
           </a:xfrm>
           <a:prstGeom prst="rect">
             <a:avLst/>
@@ -11955,14 +12279,14 @@
               </a:spcBef>
             </a:pPr>
             <a:r>
-              <a:rPr lang="de-CH" sz="5100" b="1" spc="-60" dirty="0" smtClean="0">
+              <a:rPr lang="de-CH" sz="5100" b="1" spc="-60" dirty="0">
                 <a:solidFill>
                   <a:srgbClr val="006FC0"/>
                 </a:solidFill>
                 <a:latin typeface="Arial"/>
                 <a:cs typeface="Arial"/>
               </a:rPr>
-              <a:t>Variablen enthalten Daten</a:t>
+              <a:t>Strukturierte / Unstrukturierte Daten (Beispiele)</a:t>
             </a:r>
             <a:endParaRPr sz="5100" dirty="0">
               <a:latin typeface="Arial"/>
@@ -12014,19 +12338,27 @@
       </p:sp>
       <p:sp>
         <p:nvSpPr>
-          <p:cNvPr id="11" name="Textfeld 10"/>
+          <p:cNvPr id="8" name="Textfeld 7"/>
           <p:cNvSpPr txBox="1"/>
           <p:nvPr/>
         </p:nvSpPr>
         <p:spPr>
           <a:xfrm>
-            <a:off x="1746250" y="1920875"/>
-            <a:ext cx="8567602" cy="584775"/>
+            <a:off x="2094396" y="2754949"/>
+            <a:ext cx="16758370" cy="923330"/>
           </a:xfrm>
           <a:prstGeom prst="rect">
             <a:avLst/>
           </a:prstGeom>
           <a:noFill/>
+          <a:ln>
+            <a:solidFill>
+              <a:schemeClr val="accent1">
+                <a:lumMod val="60000"/>
+                <a:lumOff val="40000"/>
+              </a:schemeClr>
+            </a:solidFill>
+          </a:ln>
         </p:spPr>
         <p:txBody>
           <a:bodyPr wrap="none" rtlCol="0">
@@ -12035,289 +12367,35 @@
           <a:lstStyle/>
           <a:p>
             <a:r>
-              <a:rPr lang="de-CH" sz="3200" b="1" dirty="0" smtClean="0"/>
-              <a:t>Variable</a:t>
+              <a:rPr lang="de-CH" sz="5400" dirty="0"/>
+              <a:t>Mein Name ist Walter Rothlin und ich wohne in Wangen SZ</a:t>
             </a:r>
-            <a:r>
-              <a:rPr lang="de-CH" sz="3200" dirty="0" smtClean="0"/>
-              <a:t> = Benannter und typisierter Speicherplatz</a:t>
-            </a:r>
-            <a:endParaRPr lang="de-CH" sz="3200" dirty="0"/>
-          </a:p>
-        </p:txBody>
-      </p:sp>
-      <p:pic>
-        <p:nvPicPr>
-          <p:cNvPr id="20" name="Grafik 19" descr="workspace - Java - RothlinLib/src/com/rothlin/graphics/Drehregler/DrehRegler.java - Eclipse"/>
-          <p:cNvPicPr>
-            <a:picLocks noChangeAspect="1"/>
-          </p:cNvPicPr>
-          <p:nvPr/>
-        </p:nvPicPr>
-        <p:blipFill rotWithShape="1">
-          <a:blip r:embed="rId3">
-            <a:extLst>
-              <a:ext uri="{28A0092B-C50C-407E-A947-70E740481C1C}">
-                <a14:useLocalDpi xmlns:a14="http://schemas.microsoft.com/office/drawing/2010/main" val="0"/>
-              </a:ext>
-            </a:extLst>
-          </a:blip>
-          <a:srcRect l="34713" t="14631" r="40497" b="46599"/>
-          <a:stretch/>
-        </p:blipFill>
-        <p:spPr>
-          <a:xfrm>
-            <a:off x="1122478" y="3011781"/>
-            <a:ext cx="4800600" cy="4560570"/>
-          </a:xfrm>
-          <a:prstGeom prst="rect">
-            <a:avLst/>
-          </a:prstGeom>
-        </p:spPr>
-      </p:pic>
-      <p:pic>
-        <p:nvPicPr>
-          <p:cNvPr id="21" name="Grafik 20" descr="G:\_Daten_2019_08_21\SourceCode\Python_Raspberry\BZU_Code_2019_08_01\ExamplesPython\KaeltemacherCode\Version_2019_08_14\KM_Main.py - Notepad++"/>
-          <p:cNvPicPr>
-            <a:picLocks noChangeAspect="1"/>
-          </p:cNvPicPr>
-          <p:nvPr/>
-        </p:nvPicPr>
-        <p:blipFill rotWithShape="1">
-          <a:blip r:embed="rId4">
-            <a:extLst>
-              <a:ext uri="{28A0092B-C50C-407E-A947-70E740481C1C}">
-                <a14:useLocalDpi xmlns:a14="http://schemas.microsoft.com/office/drawing/2010/main" val="0"/>
-              </a:ext>
-            </a:extLst>
-          </a:blip>
-          <a:srcRect l="10994" t="13503" r="42592" b="5659"/>
-          <a:stretch/>
-        </p:blipFill>
-        <p:spPr>
-          <a:xfrm>
-            <a:off x="12566650" y="777875"/>
-            <a:ext cx="6894274" cy="6665630"/>
-          </a:xfrm>
-          <a:prstGeom prst="rect">
-            <a:avLst/>
-          </a:prstGeom>
-        </p:spPr>
-      </p:pic>
-      <p:pic>
-        <p:nvPicPr>
-          <p:cNvPr id="22" name="Grafik 21" descr="Einsatzplan.xls  [Kompatibilitätsmodus] - Excel"/>
-          <p:cNvPicPr>
-            <a:picLocks noChangeAspect="1"/>
-          </p:cNvPicPr>
-          <p:nvPr/>
-        </p:nvPicPr>
-        <p:blipFill rotWithShape="1">
-          <a:blip r:embed="rId5">
-            <a:extLst>
-              <a:ext uri="{28A0092B-C50C-407E-A947-70E740481C1C}">
-                <a14:useLocalDpi xmlns:a14="http://schemas.microsoft.com/office/drawing/2010/main" val="0"/>
-              </a:ext>
-            </a:extLst>
-          </a:blip>
-          <a:srcRect l="13635" t="30608" r="71491" b="57149"/>
-          <a:stretch/>
-        </p:blipFill>
-        <p:spPr>
-          <a:xfrm>
-            <a:off x="6775450" y="3597275"/>
-            <a:ext cx="5141820" cy="2570910"/>
-          </a:xfrm>
-          <a:prstGeom prst="rect">
-            <a:avLst/>
-          </a:prstGeom>
-        </p:spPr>
-      </p:pic>
-      <p:sp>
-        <p:nvSpPr>
-          <p:cNvPr id="23" name="Rechteck 22"/>
-          <p:cNvSpPr/>
-          <p:nvPr/>
-        </p:nvSpPr>
-        <p:spPr>
-          <a:xfrm rot="19799125">
-            <a:off x="7965789" y="3330351"/>
-            <a:ext cx="2761141" cy="923330"/>
+          </a:p>
+        </p:txBody>
+      </p:sp>
+      <p:sp>
+        <p:nvSpPr>
+          <p:cNvPr id="45" name="Textfeld 44"/>
+          <p:cNvSpPr txBox="1"/>
+          <p:nvPr/>
+        </p:nvSpPr>
+        <p:spPr>
+          <a:xfrm>
+            <a:off x="2094396" y="4305703"/>
+            <a:ext cx="4146776" cy="2800767"/>
           </a:xfrm>
           <a:prstGeom prst="rect">
             <a:avLst/>
           </a:prstGeom>
           <a:noFill/>
-        </p:spPr>
-        <p:txBody>
-          <a:bodyPr wrap="none" lIns="91440" tIns="45720" rIns="91440" bIns="45720">
-            <a:spAutoFit/>
-          </a:bodyPr>
-          <a:lstStyle/>
-          <a:p>
-            <a:pPr algn="ctr"/>
-            <a:r>
-              <a:rPr lang="de-DE" sz="5400" b="0" cap="none" spc="0" dirty="0" smtClean="0">
-                <a:ln w="0"/>
-                <a:solidFill>
-                  <a:schemeClr val="tx1"/>
-                </a:solidFill>
-                <a:effectLst>
-                  <a:outerShdw blurRad="38100" dist="19050" dir="2700000" algn="tl" rotWithShape="0">
-                    <a:schemeClr val="dk1">
-                      <a:alpha val="40000"/>
-                    </a:schemeClr>
-                  </a:outerShdw>
-                </a:effectLst>
-              </a:rPr>
-              <a:t>z.B. Excel</a:t>
-            </a:r>
-            <a:endParaRPr lang="de-DE" sz="5400" b="0" cap="none" spc="0" dirty="0">
-              <a:ln w="0"/>
-              <a:solidFill>
-                <a:schemeClr val="tx1"/>
-              </a:solidFill>
-              <a:effectLst>
-                <a:outerShdw blurRad="38100" dist="19050" dir="2700000" algn="tl" rotWithShape="0">
-                  <a:schemeClr val="dk1">
-                    <a:alpha val="40000"/>
-                  </a:schemeClr>
-                </a:outerShdw>
-              </a:effectLst>
-            </a:endParaRPr>
-          </a:p>
-        </p:txBody>
-      </p:sp>
-      <p:sp>
-        <p:nvSpPr>
-          <p:cNvPr id="24" name="Rechteck 23"/>
-          <p:cNvSpPr/>
-          <p:nvPr/>
-        </p:nvSpPr>
-        <p:spPr>
-          <a:xfrm rot="19799125">
-            <a:off x="2263843" y="7502554"/>
-            <a:ext cx="2517869" cy="923330"/>
-          </a:xfrm>
-          <a:prstGeom prst="rect">
-            <a:avLst/>
-          </a:prstGeom>
-          <a:noFill/>
-        </p:spPr>
-        <p:txBody>
-          <a:bodyPr wrap="none" lIns="91440" tIns="45720" rIns="91440" bIns="45720">
-            <a:spAutoFit/>
-          </a:bodyPr>
-          <a:lstStyle/>
-          <a:p>
-            <a:pPr algn="ctr"/>
-            <a:r>
-              <a:rPr lang="de-DE" sz="5400" b="0" cap="none" spc="0" dirty="0" smtClean="0">
-                <a:ln w="0"/>
-                <a:solidFill>
-                  <a:schemeClr val="tx1"/>
-                </a:solidFill>
-                <a:effectLst>
-                  <a:outerShdw blurRad="38100" dist="19050" dir="2700000" algn="tl" rotWithShape="0">
-                    <a:schemeClr val="dk1">
-                      <a:alpha val="40000"/>
-                    </a:schemeClr>
-                  </a:outerShdw>
-                </a:effectLst>
-              </a:rPr>
-              <a:t>z.B. Java</a:t>
-            </a:r>
-            <a:endParaRPr lang="de-DE" sz="5400" b="0" cap="none" spc="0" dirty="0">
-              <a:ln w="0"/>
-              <a:solidFill>
-                <a:schemeClr val="tx1"/>
-              </a:solidFill>
-              <a:effectLst>
-                <a:outerShdw blurRad="38100" dist="19050" dir="2700000" algn="tl" rotWithShape="0">
-                  <a:schemeClr val="dk1">
-                    <a:alpha val="40000"/>
-                  </a:schemeClr>
-                </a:outerShdw>
-              </a:effectLst>
-            </a:endParaRPr>
-          </a:p>
-        </p:txBody>
-      </p:sp>
-      <p:sp>
-        <p:nvSpPr>
-          <p:cNvPr id="25" name="Rechteck 24"/>
-          <p:cNvSpPr/>
-          <p:nvPr/>
-        </p:nvSpPr>
-        <p:spPr>
-          <a:xfrm rot="19799125">
-            <a:off x="13966888" y="7154633"/>
-            <a:ext cx="3346814" cy="923330"/>
-          </a:xfrm>
-          <a:prstGeom prst="rect">
-            <a:avLst/>
-          </a:prstGeom>
-          <a:noFill/>
-        </p:spPr>
-        <p:txBody>
-          <a:bodyPr wrap="none" lIns="91440" tIns="45720" rIns="91440" bIns="45720">
-            <a:spAutoFit/>
-          </a:bodyPr>
-          <a:lstStyle/>
-          <a:p>
-            <a:pPr algn="ctr"/>
-            <a:r>
-              <a:rPr lang="de-DE" sz="5400" b="0" cap="none" spc="0" dirty="0" smtClean="0">
-                <a:ln w="0"/>
-                <a:solidFill>
-                  <a:schemeClr val="tx1"/>
-                </a:solidFill>
-                <a:effectLst>
-                  <a:outerShdw blurRad="38100" dist="19050" dir="2700000" algn="tl" rotWithShape="0">
-                    <a:schemeClr val="dk1">
-                      <a:alpha val="40000"/>
-                    </a:schemeClr>
-                  </a:outerShdw>
-                </a:effectLst>
-              </a:rPr>
-              <a:t>z.B. Python</a:t>
-            </a:r>
-            <a:endParaRPr lang="de-DE" sz="5400" b="0" cap="none" spc="0" dirty="0">
-              <a:ln w="0"/>
-              <a:solidFill>
-                <a:schemeClr val="tx1"/>
-              </a:solidFill>
-              <a:effectLst>
-                <a:outerShdw blurRad="38100" dist="19050" dir="2700000" algn="tl" rotWithShape="0">
-                  <a:schemeClr val="dk1">
-                    <a:alpha val="40000"/>
-                  </a:schemeClr>
-                </a:outerShdw>
-              </a:effectLst>
-            </a:endParaRPr>
-          </a:p>
-        </p:txBody>
-      </p:sp>
-      <p:sp>
-        <p:nvSpPr>
-          <p:cNvPr id="26" name="Textfeld 25"/>
-          <p:cNvSpPr txBox="1"/>
-          <p:nvPr/>
-        </p:nvSpPr>
-        <p:spPr>
-          <a:xfrm>
-            <a:off x="6441073" y="7235936"/>
-            <a:ext cx="6622326" cy="2308324"/>
-          </a:xfrm>
-          <a:prstGeom prst="rect">
-            <a:avLst/>
-          </a:prstGeom>
-          <a:solidFill>
-            <a:schemeClr val="accent4">
-              <a:lumMod val="20000"/>
-              <a:lumOff val="80000"/>
-            </a:schemeClr>
-          </a:solidFill>
+          <a:ln>
+            <a:solidFill>
+              <a:schemeClr val="tx2">
+                <a:lumMod val="40000"/>
+                <a:lumOff val="60000"/>
+              </a:schemeClr>
+            </a:solidFill>
+          </a:ln>
         </p:spPr>
         <p:txBody>
           <a:bodyPr wrap="none" rtlCol="0">
@@ -12326,150 +12404,149 @@
           <a:lstStyle/>
           <a:p>
             <a:r>
-              <a:rPr lang="de-CH" dirty="0">
-                <a:latin typeface="Courier New" panose="02070309020205020404" pitchFamily="49" charset="0"/>
-                <a:cs typeface="Courier New" panose="02070309020205020404" pitchFamily="49" charset="0"/>
-              </a:rPr>
-              <a:t>CREATE TABLE adressliste (</a:t>
+              <a:rPr lang="de-CH" sz="4400" b="1" dirty="0"/>
+              <a:t>Name: </a:t>
             </a:r>
-          </a:p>
-          <a:p>
             <a:r>
-              <a:rPr lang="de-CH" dirty="0">
-                <a:latin typeface="Courier New" panose="02070309020205020404" pitchFamily="49" charset="0"/>
-                <a:cs typeface="Courier New" panose="02070309020205020404" pitchFamily="49" charset="0"/>
-              </a:rPr>
-              <a:t>	ID SMALLINT UNSIGNED DEFAULT 0 NOT NULL,</a:t>
+              <a:rPr lang="de-CH" sz="4400" dirty="0"/>
+              <a:t>Rothlin</a:t>
             </a:r>
           </a:p>
           <a:p>
             <a:r>
-              <a:rPr lang="de-CH" dirty="0">
-                <a:latin typeface="Courier New" panose="02070309020205020404" pitchFamily="49" charset="0"/>
-                <a:cs typeface="Courier New" panose="02070309020205020404" pitchFamily="49" charset="0"/>
-              </a:rPr>
-              <a:t>	Familienname VARCHAR(45) NOT NULL,</a:t>
+              <a:rPr lang="de-CH" sz="4400" b="1" dirty="0"/>
+              <a:t>Vorname: </a:t>
             </a:r>
-          </a:p>
-          <a:p>
             <a:r>
-              <a:rPr lang="de-CH" dirty="0">
-                <a:latin typeface="Courier New" panose="02070309020205020404" pitchFamily="49" charset="0"/>
-                <a:cs typeface="Courier New" panose="02070309020205020404" pitchFamily="49" charset="0"/>
-              </a:rPr>
-              <a:t>	Vorname VARCHAR(45) NOT NULL,</a:t>
+              <a:rPr lang="de-CH" sz="4400" dirty="0"/>
+              <a:t>Walter</a:t>
             </a:r>
           </a:p>
           <a:p>
             <a:r>
-              <a:rPr lang="de-CH" dirty="0">
-                <a:latin typeface="Courier New" panose="02070309020205020404" pitchFamily="49" charset="0"/>
-                <a:cs typeface="Courier New" panose="02070309020205020404" pitchFamily="49" charset="0"/>
-              </a:rPr>
-              <a:t>	Strasse VARCHAR(45) NOT NULL,</a:t>
+              <a:rPr lang="de-CH" sz="4400" b="1" dirty="0"/>
+              <a:t>PLZ: </a:t>
             </a:r>
-          </a:p>
-          <a:p>
             <a:r>
-              <a:rPr lang="de-CH" dirty="0">
-                <a:latin typeface="Courier New" panose="02070309020205020404" pitchFamily="49" charset="0"/>
-                <a:cs typeface="Courier New" panose="02070309020205020404" pitchFamily="49" charset="0"/>
-              </a:rPr>
-              <a:t>	Postleitzahl SMALLINT NOT NULL,</a:t>
+              <a:rPr lang="de-CH" sz="4400" dirty="0"/>
+              <a:t>8855</a:t>
             </a:r>
           </a:p>
           <a:p>
             <a:r>
-              <a:rPr lang="de-CH" dirty="0">
-                <a:latin typeface="Courier New" panose="02070309020205020404" pitchFamily="49" charset="0"/>
-                <a:cs typeface="Courier New" panose="02070309020205020404" pitchFamily="49" charset="0"/>
-              </a:rPr>
-              <a:t>	Ortschaft VARCHAR(45) NOT NULL</a:t>
+              <a:rPr lang="de-CH" sz="4400" b="1" dirty="0"/>
+              <a:t>Ort: </a:t>
             </a:r>
-          </a:p>
-          <a:p>
             <a:r>
-              <a:rPr lang="de-CH" dirty="0">
-                <a:latin typeface="Courier New" panose="02070309020205020404" pitchFamily="49" charset="0"/>
-                <a:cs typeface="Courier New" panose="02070309020205020404" pitchFamily="49" charset="0"/>
-              </a:rPr>
-              <a:t>);</a:t>
+              <a:rPr lang="de-CH" sz="4400" dirty="0"/>
+              <a:t>Wangen SZ</a:t>
             </a:r>
           </a:p>
         </p:txBody>
       </p:sp>
       <p:sp>
         <p:nvSpPr>
-          <p:cNvPr id="27" name="Rechteck 26"/>
-          <p:cNvSpPr/>
-          <p:nvPr/>
-        </p:nvSpPr>
-        <p:spPr>
-          <a:xfrm rot="19799125">
-            <a:off x="9754993" y="8706263"/>
-            <a:ext cx="3323346" cy="923330"/>
+          <p:cNvPr id="24" name="Textfeld 23"/>
+          <p:cNvSpPr txBox="1"/>
+          <p:nvPr/>
+        </p:nvSpPr>
+        <p:spPr>
+          <a:xfrm>
+            <a:off x="7708002" y="4305712"/>
+            <a:ext cx="7497052" cy="1446550"/>
           </a:xfrm>
           <a:prstGeom prst="rect">
             <a:avLst/>
           </a:prstGeom>
           <a:noFill/>
-        </p:spPr>
-        <p:txBody>
-          <a:bodyPr wrap="none" lIns="91440" tIns="45720" rIns="91440" bIns="45720">
+          <a:ln>
+            <a:solidFill>
+              <a:schemeClr val="tx2">
+                <a:lumMod val="40000"/>
+                <a:lumOff val="60000"/>
+              </a:schemeClr>
+            </a:solidFill>
+          </a:ln>
+        </p:spPr>
+        <p:txBody>
+          <a:bodyPr wrap="none" rtlCol="0">
             <a:spAutoFit/>
           </a:bodyPr>
           <a:lstStyle/>
           <a:p>
-            <a:pPr algn="ctr"/>
             <a:r>
-              <a:rPr lang="de-DE" sz="5400" b="0" cap="none" spc="0" dirty="0" smtClean="0">
-                <a:ln w="0"/>
-                <a:solidFill>
-                  <a:schemeClr val="tx1"/>
-                </a:solidFill>
-                <a:effectLst>
-                  <a:outerShdw blurRad="38100" dist="19050" dir="2700000" algn="tl" rotWithShape="0">
-                    <a:schemeClr val="dk1">
-                      <a:alpha val="40000"/>
-                    </a:schemeClr>
-                  </a:outerShdw>
-                </a:effectLst>
-              </a:rPr>
-              <a:t>z.B. MySQL</a:t>
+              <a:rPr lang="de-CH" sz="4400" dirty="0"/>
+              <a:t>Rothlin;Walter;8855;Wangen SZ</a:t>
             </a:r>
-            <a:endParaRPr lang="de-DE" sz="5400" b="0" cap="none" spc="0" dirty="0">
-              <a:ln w="0"/>
-              <a:solidFill>
-                <a:schemeClr val="tx1"/>
-              </a:solidFill>
-              <a:effectLst>
-                <a:outerShdw blurRad="38100" dist="19050" dir="2700000" algn="tl" rotWithShape="0">
-                  <a:schemeClr val="dk1">
-                    <a:alpha val="40000"/>
-                  </a:schemeClr>
-                </a:outerShdw>
-              </a:effectLst>
-            </a:endParaRPr>
+          </a:p>
+          <a:p>
+            <a:r>
+              <a:rPr lang="de-CH" sz="4400" dirty="0"/>
+              <a:t>Franz;Bernhard;8854;Siebnen</a:t>
+            </a:r>
+          </a:p>
+        </p:txBody>
+      </p:sp>
+      <p:sp>
+        <p:nvSpPr>
+          <p:cNvPr id="15" name="Textfeld 14"/>
+          <p:cNvSpPr txBox="1"/>
+          <p:nvPr/>
+        </p:nvSpPr>
+        <p:spPr>
+          <a:xfrm>
+            <a:off x="7708002" y="6379695"/>
+            <a:ext cx="7497052" cy="2123658"/>
+          </a:xfrm>
+          <a:prstGeom prst="rect">
+            <a:avLst/>
+          </a:prstGeom>
+          <a:noFill/>
+          <a:ln>
+            <a:solidFill>
+              <a:schemeClr val="tx2">
+                <a:lumMod val="40000"/>
+                <a:lumOff val="60000"/>
+              </a:schemeClr>
+            </a:solidFill>
+          </a:ln>
+        </p:spPr>
+        <p:txBody>
+          <a:bodyPr wrap="none" rtlCol="0">
+            <a:spAutoFit/>
+          </a:bodyPr>
+          <a:lstStyle/>
+          <a:p>
+            <a:r>
+              <a:rPr lang="de-CH" sz="4400" dirty="0" err="1"/>
+              <a:t>Name;Vorname;PLZ;Ort</a:t>
+            </a:r>
+            <a:endParaRPr lang="de-CH" sz="4400" dirty="0"/>
+          </a:p>
+          <a:p>
+            <a:r>
+              <a:rPr lang="de-CH" sz="4400" dirty="0"/>
+              <a:t>Rothlin;Walter;8855;Wangen SZ</a:t>
+            </a:r>
+          </a:p>
+          <a:p>
+            <a:r>
+              <a:rPr lang="de-CH" sz="4400" dirty="0"/>
+              <a:t>Franz;Bernhard;8854;Siebnen</a:t>
+            </a:r>
           </a:p>
         </p:txBody>
       </p:sp>
     </p:spTree>
     <p:extLst>
       <p:ext uri="{BB962C8B-B14F-4D97-AF65-F5344CB8AC3E}">
-        <p14:creationId xmlns:p14="http://schemas.microsoft.com/office/powerpoint/2010/main" val="2243772327"/>
+        <p14:creationId xmlns:p14="http://schemas.microsoft.com/office/powerpoint/2010/main" val="2382542595"/>
       </p:ext>
     </p:extLst>
   </p:cSld>
   <p:clrMapOvr>
     <a:masterClrMapping/>
   </p:clrMapOvr>
-  <p:timing>
-    <p:tnLst>
-      <p:par>
-        <p:cTn id="1" dur="indefinite" restart="never" nodeType="tmRoot"/>
-      </p:par>
-    </p:tnLst>
-  </p:timing>
 </p:sld>
 </file>
 
@@ -12830,14 +12907,14 @@
               </a:spcBef>
             </a:pPr>
             <a:r>
-              <a:rPr lang="de-CH" sz="5100" b="1" spc="-60" dirty="0" smtClean="0">
+              <a:rPr lang="de-CH" sz="5100" b="1" spc="-60" dirty="0">
                 <a:solidFill>
                   <a:srgbClr val="006FC0"/>
                 </a:solidFill>
                 <a:latin typeface="Arial"/>
                 <a:cs typeface="Arial"/>
               </a:rPr>
-              <a:t>Basis-Datentypen (Einschränkung des Wertebereiches)</a:t>
+              <a:t>Variablen enthalten Daten</a:t>
             </a:r>
             <a:endParaRPr sz="5100" dirty="0">
               <a:latin typeface="Arial"/>
@@ -12889,14 +12966,14 @@
       </p:sp>
       <p:sp>
         <p:nvSpPr>
-          <p:cNvPr id="7" name="Textfeld 6"/>
+          <p:cNvPr id="11" name="Textfeld 10"/>
           <p:cNvSpPr txBox="1"/>
           <p:nvPr/>
         </p:nvSpPr>
         <p:spPr>
           <a:xfrm>
-            <a:off x="1188502" y="1920875"/>
-            <a:ext cx="8656665" cy="584775"/>
+            <a:off x="1746250" y="1920875"/>
+            <a:ext cx="8567602" cy="584775"/>
           </a:xfrm>
           <a:prstGeom prst="rect">
             <a:avLst/>
@@ -12910,48 +12987,249 @@
           <a:lstStyle/>
           <a:p>
             <a:r>
-              <a:rPr lang="de-CH" sz="3200" dirty="0" smtClean="0"/>
-              <a:t>BZU Uster: </a:t>
+              <a:rPr lang="de-CH" sz="3200" b="1" dirty="0"/>
+              <a:t>Variable</a:t>
             </a:r>
             <a:r>
-              <a:rPr lang="de-CH" sz="3200" dirty="0" smtClean="0">
-                <a:solidFill>
-                  <a:srgbClr val="00B050"/>
-                </a:solidFill>
-              </a:rPr>
-              <a:t>String, Zeichenketten </a:t>
+              <a:rPr lang="de-CH" sz="3200" dirty="0"/>
+              <a:t> = Benannter und typisierter Speicherplatz</a:t>
             </a:r>
-            <a:r>
-              <a:rPr lang="de-CH" sz="3200" dirty="0" smtClean="0">
-                <a:solidFill>
-                  <a:srgbClr val="FF0000"/>
-                </a:solidFill>
-              </a:rPr>
-              <a:t>/ Länge, Muster,…</a:t>
-            </a:r>
-            <a:endParaRPr lang="de-CH" sz="3200" dirty="0">
-              <a:solidFill>
-                <a:srgbClr val="FF0000"/>
-              </a:solidFill>
-            </a:endParaRPr>
-          </a:p>
-        </p:txBody>
-      </p:sp>
-      <p:sp>
-        <p:nvSpPr>
-          <p:cNvPr id="14" name="Textfeld 13"/>
-          <p:cNvSpPr txBox="1"/>
-          <p:nvPr/>
-        </p:nvSpPr>
-        <p:spPr>
-          <a:xfrm>
-            <a:off x="1149113" y="3024083"/>
-            <a:ext cx="14627851" cy="584775"/>
+          </a:p>
+        </p:txBody>
+      </p:sp>
+      <p:pic>
+        <p:nvPicPr>
+          <p:cNvPr id="20" name="Grafik 19" descr="workspace - Java - RothlinLib/src/com/rothlin/graphics/Drehregler/DrehRegler.java - Eclipse"/>
+          <p:cNvPicPr>
+            <a:picLocks noChangeAspect="1"/>
+          </p:cNvPicPr>
+          <p:nvPr/>
+        </p:nvPicPr>
+        <p:blipFill rotWithShape="1">
+          <a:blip r:embed="rId3">
+            <a:extLst>
+              <a:ext uri="{28A0092B-C50C-407E-A947-70E740481C1C}">
+                <a14:useLocalDpi xmlns:a14="http://schemas.microsoft.com/office/drawing/2010/main" val="0"/>
+              </a:ext>
+            </a:extLst>
+          </a:blip>
+          <a:srcRect l="34713" t="14631" r="40497" b="46599"/>
+          <a:stretch/>
+        </p:blipFill>
+        <p:spPr>
+          <a:xfrm>
+            <a:off x="1122478" y="3011781"/>
+            <a:ext cx="4800600" cy="4560570"/>
+          </a:xfrm>
+          <a:prstGeom prst="rect">
+            <a:avLst/>
+          </a:prstGeom>
+        </p:spPr>
+      </p:pic>
+      <p:pic>
+        <p:nvPicPr>
+          <p:cNvPr id="21" name="Grafik 20" descr="G:\_Daten_2019_08_21\SourceCode\Python_Raspberry\BZU_Code_2019_08_01\ExamplesPython\KaeltemacherCode\Version_2019_08_14\KM_Main.py - Notepad++"/>
+          <p:cNvPicPr>
+            <a:picLocks noChangeAspect="1"/>
+          </p:cNvPicPr>
+          <p:nvPr/>
+        </p:nvPicPr>
+        <p:blipFill rotWithShape="1">
+          <a:blip r:embed="rId4">
+            <a:extLst>
+              <a:ext uri="{28A0092B-C50C-407E-A947-70E740481C1C}">
+                <a14:useLocalDpi xmlns:a14="http://schemas.microsoft.com/office/drawing/2010/main" val="0"/>
+              </a:ext>
+            </a:extLst>
+          </a:blip>
+          <a:srcRect l="10994" t="13503" r="42592" b="5659"/>
+          <a:stretch/>
+        </p:blipFill>
+        <p:spPr>
+          <a:xfrm>
+            <a:off x="12566650" y="777875"/>
+            <a:ext cx="6894274" cy="6665630"/>
+          </a:xfrm>
+          <a:prstGeom prst="rect">
+            <a:avLst/>
+          </a:prstGeom>
+        </p:spPr>
+      </p:pic>
+      <p:pic>
+        <p:nvPicPr>
+          <p:cNvPr id="22" name="Grafik 21" descr="Einsatzplan.xls  [Kompatibilitätsmodus] - Excel"/>
+          <p:cNvPicPr>
+            <a:picLocks noChangeAspect="1"/>
+          </p:cNvPicPr>
+          <p:nvPr/>
+        </p:nvPicPr>
+        <p:blipFill rotWithShape="1">
+          <a:blip r:embed="rId5">
+            <a:extLst>
+              <a:ext uri="{28A0092B-C50C-407E-A947-70E740481C1C}">
+                <a14:useLocalDpi xmlns:a14="http://schemas.microsoft.com/office/drawing/2010/main" val="0"/>
+              </a:ext>
+            </a:extLst>
+          </a:blip>
+          <a:srcRect l="13635" t="30608" r="71491" b="57149"/>
+          <a:stretch/>
+        </p:blipFill>
+        <p:spPr>
+          <a:xfrm>
+            <a:off x="6775450" y="3597275"/>
+            <a:ext cx="5141820" cy="2570910"/>
+          </a:xfrm>
+          <a:prstGeom prst="rect">
+            <a:avLst/>
+          </a:prstGeom>
+        </p:spPr>
+      </p:pic>
+      <p:sp>
+        <p:nvSpPr>
+          <p:cNvPr id="23" name="Rechteck 22"/>
+          <p:cNvSpPr/>
+          <p:nvPr/>
+        </p:nvSpPr>
+        <p:spPr>
+          <a:xfrm rot="19799125">
+            <a:off x="7965789" y="3330351"/>
+            <a:ext cx="2761141" cy="923330"/>
           </a:xfrm>
           <a:prstGeom prst="rect">
             <a:avLst/>
           </a:prstGeom>
           <a:noFill/>
+        </p:spPr>
+        <p:txBody>
+          <a:bodyPr wrap="none" lIns="91440" tIns="45720" rIns="91440" bIns="45720">
+            <a:spAutoFit/>
+          </a:bodyPr>
+          <a:lstStyle/>
+          <a:p>
+            <a:pPr algn="ctr"/>
+            <a:r>
+              <a:rPr lang="de-DE" sz="5400" b="0" cap="none" spc="0" dirty="0">
+                <a:ln w="0"/>
+                <a:solidFill>
+                  <a:schemeClr val="tx1"/>
+                </a:solidFill>
+                <a:effectLst>
+                  <a:outerShdw blurRad="38100" dist="19050" dir="2700000" algn="tl" rotWithShape="0">
+                    <a:schemeClr val="dk1">
+                      <a:alpha val="40000"/>
+                    </a:schemeClr>
+                  </a:outerShdw>
+                </a:effectLst>
+              </a:rPr>
+              <a:t>z.B. Excel</a:t>
+            </a:r>
+          </a:p>
+        </p:txBody>
+      </p:sp>
+      <p:sp>
+        <p:nvSpPr>
+          <p:cNvPr id="24" name="Rechteck 23"/>
+          <p:cNvSpPr/>
+          <p:nvPr/>
+        </p:nvSpPr>
+        <p:spPr>
+          <a:xfrm rot="19799125">
+            <a:off x="2263843" y="7502554"/>
+            <a:ext cx="2517869" cy="923330"/>
+          </a:xfrm>
+          <a:prstGeom prst="rect">
+            <a:avLst/>
+          </a:prstGeom>
+          <a:noFill/>
+        </p:spPr>
+        <p:txBody>
+          <a:bodyPr wrap="none" lIns="91440" tIns="45720" rIns="91440" bIns="45720">
+            <a:spAutoFit/>
+          </a:bodyPr>
+          <a:lstStyle/>
+          <a:p>
+            <a:pPr algn="ctr"/>
+            <a:r>
+              <a:rPr lang="de-DE" sz="5400" b="0" cap="none" spc="0" dirty="0">
+                <a:ln w="0"/>
+                <a:solidFill>
+                  <a:schemeClr val="tx1"/>
+                </a:solidFill>
+                <a:effectLst>
+                  <a:outerShdw blurRad="38100" dist="19050" dir="2700000" algn="tl" rotWithShape="0">
+                    <a:schemeClr val="dk1">
+                      <a:alpha val="40000"/>
+                    </a:schemeClr>
+                  </a:outerShdw>
+                </a:effectLst>
+              </a:rPr>
+              <a:t>z.B. Java</a:t>
+            </a:r>
+          </a:p>
+        </p:txBody>
+      </p:sp>
+      <p:sp>
+        <p:nvSpPr>
+          <p:cNvPr id="25" name="Rechteck 24"/>
+          <p:cNvSpPr/>
+          <p:nvPr/>
+        </p:nvSpPr>
+        <p:spPr>
+          <a:xfrm rot="19799125">
+            <a:off x="13966888" y="7154633"/>
+            <a:ext cx="3346814" cy="923330"/>
+          </a:xfrm>
+          <a:prstGeom prst="rect">
+            <a:avLst/>
+          </a:prstGeom>
+          <a:noFill/>
+        </p:spPr>
+        <p:txBody>
+          <a:bodyPr wrap="none" lIns="91440" tIns="45720" rIns="91440" bIns="45720">
+            <a:spAutoFit/>
+          </a:bodyPr>
+          <a:lstStyle/>
+          <a:p>
+            <a:pPr algn="ctr"/>
+            <a:r>
+              <a:rPr lang="de-DE" sz="5400" b="0" cap="none" spc="0" dirty="0">
+                <a:ln w="0"/>
+                <a:solidFill>
+                  <a:schemeClr val="tx1"/>
+                </a:solidFill>
+                <a:effectLst>
+                  <a:outerShdw blurRad="38100" dist="19050" dir="2700000" algn="tl" rotWithShape="0">
+                    <a:schemeClr val="dk1">
+                      <a:alpha val="40000"/>
+                    </a:schemeClr>
+                  </a:outerShdw>
+                </a:effectLst>
+              </a:rPr>
+              <a:t>z.B. Python</a:t>
+            </a:r>
+          </a:p>
+        </p:txBody>
+      </p:sp>
+      <p:sp>
+        <p:nvSpPr>
+          <p:cNvPr id="26" name="Textfeld 25"/>
+          <p:cNvSpPr txBox="1"/>
+          <p:nvPr/>
+        </p:nvSpPr>
+        <p:spPr>
+          <a:xfrm>
+            <a:off x="6441073" y="7235936"/>
+            <a:ext cx="6622326" cy="2308324"/>
+          </a:xfrm>
+          <a:prstGeom prst="rect">
+            <a:avLst/>
+          </a:prstGeom>
+          <a:solidFill>
+            <a:schemeClr val="accent4">
+              <a:lumMod val="20000"/>
+              <a:lumOff val="80000"/>
+            </a:schemeClr>
+          </a:solidFill>
         </p:spPr>
         <p:txBody>
           <a:bodyPr wrap="none" rtlCol="0">
@@ -12960,46 +13238,88 @@
           <a:lstStyle/>
           <a:p>
             <a:r>
-              <a:rPr lang="de-CH" sz="3200" dirty="0" smtClean="0"/>
-              <a:t>8855, -100: </a:t>
+              <a:rPr lang="de-CH" dirty="0">
+                <a:latin typeface="Courier New" panose="02070309020205020404" pitchFamily="49" charset="0"/>
+                <a:cs typeface="Courier New" panose="02070309020205020404" pitchFamily="49" charset="0"/>
+              </a:rPr>
+              <a:t>CREATE TABLE adressliste (</a:t>
             </a:r>
+          </a:p>
+          <a:p>
             <a:r>
-              <a:rPr lang="de-CH" sz="3200" dirty="0" smtClean="0">
-                <a:solidFill>
-                  <a:srgbClr val="00B050"/>
-                </a:solidFill>
+              <a:rPr lang="de-CH" dirty="0">
+                <a:latin typeface="Courier New" panose="02070309020205020404" pitchFamily="49" charset="0"/>
+                <a:cs typeface="Courier New" panose="02070309020205020404" pitchFamily="49" charset="0"/>
               </a:rPr>
-              <a:t>Integer, Ganze Zahlen </a:t>
+              <a:t>	ID SMALLINT UNSIGNED DEFAULT 0 NOT NULL,</a:t>
             </a:r>
+          </a:p>
+          <a:p>
             <a:r>
-              <a:rPr lang="de-CH" sz="3200" dirty="0" smtClean="0">
-                <a:solidFill>
-                  <a:srgbClr val="FF0000"/>
-                </a:solidFill>
+              <a:rPr lang="de-CH" dirty="0">
+                <a:latin typeface="Courier New" panose="02070309020205020404" pitchFamily="49" charset="0"/>
+                <a:cs typeface="Courier New" panose="02070309020205020404" pitchFamily="49" charset="0"/>
               </a:rPr>
-              <a:t>/ Bereich</a:t>
+              <a:t>	Familienname VARCHAR(45) NOT NULL,</a:t>
             </a:r>
+          </a:p>
+          <a:p>
             <a:r>
-              <a:rPr lang="de-CH" sz="3200" dirty="0">
-                <a:solidFill>
-                  <a:srgbClr val="FF0000"/>
-                </a:solidFill>
+              <a:rPr lang="de-CH" dirty="0">
+                <a:latin typeface="Courier New" panose="02070309020205020404" pitchFamily="49" charset="0"/>
+                <a:cs typeface="Courier New" panose="02070309020205020404" pitchFamily="49" charset="0"/>
               </a:rPr>
-              <a:t> , Resultat einer mathematischen Operation</a:t>
+              <a:t>	Vorname VARCHAR(45) NOT NULL,</a:t>
             </a:r>
           </a:p>
-        </p:txBody>
-      </p:sp>
-      <p:sp>
-        <p:nvSpPr>
-          <p:cNvPr id="15" name="Textfeld 14"/>
-          <p:cNvSpPr txBox="1"/>
-          <p:nvPr/>
-        </p:nvSpPr>
-        <p:spPr>
-          <a:xfrm>
-            <a:off x="1105595" y="4125714"/>
-            <a:ext cx="18032437" cy="584775"/>
+          <a:p>
+            <a:r>
+              <a:rPr lang="de-CH" dirty="0">
+                <a:latin typeface="Courier New" panose="02070309020205020404" pitchFamily="49" charset="0"/>
+                <a:cs typeface="Courier New" panose="02070309020205020404" pitchFamily="49" charset="0"/>
+              </a:rPr>
+              <a:t>	Strasse VARCHAR(45) NOT NULL,</a:t>
+            </a:r>
+          </a:p>
+          <a:p>
+            <a:r>
+              <a:rPr lang="de-CH" dirty="0">
+                <a:latin typeface="Courier New" panose="02070309020205020404" pitchFamily="49" charset="0"/>
+                <a:cs typeface="Courier New" panose="02070309020205020404" pitchFamily="49" charset="0"/>
+              </a:rPr>
+              <a:t>	Postleitzahl SMALLINT NOT NULL,</a:t>
+            </a:r>
+          </a:p>
+          <a:p>
+            <a:r>
+              <a:rPr lang="de-CH" dirty="0">
+                <a:latin typeface="Courier New" panose="02070309020205020404" pitchFamily="49" charset="0"/>
+                <a:cs typeface="Courier New" panose="02070309020205020404" pitchFamily="49" charset="0"/>
+              </a:rPr>
+              <a:t>	Ortschaft VARCHAR(45) NOT NULL</a:t>
+            </a:r>
+          </a:p>
+          <a:p>
+            <a:r>
+              <a:rPr lang="de-CH" dirty="0">
+                <a:latin typeface="Courier New" panose="02070309020205020404" pitchFamily="49" charset="0"/>
+                <a:cs typeface="Courier New" panose="02070309020205020404" pitchFamily="49" charset="0"/>
+              </a:rPr>
+              <a:t>);</a:t>
+            </a:r>
+          </a:p>
+        </p:txBody>
+      </p:sp>
+      <p:sp>
+        <p:nvSpPr>
+          <p:cNvPr id="27" name="Rechteck 26"/>
+          <p:cNvSpPr/>
+          <p:nvPr/>
+        </p:nvSpPr>
+        <p:spPr>
+          <a:xfrm rot="19799125">
+            <a:off x="9754993" y="8706263"/>
+            <a:ext cx="3323346" cy="923330"/>
           </a:xfrm>
           <a:prstGeom prst="rect">
             <a:avLst/>
@@ -13007,324 +13327,41 @@
           <a:noFill/>
         </p:spPr>
         <p:txBody>
-          <a:bodyPr wrap="none" rtlCol="0">
+          <a:bodyPr wrap="none" lIns="91440" tIns="45720" rIns="91440" bIns="45720">
             <a:spAutoFit/>
           </a:bodyPr>
           <a:lstStyle/>
           <a:p>
+            <a:pPr algn="ctr"/>
             <a:r>
-              <a:rPr lang="de-CH" sz="3200" dirty="0" smtClean="0"/>
-              <a:t>88.55, -0.1: </a:t>
+              <a:rPr lang="de-DE" sz="5400" b="0" cap="none" spc="0" dirty="0">
+                <a:ln w="0"/>
+                <a:solidFill>
+                  <a:schemeClr val="tx1"/>
+                </a:solidFill>
+                <a:effectLst>
+                  <a:outerShdw blurRad="38100" dist="19050" dir="2700000" algn="tl" rotWithShape="0">
+                    <a:schemeClr val="dk1">
+                      <a:alpha val="40000"/>
+                    </a:schemeClr>
+                  </a:outerShdw>
+                </a:effectLst>
+              </a:rPr>
+              <a:t>z.B. MySQL</a:t>
             </a:r>
-            <a:r>
-              <a:rPr lang="de-CH" sz="3200" dirty="0" err="1" smtClean="0">
-                <a:solidFill>
-                  <a:srgbClr val="00B050"/>
-                </a:solidFill>
-              </a:rPr>
-              <a:t>Float</a:t>
-            </a:r>
-            <a:r>
-              <a:rPr lang="de-CH" sz="3200" dirty="0" smtClean="0">
-                <a:solidFill>
-                  <a:srgbClr val="00B050"/>
-                </a:solidFill>
-              </a:rPr>
-              <a:t>, Double, Dezimal-Zahlen </a:t>
-            </a:r>
-            <a:r>
-              <a:rPr lang="de-CH" sz="3200" dirty="0" smtClean="0">
-                <a:solidFill>
-                  <a:srgbClr val="FF0000"/>
-                </a:solidFill>
-              </a:rPr>
-              <a:t>/ Bereich, Genauigkeit, </a:t>
-            </a:r>
-            <a:r>
-              <a:rPr lang="de-CH" sz="3200" dirty="0">
-                <a:solidFill>
-                  <a:srgbClr val="FF0000"/>
-                </a:solidFill>
-              </a:rPr>
-              <a:t>Resultat einer </a:t>
-            </a:r>
-            <a:r>
-              <a:rPr lang="de-CH" sz="3200" dirty="0" smtClean="0">
-                <a:solidFill>
-                  <a:srgbClr val="FF0000"/>
-                </a:solidFill>
-              </a:rPr>
-              <a:t>mathematischen Operation</a:t>
-            </a:r>
-            <a:endParaRPr lang="de-CH" sz="3200" dirty="0">
-              <a:solidFill>
-                <a:srgbClr val="FF0000"/>
-              </a:solidFill>
-            </a:endParaRPr>
-          </a:p>
-        </p:txBody>
-      </p:sp>
-      <p:sp>
-        <p:nvSpPr>
-          <p:cNvPr id="17" name="Textfeld 16"/>
-          <p:cNvSpPr txBox="1"/>
-          <p:nvPr/>
-        </p:nvSpPr>
-        <p:spPr>
-          <a:xfrm>
-            <a:off x="1186633" y="5089790"/>
-            <a:ext cx="8599214" cy="584775"/>
-          </a:xfrm>
-          <a:prstGeom prst="rect">
-            <a:avLst/>
-          </a:prstGeom>
-          <a:noFill/>
-        </p:spPr>
-        <p:txBody>
-          <a:bodyPr wrap="none" rtlCol="0">
-            <a:spAutoFit/>
-          </a:bodyPr>
-          <a:lstStyle/>
-          <a:p>
-            <a:r>
-              <a:rPr lang="de-CH" sz="3200" dirty="0" smtClean="0"/>
-              <a:t>A, 3: </a:t>
-            </a:r>
-            <a:r>
-              <a:rPr lang="de-CH" sz="3200" dirty="0" err="1" smtClean="0">
-                <a:solidFill>
-                  <a:srgbClr val="00B050"/>
-                </a:solidFill>
-              </a:rPr>
-              <a:t>Char</a:t>
-            </a:r>
-            <a:r>
-              <a:rPr lang="de-CH" sz="3200" dirty="0" smtClean="0">
-                <a:solidFill>
-                  <a:srgbClr val="00B050"/>
-                </a:solidFill>
-              </a:rPr>
-              <a:t>, ein einzelnes Zeichen  </a:t>
-            </a:r>
-            <a:r>
-              <a:rPr lang="de-CH" sz="3200" dirty="0" smtClean="0">
-                <a:solidFill>
-                  <a:srgbClr val="FF0000"/>
-                </a:solidFill>
-              </a:rPr>
-              <a:t>/ ASCII, Unicode</a:t>
-            </a:r>
-            <a:endParaRPr lang="de-CH" sz="3200" dirty="0">
-              <a:solidFill>
-                <a:srgbClr val="FF0000"/>
-              </a:solidFill>
-            </a:endParaRPr>
-          </a:p>
-        </p:txBody>
-      </p:sp>
-      <p:sp>
-        <p:nvSpPr>
-          <p:cNvPr id="18" name="Textfeld 17"/>
-          <p:cNvSpPr txBox="1"/>
-          <p:nvPr/>
-        </p:nvSpPr>
-        <p:spPr>
-          <a:xfrm>
-            <a:off x="1186633" y="6078922"/>
-            <a:ext cx="15301048" cy="584775"/>
-          </a:xfrm>
-          <a:prstGeom prst="rect">
-            <a:avLst/>
-          </a:prstGeom>
-          <a:noFill/>
-        </p:spPr>
-        <p:txBody>
-          <a:bodyPr wrap="none" rtlCol="0">
-            <a:spAutoFit/>
-          </a:bodyPr>
-          <a:lstStyle/>
-          <a:p>
-            <a:r>
-              <a:rPr lang="de-CH" sz="3200" dirty="0" smtClean="0"/>
-              <a:t>True, </a:t>
-            </a:r>
-            <a:r>
-              <a:rPr lang="de-CH" sz="3200" dirty="0" err="1" smtClean="0"/>
-              <a:t>False</a:t>
-            </a:r>
-            <a:r>
-              <a:rPr lang="de-CH" sz="3200" dirty="0" smtClean="0"/>
-              <a:t>: </a:t>
-            </a:r>
-            <a:r>
-              <a:rPr lang="de-CH" sz="3200" dirty="0" smtClean="0">
-                <a:solidFill>
-                  <a:srgbClr val="00B050"/>
-                </a:solidFill>
-              </a:rPr>
-              <a:t>Boolean, Wahr-Falsch, ein-aus </a:t>
-            </a:r>
-            <a:r>
-              <a:rPr lang="de-CH" sz="3200" dirty="0" smtClean="0">
-                <a:solidFill>
-                  <a:srgbClr val="FF0000"/>
-                </a:solidFill>
-              </a:rPr>
-              <a:t>/ 2 Zustände, </a:t>
-            </a:r>
-            <a:r>
-              <a:rPr lang="de-CH" sz="3200" dirty="0">
-                <a:solidFill>
-                  <a:srgbClr val="FF0000"/>
-                </a:solidFill>
-              </a:rPr>
-              <a:t>R</a:t>
-            </a:r>
-            <a:r>
-              <a:rPr lang="de-CH" sz="3200" dirty="0" smtClean="0">
-                <a:solidFill>
-                  <a:srgbClr val="FF0000"/>
-                </a:solidFill>
-              </a:rPr>
-              <a:t>esultat einer logischen Operation</a:t>
-            </a:r>
-            <a:endParaRPr lang="de-CH" sz="3200" dirty="0">
-              <a:solidFill>
-                <a:srgbClr val="FF0000"/>
-              </a:solidFill>
-            </a:endParaRPr>
-          </a:p>
-        </p:txBody>
-      </p:sp>
-      <p:sp>
-        <p:nvSpPr>
-          <p:cNvPr id="19" name="Textfeld 18"/>
-          <p:cNvSpPr txBox="1"/>
-          <p:nvPr/>
-        </p:nvSpPr>
-        <p:spPr>
-          <a:xfrm>
-            <a:off x="1188502" y="7060969"/>
-            <a:ext cx="11926535" cy="584775"/>
-          </a:xfrm>
-          <a:prstGeom prst="rect">
-            <a:avLst/>
-          </a:prstGeom>
-          <a:noFill/>
-        </p:spPr>
-        <p:txBody>
-          <a:bodyPr wrap="none" rtlCol="0">
-            <a:spAutoFit/>
-          </a:bodyPr>
-          <a:lstStyle/>
-          <a:p>
-            <a:r>
-              <a:rPr lang="de-CH" sz="3200" dirty="0" err="1"/>
-              <a:t>r</a:t>
-            </a:r>
-            <a:r>
-              <a:rPr lang="de-CH" sz="3200" dirty="0" err="1" smtClean="0"/>
-              <a:t>ot,gruen,blau</a:t>
-            </a:r>
-            <a:r>
-              <a:rPr lang="de-CH" sz="3200" dirty="0" smtClean="0"/>
-              <a:t>,…: </a:t>
-            </a:r>
-            <a:r>
-              <a:rPr lang="de-CH" sz="3200" dirty="0" err="1" smtClean="0">
-                <a:solidFill>
-                  <a:srgbClr val="00B050"/>
-                </a:solidFill>
-              </a:rPr>
-              <a:t>Enumeration</a:t>
-            </a:r>
-            <a:r>
-              <a:rPr lang="de-CH" sz="3200" dirty="0" smtClean="0">
-                <a:solidFill>
-                  <a:srgbClr val="00B050"/>
-                </a:solidFill>
-              </a:rPr>
-              <a:t> </a:t>
-            </a:r>
-            <a:r>
-              <a:rPr lang="de-CH" sz="3200" dirty="0" smtClean="0">
-                <a:solidFill>
-                  <a:srgbClr val="FF0000"/>
-                </a:solidFill>
-              </a:rPr>
-              <a:t>/ eine endliche </a:t>
-            </a:r>
-            <a:r>
-              <a:rPr lang="de-CH" sz="3200" dirty="0">
-                <a:solidFill>
-                  <a:srgbClr val="FF0000"/>
-                </a:solidFill>
-              </a:rPr>
-              <a:t>A</a:t>
-            </a:r>
-            <a:r>
-              <a:rPr lang="de-CH" sz="3200" dirty="0" smtClean="0">
-                <a:solidFill>
-                  <a:srgbClr val="FF0000"/>
-                </a:solidFill>
-              </a:rPr>
-              <a:t>nzahl Werte/Zustände</a:t>
-            </a:r>
-            <a:endParaRPr lang="de-CH" sz="3200" dirty="0">
-              <a:solidFill>
-                <a:srgbClr val="FF0000"/>
-              </a:solidFill>
-            </a:endParaRPr>
-          </a:p>
-        </p:txBody>
-      </p:sp>
-      <p:sp>
-        <p:nvSpPr>
-          <p:cNvPr id="8" name="Textfeld 7"/>
-          <p:cNvSpPr txBox="1"/>
-          <p:nvPr/>
-        </p:nvSpPr>
-        <p:spPr>
-          <a:xfrm>
-            <a:off x="1323584" y="8220877"/>
-            <a:ext cx="16632182" cy="369332"/>
-          </a:xfrm>
-          <a:prstGeom prst="rect">
-            <a:avLst/>
-          </a:prstGeom>
-          <a:noFill/>
-        </p:spPr>
-        <p:txBody>
-          <a:bodyPr wrap="none" rtlCol="0">
-            <a:spAutoFit/>
-          </a:bodyPr>
-          <a:lstStyle/>
-          <a:p>
-            <a:r>
-              <a:rPr lang="de-CH" dirty="0" smtClean="0"/>
-              <a:t>Beim programmieren (z.B. Java, C#,…) müssen die Datentypen explizit zugewiesen werden, oder bei Excel, Python,… wird der Datentype impliziert anhand des Wertes  gesetzt!!!!</a:t>
-            </a:r>
-            <a:endParaRPr lang="de-CH" dirty="0"/>
           </a:p>
         </p:txBody>
       </p:sp>
     </p:spTree>
     <p:extLst>
       <p:ext uri="{BB962C8B-B14F-4D97-AF65-F5344CB8AC3E}">
-        <p14:creationId xmlns:p14="http://schemas.microsoft.com/office/powerpoint/2010/main" val="979477353"/>
+        <p14:creationId xmlns:p14="http://schemas.microsoft.com/office/powerpoint/2010/main" val="2243772327"/>
       </p:ext>
     </p:extLst>
   </p:cSld>
   <p:clrMapOvr>
     <a:masterClrMapping/>
   </p:clrMapOvr>
-  <p:timing>
-    <p:tnLst>
-      <p:par>
-        <p:cTn id="1" dur="indefinite" restart="never" nodeType="tmRoot"/>
-      </p:par>
-    </p:tnLst>
-  </p:timing>
 </p:sld>
 </file>
 
@@ -13685,14 +13722,14 @@
               </a:spcBef>
             </a:pPr>
             <a:r>
-              <a:rPr lang="de-CH" sz="5100" b="1" spc="-60" dirty="0" smtClean="0">
+              <a:rPr lang="de-CH" sz="5100" b="1" spc="-60" dirty="0">
                 <a:solidFill>
                   <a:srgbClr val="006FC0"/>
                 </a:solidFill>
                 <a:latin typeface="Arial"/>
                 <a:cs typeface="Arial"/>
               </a:rPr>
-              <a:t>Datenstrukturen</a:t>
+              <a:t>Basis-Datentypen (Einschränkung des Wertebereiches)</a:t>
             </a:r>
             <a:endParaRPr sz="5100" dirty="0">
               <a:latin typeface="Arial"/>
@@ -13744,14 +13781,14 @@
       </p:sp>
       <p:sp>
         <p:nvSpPr>
-          <p:cNvPr id="11" name="Textfeld 10"/>
+          <p:cNvPr id="7" name="Textfeld 6"/>
           <p:cNvSpPr txBox="1"/>
           <p:nvPr/>
         </p:nvSpPr>
         <p:spPr>
           <a:xfrm>
-            <a:off x="1746250" y="1920875"/>
-            <a:ext cx="10118796" cy="584775"/>
+            <a:off x="1188502" y="1920875"/>
+            <a:ext cx="8656665" cy="584775"/>
           </a:xfrm>
           <a:prstGeom prst="rect">
             <a:avLst/>
@@ -13765,146 +13802,328 @@
           <a:lstStyle/>
           <a:p>
             <a:r>
-              <a:rPr lang="de-CH" sz="3200" dirty="0" smtClean="0"/>
-              <a:t>Mehrere Variablen unter einer Variablen zusammengefasst!</a:t>
+              <a:rPr lang="de-CH" sz="3200" dirty="0"/>
+              <a:t>BZU Uster: </a:t>
             </a:r>
-            <a:endParaRPr lang="de-CH" sz="3200" dirty="0"/>
-          </a:p>
-        </p:txBody>
-      </p:sp>
-      <p:pic>
-        <p:nvPicPr>
-          <p:cNvPr id="28" name="Grafik 27" descr="workspace - Java - Verwo/src/com/verwo/torque/DescramblerParameters.java - Eclipse"/>
-          <p:cNvPicPr>
-            <a:picLocks noChangeAspect="1"/>
-          </p:cNvPicPr>
-          <p:nvPr/>
-        </p:nvPicPr>
-        <p:blipFill rotWithShape="1">
-          <a:blip r:embed="rId3">
-            <a:extLst>
-              <a:ext uri="{28A0092B-C50C-407E-A947-70E740481C1C}">
-                <a14:useLocalDpi xmlns:a14="http://schemas.microsoft.com/office/drawing/2010/main" val="0"/>
-              </a:ext>
-            </a:extLst>
-          </a:blip>
-          <a:srcRect l="32647" t="19392" r="42150" b="67684"/>
-          <a:stretch/>
-        </p:blipFill>
-        <p:spPr>
-          <a:xfrm>
-            <a:off x="10585450" y="3646537"/>
-            <a:ext cx="4648200" cy="1447800"/>
+            <a:r>
+              <a:rPr lang="de-CH" sz="3200" dirty="0">
+                <a:solidFill>
+                  <a:srgbClr val="00B050"/>
+                </a:solidFill>
+              </a:rPr>
+              <a:t>String, Zeichenketten </a:t>
+            </a:r>
+            <a:r>
+              <a:rPr lang="de-CH" sz="3200" dirty="0">
+                <a:solidFill>
+                  <a:srgbClr val="FF0000"/>
+                </a:solidFill>
+              </a:rPr>
+              <a:t>/ Länge, Muster,…</a:t>
+            </a:r>
+          </a:p>
+        </p:txBody>
+      </p:sp>
+      <p:sp>
+        <p:nvSpPr>
+          <p:cNvPr id="14" name="Textfeld 13"/>
+          <p:cNvSpPr txBox="1"/>
+          <p:nvPr/>
+        </p:nvSpPr>
+        <p:spPr>
+          <a:xfrm>
+            <a:off x="1149113" y="3024083"/>
+            <a:ext cx="14627851" cy="584775"/>
           </a:xfrm>
           <a:prstGeom prst="rect">
             <a:avLst/>
           </a:prstGeom>
-        </p:spPr>
-      </p:pic>
-      <p:pic>
-        <p:nvPicPr>
-          <p:cNvPr id="29" name="Grafik 28" descr="workspace - Java - Verwo/src/com/verwo/torque/DescramblerConfig.java - Eclipse"/>
-          <p:cNvPicPr>
-            <a:picLocks noChangeAspect="1"/>
-          </p:cNvPicPr>
-          <p:nvPr/>
-        </p:nvPicPr>
-        <p:blipFill rotWithShape="1">
-          <a:blip r:embed="rId4">
-            <a:extLst>
-              <a:ext uri="{28A0092B-C50C-407E-A947-70E740481C1C}">
-                <a14:useLocalDpi xmlns:a14="http://schemas.microsoft.com/office/drawing/2010/main" val="0"/>
-              </a:ext>
-            </a:extLst>
-          </a:blip>
-          <a:srcRect l="35540" t="39117" r="14881" b="57482"/>
-          <a:stretch/>
-        </p:blipFill>
-        <p:spPr>
-          <a:xfrm>
-            <a:off x="7766050" y="7255749"/>
-            <a:ext cx="9144000" cy="381000"/>
+          <a:noFill/>
+        </p:spPr>
+        <p:txBody>
+          <a:bodyPr wrap="none" rtlCol="0">
+            <a:spAutoFit/>
+          </a:bodyPr>
+          <a:lstStyle/>
+          <a:p>
+            <a:r>
+              <a:rPr lang="de-CH" sz="3200" dirty="0"/>
+              <a:t>8855, -100: </a:t>
+            </a:r>
+            <a:r>
+              <a:rPr lang="de-CH" sz="3200" dirty="0">
+                <a:solidFill>
+                  <a:srgbClr val="00B050"/>
+                </a:solidFill>
+              </a:rPr>
+              <a:t>Integer, Ganze Zahlen </a:t>
+            </a:r>
+            <a:r>
+              <a:rPr lang="de-CH" sz="3200" dirty="0">
+                <a:solidFill>
+                  <a:srgbClr val="FF0000"/>
+                </a:solidFill>
+              </a:rPr>
+              <a:t>/ Bereich , Resultat einer mathematischen Operation</a:t>
+            </a:r>
+          </a:p>
+        </p:txBody>
+      </p:sp>
+      <p:sp>
+        <p:nvSpPr>
+          <p:cNvPr id="15" name="Textfeld 14"/>
+          <p:cNvSpPr txBox="1"/>
+          <p:nvPr/>
+        </p:nvSpPr>
+        <p:spPr>
+          <a:xfrm>
+            <a:off x="1105595" y="4125714"/>
+            <a:ext cx="18032437" cy="584775"/>
           </a:xfrm>
           <a:prstGeom prst="rect">
             <a:avLst/>
           </a:prstGeom>
-        </p:spPr>
-      </p:pic>
-      <p:pic>
-        <p:nvPicPr>
-          <p:cNvPr id="30" name="Grafik 29" descr="workspace - Java - RothlinLib/src/com/rothlin/graphics/FunctionGraph/FunctionControllerWithExpressionString.java - Eclipse"/>
-          <p:cNvPicPr>
-            <a:picLocks noChangeAspect="1"/>
-          </p:cNvPicPr>
-          <p:nvPr/>
-        </p:nvPicPr>
-        <p:blipFill rotWithShape="1">
-          <a:blip r:embed="rId5">
-            <a:extLst>
-              <a:ext uri="{28A0092B-C50C-407E-A947-70E740481C1C}">
-                <a14:useLocalDpi xmlns:a14="http://schemas.microsoft.com/office/drawing/2010/main" val="0"/>
-              </a:ext>
-            </a:extLst>
-          </a:blip>
-          <a:srcRect l="35539" t="28234" r="24797" b="60883"/>
-          <a:stretch/>
-        </p:blipFill>
-        <p:spPr>
-          <a:xfrm>
-            <a:off x="2432050" y="3428979"/>
-            <a:ext cx="7315200" cy="1219200"/>
+          <a:noFill/>
+        </p:spPr>
+        <p:txBody>
+          <a:bodyPr wrap="none" rtlCol="0">
+            <a:spAutoFit/>
+          </a:bodyPr>
+          <a:lstStyle/>
+          <a:p>
+            <a:r>
+              <a:rPr lang="de-CH" sz="3200" dirty="0"/>
+              <a:t>88.55, -0.1: </a:t>
+            </a:r>
+            <a:r>
+              <a:rPr lang="de-CH" sz="3200" dirty="0" err="1">
+                <a:solidFill>
+                  <a:srgbClr val="00B050"/>
+                </a:solidFill>
+              </a:rPr>
+              <a:t>Float</a:t>
+            </a:r>
+            <a:r>
+              <a:rPr lang="de-CH" sz="3200" dirty="0">
+                <a:solidFill>
+                  <a:srgbClr val="00B050"/>
+                </a:solidFill>
+              </a:rPr>
+              <a:t>, Double, Dezimal-Zahlen </a:t>
+            </a:r>
+            <a:r>
+              <a:rPr lang="de-CH" sz="3200" dirty="0">
+                <a:solidFill>
+                  <a:srgbClr val="FF0000"/>
+                </a:solidFill>
+              </a:rPr>
+              <a:t>/ Bereich, Genauigkeit, Resultat einer mathematischen Operation</a:t>
+            </a:r>
+          </a:p>
+        </p:txBody>
+      </p:sp>
+      <p:sp>
+        <p:nvSpPr>
+          <p:cNvPr id="17" name="Textfeld 16"/>
+          <p:cNvSpPr txBox="1"/>
+          <p:nvPr/>
+        </p:nvSpPr>
+        <p:spPr>
+          <a:xfrm>
+            <a:off x="1186633" y="5089790"/>
+            <a:ext cx="8599214" cy="584775"/>
           </a:xfrm>
           <a:prstGeom prst="rect">
             <a:avLst/>
           </a:prstGeom>
-        </p:spPr>
-      </p:pic>
-      <p:pic>
-        <p:nvPicPr>
-          <p:cNvPr id="31" name="Grafik 30" descr="Javabeginners - Array deklarieren - Mozilla Firefox"/>
-          <p:cNvPicPr>
-            <a:picLocks noChangeAspect="1"/>
-          </p:cNvPicPr>
-          <p:nvPr/>
-        </p:nvPicPr>
-        <p:blipFill rotWithShape="1">
-          <a:blip r:embed="rId6">
-            <a:extLst>
-              <a:ext uri="{28A0092B-C50C-407E-A947-70E740481C1C}">
-                <a14:useLocalDpi xmlns:a14="http://schemas.microsoft.com/office/drawing/2010/main" val="0"/>
-              </a:ext>
-            </a:extLst>
-          </a:blip>
-          <a:srcRect l="18563" t="29656" r="67964" b="53699"/>
-          <a:stretch/>
-        </p:blipFill>
-        <p:spPr>
-          <a:xfrm>
-            <a:off x="1517650" y="5571507"/>
-            <a:ext cx="4582453" cy="3054967"/>
+          <a:noFill/>
+        </p:spPr>
+        <p:txBody>
+          <a:bodyPr wrap="none" rtlCol="0">
+            <a:spAutoFit/>
+          </a:bodyPr>
+          <a:lstStyle/>
+          <a:p>
+            <a:r>
+              <a:rPr lang="de-CH" sz="3200" dirty="0"/>
+              <a:t>A, 3: </a:t>
+            </a:r>
+            <a:r>
+              <a:rPr lang="de-CH" sz="3200" dirty="0" err="1">
+                <a:solidFill>
+                  <a:srgbClr val="00B050"/>
+                </a:solidFill>
+              </a:rPr>
+              <a:t>Char</a:t>
+            </a:r>
+            <a:r>
+              <a:rPr lang="de-CH" sz="3200" dirty="0">
+                <a:solidFill>
+                  <a:srgbClr val="00B050"/>
+                </a:solidFill>
+              </a:rPr>
+              <a:t>, ein einzelnes Zeichen  </a:t>
+            </a:r>
+            <a:r>
+              <a:rPr lang="de-CH" sz="3200" dirty="0">
+                <a:solidFill>
+                  <a:srgbClr val="FF0000"/>
+                </a:solidFill>
+              </a:rPr>
+              <a:t>/ ASCII, Unicode</a:t>
+            </a:r>
+          </a:p>
+        </p:txBody>
+      </p:sp>
+      <p:sp>
+        <p:nvSpPr>
+          <p:cNvPr id="18" name="Textfeld 17"/>
+          <p:cNvSpPr txBox="1"/>
+          <p:nvPr/>
+        </p:nvSpPr>
+        <p:spPr>
+          <a:xfrm>
+            <a:off x="1186633" y="6078922"/>
+            <a:ext cx="15301048" cy="584775"/>
           </a:xfrm>
           <a:prstGeom prst="rect">
             <a:avLst/>
           </a:prstGeom>
-        </p:spPr>
-      </p:pic>
+          <a:noFill/>
+        </p:spPr>
+        <p:txBody>
+          <a:bodyPr wrap="none" rtlCol="0">
+            <a:spAutoFit/>
+          </a:bodyPr>
+          <a:lstStyle/>
+          <a:p>
+            <a:r>
+              <a:rPr lang="de-CH" sz="3200" dirty="0"/>
+              <a:t>True, </a:t>
+            </a:r>
+            <a:r>
+              <a:rPr lang="de-CH" sz="3200" dirty="0" err="1"/>
+              <a:t>False</a:t>
+            </a:r>
+            <a:r>
+              <a:rPr lang="de-CH" sz="3200" dirty="0"/>
+              <a:t>: </a:t>
+            </a:r>
+            <a:r>
+              <a:rPr lang="de-CH" sz="3200" dirty="0">
+                <a:solidFill>
+                  <a:srgbClr val="00B050"/>
+                </a:solidFill>
+              </a:rPr>
+              <a:t>Boolean, Wahr-Falsch, ein-aus </a:t>
+            </a:r>
+            <a:r>
+              <a:rPr lang="de-CH" sz="3200" dirty="0">
+                <a:solidFill>
+                  <a:srgbClr val="FF0000"/>
+                </a:solidFill>
+              </a:rPr>
+              <a:t>/ 2 Zustände, Resultat einer logischen Operation</a:t>
+            </a:r>
+          </a:p>
+        </p:txBody>
+      </p:sp>
+      <p:sp>
+        <p:nvSpPr>
+          <p:cNvPr id="19" name="Textfeld 18"/>
+          <p:cNvSpPr txBox="1"/>
+          <p:nvPr/>
+        </p:nvSpPr>
+        <p:spPr>
+          <a:xfrm>
+            <a:off x="1188502" y="7060969"/>
+            <a:ext cx="11926535" cy="584775"/>
+          </a:xfrm>
+          <a:prstGeom prst="rect">
+            <a:avLst/>
+          </a:prstGeom>
+          <a:noFill/>
+        </p:spPr>
+        <p:txBody>
+          <a:bodyPr wrap="none" rtlCol="0">
+            <a:spAutoFit/>
+          </a:bodyPr>
+          <a:lstStyle/>
+          <a:p>
+            <a:r>
+              <a:rPr lang="de-CH" sz="3200" dirty="0" err="1"/>
+              <a:t>rot,gruen,blau</a:t>
+            </a:r>
+            <a:r>
+              <a:rPr lang="de-CH" sz="3200" dirty="0"/>
+              <a:t>,…: </a:t>
+            </a:r>
+            <a:r>
+              <a:rPr lang="de-CH" sz="3200" dirty="0" err="1">
+                <a:solidFill>
+                  <a:srgbClr val="00B050"/>
+                </a:solidFill>
+              </a:rPr>
+              <a:t>Enumeration</a:t>
+            </a:r>
+            <a:r>
+              <a:rPr lang="de-CH" sz="3200" dirty="0">
+                <a:solidFill>
+                  <a:srgbClr val="00B050"/>
+                </a:solidFill>
+              </a:rPr>
+              <a:t> </a:t>
+            </a:r>
+            <a:r>
+              <a:rPr lang="de-CH" sz="3200" dirty="0">
+                <a:solidFill>
+                  <a:srgbClr val="FF0000"/>
+                </a:solidFill>
+              </a:rPr>
+              <a:t>/ eine endliche Anzahl Werte/Zustände</a:t>
+            </a:r>
+          </a:p>
+        </p:txBody>
+      </p:sp>
+      <p:sp>
+        <p:nvSpPr>
+          <p:cNvPr id="8" name="Textfeld 7"/>
+          <p:cNvSpPr txBox="1"/>
+          <p:nvPr/>
+        </p:nvSpPr>
+        <p:spPr>
+          <a:xfrm>
+            <a:off x="1323584" y="8220877"/>
+            <a:ext cx="16632182" cy="369332"/>
+          </a:xfrm>
+          <a:prstGeom prst="rect">
+            <a:avLst/>
+          </a:prstGeom>
+          <a:noFill/>
+        </p:spPr>
+        <p:txBody>
+          <a:bodyPr wrap="none" rtlCol="0">
+            <a:spAutoFit/>
+          </a:bodyPr>
+          <a:lstStyle/>
+          <a:p>
+            <a:r>
+              <a:rPr lang="de-CH" dirty="0"/>
+              <a:t>Beim programmieren (z.B. Java, C#,…) müssen die Datentypen explizit zugewiesen werden, oder bei Excel, Python,… wird der Datentype impliziert anhand des Wertes  gesetzt!!!!</a:t>
+            </a:r>
+          </a:p>
+        </p:txBody>
+      </p:sp>
     </p:spTree>
     <p:extLst>
       <p:ext uri="{BB962C8B-B14F-4D97-AF65-F5344CB8AC3E}">
-        <p14:creationId xmlns:p14="http://schemas.microsoft.com/office/powerpoint/2010/main" val="1406119506"/>
+        <p14:creationId xmlns:p14="http://schemas.microsoft.com/office/powerpoint/2010/main" val="979477353"/>
       </p:ext>
     </p:extLst>
   </p:cSld>
   <p:clrMapOvr>
     <a:masterClrMapping/>
   </p:clrMapOvr>
-  <p:timing>
-    <p:tnLst>
-      <p:par>
-        <p:cTn id="1" dur="indefinite" restart="never" nodeType="tmRoot"/>
-      </p:par>
-    </p:tnLst>
-  </p:timing>
 </p:sld>
 </file>
 
@@ -14244,7 +14463,7 @@
         <p:spPr>
           <a:xfrm>
             <a:off x="1034388" y="605082"/>
-            <a:ext cx="14580262" cy="798937"/>
+            <a:ext cx="16866262" cy="798937"/>
           </a:xfrm>
           <a:prstGeom prst="rect">
             <a:avLst/>
@@ -14265,7 +14484,579 @@
               </a:spcBef>
             </a:pPr>
             <a:r>
-              <a:rPr lang="de-CH" sz="5100" b="1" spc="-60" dirty="0" smtClean="0">
+              <a:rPr lang="de-CH" sz="5100" b="1" spc="-60" dirty="0">
+                <a:solidFill>
+                  <a:srgbClr val="006FC0"/>
+                </a:solidFill>
+                <a:latin typeface="Arial"/>
+                <a:cs typeface="Arial"/>
+              </a:rPr>
+              <a:t>Datenstrukturen</a:t>
+            </a:r>
+            <a:endParaRPr sz="5100" dirty="0">
+              <a:latin typeface="Arial"/>
+              <a:cs typeface="Arial"/>
+            </a:endParaRPr>
+          </a:p>
+        </p:txBody>
+      </p:sp>
+      <p:sp>
+        <p:nvSpPr>
+          <p:cNvPr id="16" name="AutoShape 3" descr="Bildergebnis für Haus">
+            <a:hlinkClick r:id="rId2"/>
+          </p:cNvPr>
+          <p:cNvSpPr>
+            <a:spLocks noChangeAspect="1" noChangeArrowheads="1"/>
+          </p:cNvSpPr>
+          <p:nvPr/>
+        </p:nvSpPr>
+        <p:spPr bwMode="auto">
+          <a:xfrm>
+            <a:off x="155575" y="-280988"/>
+            <a:ext cx="304800" cy="304801"/>
+          </a:xfrm>
+          <a:prstGeom prst="rect">
+            <a:avLst/>
+          </a:prstGeom>
+          <a:noFill/>
+          <a:extLst>
+            <a:ext uri="{909E8E84-426E-40DD-AFC4-6F175D3DCCD1}">
+              <a14:hiddenFill xmlns:a14="http://schemas.microsoft.com/office/drawing/2010/main">
+                <a:solidFill>
+                  <a:srgbClr val="FFFFFF"/>
+                </a:solidFill>
+              </a14:hiddenFill>
+            </a:ext>
+          </a:extLst>
+        </p:spPr>
+        <p:txBody>
+          <a:bodyPr vert="horz" wrap="square" lIns="91440" tIns="45720" rIns="91440" bIns="45720" numCol="1" anchor="t" anchorCtr="0" compatLnSpc="1">
+            <a:prstTxWarp prst="textNoShape">
+              <a:avLst/>
+            </a:prstTxWarp>
+          </a:bodyPr>
+          <a:lstStyle/>
+          <a:p>
+            <a:endParaRPr lang="de-CH"/>
+          </a:p>
+        </p:txBody>
+      </p:sp>
+      <p:sp>
+        <p:nvSpPr>
+          <p:cNvPr id="11" name="Textfeld 10"/>
+          <p:cNvSpPr txBox="1"/>
+          <p:nvPr/>
+        </p:nvSpPr>
+        <p:spPr>
+          <a:xfrm>
+            <a:off x="1746250" y="1920875"/>
+            <a:ext cx="10118796" cy="584775"/>
+          </a:xfrm>
+          <a:prstGeom prst="rect">
+            <a:avLst/>
+          </a:prstGeom>
+          <a:noFill/>
+        </p:spPr>
+        <p:txBody>
+          <a:bodyPr wrap="none" rtlCol="0">
+            <a:spAutoFit/>
+          </a:bodyPr>
+          <a:lstStyle/>
+          <a:p>
+            <a:r>
+              <a:rPr lang="de-CH" sz="3200" dirty="0"/>
+              <a:t>Mehrere Variablen unter einer Variablen zusammengefasst!</a:t>
+            </a:r>
+          </a:p>
+        </p:txBody>
+      </p:sp>
+      <p:pic>
+        <p:nvPicPr>
+          <p:cNvPr id="28" name="Grafik 27" descr="workspace - Java - Verwo/src/com/verwo/torque/DescramblerParameters.java - Eclipse"/>
+          <p:cNvPicPr>
+            <a:picLocks noChangeAspect="1"/>
+          </p:cNvPicPr>
+          <p:nvPr/>
+        </p:nvPicPr>
+        <p:blipFill rotWithShape="1">
+          <a:blip r:embed="rId3">
+            <a:extLst>
+              <a:ext uri="{28A0092B-C50C-407E-A947-70E740481C1C}">
+                <a14:useLocalDpi xmlns:a14="http://schemas.microsoft.com/office/drawing/2010/main" val="0"/>
+              </a:ext>
+            </a:extLst>
+          </a:blip>
+          <a:srcRect l="32647" t="19392" r="42150" b="67684"/>
+          <a:stretch/>
+        </p:blipFill>
+        <p:spPr>
+          <a:xfrm>
+            <a:off x="10585450" y="3646537"/>
+            <a:ext cx="4648200" cy="1447800"/>
+          </a:xfrm>
+          <a:prstGeom prst="rect">
+            <a:avLst/>
+          </a:prstGeom>
+        </p:spPr>
+      </p:pic>
+      <p:pic>
+        <p:nvPicPr>
+          <p:cNvPr id="29" name="Grafik 28" descr="workspace - Java - Verwo/src/com/verwo/torque/DescramblerConfig.java - Eclipse"/>
+          <p:cNvPicPr>
+            <a:picLocks noChangeAspect="1"/>
+          </p:cNvPicPr>
+          <p:nvPr/>
+        </p:nvPicPr>
+        <p:blipFill rotWithShape="1">
+          <a:blip r:embed="rId4">
+            <a:extLst>
+              <a:ext uri="{28A0092B-C50C-407E-A947-70E740481C1C}">
+                <a14:useLocalDpi xmlns:a14="http://schemas.microsoft.com/office/drawing/2010/main" val="0"/>
+              </a:ext>
+            </a:extLst>
+          </a:blip>
+          <a:srcRect l="35540" t="39117" r="14881" b="57482"/>
+          <a:stretch/>
+        </p:blipFill>
+        <p:spPr>
+          <a:xfrm>
+            <a:off x="7766050" y="7255749"/>
+            <a:ext cx="9144000" cy="381000"/>
+          </a:xfrm>
+          <a:prstGeom prst="rect">
+            <a:avLst/>
+          </a:prstGeom>
+        </p:spPr>
+      </p:pic>
+      <p:pic>
+        <p:nvPicPr>
+          <p:cNvPr id="30" name="Grafik 29" descr="workspace - Java - RothlinLib/src/com/rothlin/graphics/FunctionGraph/FunctionControllerWithExpressionString.java - Eclipse"/>
+          <p:cNvPicPr>
+            <a:picLocks noChangeAspect="1"/>
+          </p:cNvPicPr>
+          <p:nvPr/>
+        </p:nvPicPr>
+        <p:blipFill rotWithShape="1">
+          <a:blip r:embed="rId5">
+            <a:extLst>
+              <a:ext uri="{28A0092B-C50C-407E-A947-70E740481C1C}">
+                <a14:useLocalDpi xmlns:a14="http://schemas.microsoft.com/office/drawing/2010/main" val="0"/>
+              </a:ext>
+            </a:extLst>
+          </a:blip>
+          <a:srcRect l="35539" t="28234" r="24797" b="60883"/>
+          <a:stretch/>
+        </p:blipFill>
+        <p:spPr>
+          <a:xfrm>
+            <a:off x="2432050" y="3428979"/>
+            <a:ext cx="7315200" cy="1219200"/>
+          </a:xfrm>
+          <a:prstGeom prst="rect">
+            <a:avLst/>
+          </a:prstGeom>
+        </p:spPr>
+      </p:pic>
+      <p:pic>
+        <p:nvPicPr>
+          <p:cNvPr id="31" name="Grafik 30" descr="Javabeginners - Array deklarieren - Mozilla Firefox"/>
+          <p:cNvPicPr>
+            <a:picLocks noChangeAspect="1"/>
+          </p:cNvPicPr>
+          <p:nvPr/>
+        </p:nvPicPr>
+        <p:blipFill rotWithShape="1">
+          <a:blip r:embed="rId6">
+            <a:extLst>
+              <a:ext uri="{28A0092B-C50C-407E-A947-70E740481C1C}">
+                <a14:useLocalDpi xmlns:a14="http://schemas.microsoft.com/office/drawing/2010/main" val="0"/>
+              </a:ext>
+            </a:extLst>
+          </a:blip>
+          <a:srcRect l="18563" t="29656" r="67964" b="53699"/>
+          <a:stretch/>
+        </p:blipFill>
+        <p:spPr>
+          <a:xfrm>
+            <a:off x="1517650" y="5571507"/>
+            <a:ext cx="4582453" cy="3054967"/>
+          </a:xfrm>
+          <a:prstGeom prst="rect">
+            <a:avLst/>
+          </a:prstGeom>
+        </p:spPr>
+      </p:pic>
+    </p:spTree>
+    <p:extLst>
+      <p:ext uri="{BB962C8B-B14F-4D97-AF65-F5344CB8AC3E}">
+        <p14:creationId xmlns:p14="http://schemas.microsoft.com/office/powerpoint/2010/main" val="1406119506"/>
+      </p:ext>
+    </p:extLst>
+  </p:cSld>
+  <p:clrMapOvr>
+    <a:masterClrMapping/>
+  </p:clrMapOvr>
+</p:sld>
+</file>
+
+<file path=ppt/slides/slide8.xml><?xml version="1.0" encoding="utf-8"?>
+<p:sld xmlns:a="http://schemas.openxmlformats.org/drawingml/2006/main" xmlns:r="http://schemas.openxmlformats.org/officeDocument/2006/relationships" xmlns:p="http://schemas.openxmlformats.org/presentationml/2006/main">
+  <p:cSld>
+    <p:bg>
+      <p:bgPr>
+        <a:noFill/>
+        <a:effectLst/>
+      </p:bgPr>
+    </p:bg>
+    <p:spTree>
+      <p:nvGrpSpPr>
+        <p:cNvPr id="1" name=""/>
+        <p:cNvGrpSpPr/>
+        <p:nvPr/>
+      </p:nvGrpSpPr>
+      <p:grpSpPr>
+        <a:xfrm>
+          <a:off x="0" y="0"/>
+          <a:ext cx="0" cy="0"/>
+          <a:chOff x="0" y="0"/>
+          <a:chExt cx="0" cy="0"/>
+        </a:xfrm>
+      </p:grpSpPr>
+      <p:sp>
+        <p:nvSpPr>
+          <p:cNvPr id="2" name="object 2"/>
+          <p:cNvSpPr/>
+          <p:nvPr/>
+        </p:nvSpPr>
+        <p:spPr>
+          <a:xfrm>
+            <a:off x="1146365" y="10237110"/>
+            <a:ext cx="205104" cy="208915"/>
+          </a:xfrm>
+          <a:custGeom>
+            <a:avLst/>
+            <a:gdLst/>
+            <a:ahLst/>
+            <a:cxnLst/>
+            <a:rect l="l" t="t" r="r" b="b"/>
+            <a:pathLst>
+              <a:path w="205105" h="208915">
+                <a:moveTo>
+                  <a:pt x="0" y="0"/>
+                </a:moveTo>
+                <a:lnTo>
+                  <a:pt x="0" y="208770"/>
+                </a:lnTo>
+                <a:lnTo>
+                  <a:pt x="205103" y="208770"/>
+                </a:lnTo>
+                <a:lnTo>
+                  <a:pt x="0" y="0"/>
+                </a:lnTo>
+                <a:close/>
+              </a:path>
+            </a:pathLst>
+          </a:custGeom>
+          <a:solidFill>
+            <a:srgbClr val="009FE3"/>
+          </a:solidFill>
+        </p:spPr>
+        <p:txBody>
+          <a:bodyPr wrap="square" lIns="0" tIns="0" rIns="0" bIns="0" rtlCol="0"/>
+          <a:lstStyle/>
+          <a:p>
+            <a:endParaRPr/>
+          </a:p>
+        </p:txBody>
+      </p:sp>
+      <p:sp>
+        <p:nvSpPr>
+          <p:cNvPr id="3" name="object 3"/>
+          <p:cNvSpPr/>
+          <p:nvPr/>
+        </p:nvSpPr>
+        <p:spPr>
+          <a:xfrm>
+            <a:off x="1141608" y="10444321"/>
+            <a:ext cx="211454" cy="0"/>
+          </a:xfrm>
+          <a:custGeom>
+            <a:avLst/>
+            <a:gdLst/>
+            <a:ahLst/>
+            <a:cxnLst/>
+            <a:rect l="l" t="t" r="r" b="b"/>
+            <a:pathLst>
+              <a:path w="211455">
+                <a:moveTo>
+                  <a:pt x="0" y="0"/>
+                </a:moveTo>
+                <a:lnTo>
+                  <a:pt x="211445" y="0"/>
+                </a:lnTo>
+              </a:path>
+            </a:pathLst>
+          </a:custGeom>
+          <a:ln w="6350">
+            <a:solidFill>
+              <a:srgbClr val="000000"/>
+            </a:solidFill>
+          </a:ln>
+        </p:spPr>
+        <p:txBody>
+          <a:bodyPr wrap="square" lIns="0" tIns="0" rIns="0" bIns="0" rtlCol="0"/>
+          <a:lstStyle/>
+          <a:p>
+            <a:endParaRPr/>
+          </a:p>
+        </p:txBody>
+      </p:sp>
+      <p:sp>
+        <p:nvSpPr>
+          <p:cNvPr id="4" name="object 4"/>
+          <p:cNvSpPr/>
+          <p:nvPr/>
+        </p:nvSpPr>
+        <p:spPr>
+          <a:xfrm>
+            <a:off x="1144779" y="10405712"/>
+            <a:ext cx="0" cy="35560"/>
+          </a:xfrm>
+          <a:custGeom>
+            <a:avLst/>
+            <a:gdLst/>
+            <a:ahLst/>
+            <a:cxnLst/>
+            <a:rect l="l" t="t" r="r" b="b"/>
+            <a:pathLst>
+              <a:path h="35559">
+                <a:moveTo>
+                  <a:pt x="0" y="0"/>
+                </a:moveTo>
+                <a:lnTo>
+                  <a:pt x="0" y="35434"/>
+                </a:lnTo>
+              </a:path>
+            </a:pathLst>
+          </a:custGeom>
+          <a:ln w="6343">
+            <a:solidFill>
+              <a:srgbClr val="000000"/>
+            </a:solidFill>
+          </a:ln>
+        </p:spPr>
+        <p:txBody>
+          <a:bodyPr wrap="square" lIns="0" tIns="0" rIns="0" bIns="0" rtlCol="0"/>
+          <a:lstStyle/>
+          <a:p>
+            <a:endParaRPr/>
+          </a:p>
+        </p:txBody>
+      </p:sp>
+      <p:sp>
+        <p:nvSpPr>
+          <p:cNvPr id="5" name="object 5"/>
+          <p:cNvSpPr/>
+          <p:nvPr/>
+        </p:nvSpPr>
+        <p:spPr>
+          <a:xfrm>
+            <a:off x="1350146" y="10405712"/>
+            <a:ext cx="0" cy="36195"/>
+          </a:xfrm>
+          <a:custGeom>
+            <a:avLst/>
+            <a:gdLst/>
+            <a:ahLst/>
+            <a:cxnLst/>
+            <a:rect l="l" t="t" r="r" b="b"/>
+            <a:pathLst>
+              <a:path h="36195">
+                <a:moveTo>
+                  <a:pt x="0" y="0"/>
+                </a:moveTo>
+                <a:lnTo>
+                  <a:pt x="0" y="35863"/>
+                </a:lnTo>
+              </a:path>
+            </a:pathLst>
+          </a:custGeom>
+          <a:ln w="5814">
+            <a:solidFill>
+              <a:srgbClr val="000000"/>
+            </a:solidFill>
+          </a:ln>
+        </p:spPr>
+        <p:txBody>
+          <a:bodyPr wrap="square" lIns="0" tIns="0" rIns="0" bIns="0" rtlCol="0"/>
+          <a:lstStyle/>
+          <a:p>
+            <a:endParaRPr/>
+          </a:p>
+        </p:txBody>
+      </p:sp>
+      <p:sp>
+        <p:nvSpPr>
+          <p:cNvPr id="6" name="object 6"/>
+          <p:cNvSpPr/>
+          <p:nvPr/>
+        </p:nvSpPr>
+        <p:spPr>
+          <a:xfrm>
+            <a:off x="1122478" y="9976405"/>
+            <a:ext cx="247650" cy="429895"/>
+          </a:xfrm>
+          <a:custGeom>
+            <a:avLst/>
+            <a:gdLst/>
+            <a:ahLst/>
+            <a:cxnLst/>
+            <a:rect l="l" t="t" r="r" b="b"/>
+            <a:pathLst>
+              <a:path w="247650" h="429895">
+                <a:moveTo>
+                  <a:pt x="0" y="429306"/>
+                </a:moveTo>
+                <a:lnTo>
+                  <a:pt x="247129" y="429306"/>
+                </a:lnTo>
+                <a:lnTo>
+                  <a:pt x="247129" y="0"/>
+                </a:lnTo>
+                <a:lnTo>
+                  <a:pt x="0" y="0"/>
+                </a:lnTo>
+                <a:lnTo>
+                  <a:pt x="0" y="429306"/>
+                </a:lnTo>
+                <a:close/>
+              </a:path>
+            </a:pathLst>
+          </a:custGeom>
+          <a:solidFill>
+            <a:srgbClr val="FFFFFF"/>
+          </a:solidFill>
+        </p:spPr>
+        <p:txBody>
+          <a:bodyPr wrap="square" lIns="0" tIns="0" rIns="0" bIns="0" rtlCol="0"/>
+          <a:lstStyle/>
+          <a:p>
+            <a:endParaRPr/>
+          </a:p>
+        </p:txBody>
+      </p:sp>
+      <p:sp>
+        <p:nvSpPr>
+          <p:cNvPr id="13" name="object 13"/>
+          <p:cNvSpPr txBox="1">
+            <a:spLocks noGrp="1"/>
+          </p:cNvSpPr>
+          <p:nvPr>
+            <p:ph type="sldNum" sz="quarter" idx="7"/>
+          </p:nvPr>
+        </p:nvSpPr>
+        <p:spPr>
+          <a:prstGeom prst="rect">
+            <a:avLst/>
+          </a:prstGeom>
+        </p:spPr>
+        <p:txBody>
+          <a:bodyPr vert="horz" wrap="square" lIns="0" tIns="0" rIns="0" bIns="0" rtlCol="0">
+            <a:spAutoFit/>
+          </a:bodyPr>
+          <a:lstStyle/>
+          <a:p>
+            <a:pPr marL="25400">
+              <a:lnSpc>
+                <a:spcPts val="1735"/>
+              </a:lnSpc>
+            </a:pPr>
+            <a:fld id="{81D60167-4931-47E6-BA6A-407CBD079E47}" type="slidenum">
+              <a:rPr spc="15" dirty="0"/>
+              <a:t>8</a:t>
+            </a:fld>
+            <a:endParaRPr spc="15" dirty="0"/>
+          </a:p>
+        </p:txBody>
+      </p:sp>
+      <p:sp>
+        <p:nvSpPr>
+          <p:cNvPr id="9" name="object 9"/>
+          <p:cNvSpPr txBox="1"/>
+          <p:nvPr/>
+        </p:nvSpPr>
+        <p:spPr>
+          <a:xfrm>
+            <a:off x="1107684" y="9945112"/>
+            <a:ext cx="215900" cy="327025"/>
+          </a:xfrm>
+          <a:prstGeom prst="rect">
+            <a:avLst/>
+          </a:prstGeom>
+        </p:spPr>
+        <p:txBody>
+          <a:bodyPr vert="horz" wrap="square" lIns="0" tIns="15875" rIns="0" bIns="0" rtlCol="0">
+            <a:spAutoFit/>
+          </a:bodyPr>
+          <a:lstStyle/>
+          <a:p>
+            <a:pPr marL="12700">
+              <a:lnSpc>
+                <a:spcPct val="100000"/>
+              </a:lnSpc>
+              <a:spcBef>
+                <a:spcPts val="125"/>
+              </a:spcBef>
+            </a:pPr>
+            <a:r>
+              <a:rPr sz="1950" dirty="0">
+                <a:latin typeface="Calibri"/>
+                <a:cs typeface="Calibri"/>
+              </a:rPr>
+              <a:t>...</a:t>
+            </a:r>
+            <a:endParaRPr sz="1950">
+              <a:latin typeface="Calibri"/>
+              <a:cs typeface="Calibri"/>
+            </a:endParaRPr>
+          </a:p>
+        </p:txBody>
+      </p:sp>
+      <p:sp>
+        <p:nvSpPr>
+          <p:cNvPr id="10" name="object 10"/>
+          <p:cNvSpPr txBox="1">
+            <a:spLocks noGrp="1"/>
+          </p:cNvSpPr>
+          <p:nvPr>
+            <p:ph type="title"/>
+          </p:nvPr>
+        </p:nvSpPr>
+        <p:spPr>
+          <a:xfrm>
+            <a:off x="1034388" y="605082"/>
+            <a:ext cx="14580262" cy="798937"/>
+          </a:xfrm>
+          <a:prstGeom prst="rect">
+            <a:avLst/>
+          </a:prstGeom>
+        </p:spPr>
+        <p:txBody>
+          <a:bodyPr vert="horz" wrap="square" lIns="0" tIns="13970" rIns="0" bIns="0" rtlCol="0">
+            <a:spAutoFit/>
+          </a:bodyPr>
+          <a:lstStyle/>
+          <a:p>
+            <a:pPr marL="12700">
+              <a:lnSpc>
+                <a:spcPct val="100000"/>
+              </a:lnSpc>
+              <a:spcBef>
+                <a:spcPts val="110"/>
+              </a:spcBef>
+            </a:pPr>
+            <a:r>
+              <a:rPr lang="de-CH" sz="5100" b="1" spc="-60" dirty="0">
                 <a:solidFill>
                   <a:srgbClr val="006FC0"/>
                 </a:solidFill>
@@ -14355,7 +15146,7 @@
               <a:buFont typeface="Arial" panose="020B0604020202020204" pitchFamily="34" charset="0"/>
               <a:buChar char="•"/>
             </a:pPr>
-            <a:endParaRPr lang="de-CH" sz="2800" dirty="0" smtClean="0"/>
+            <a:endParaRPr lang="de-CH" sz="2800" dirty="0"/>
           </a:p>
           <a:p>
             <a:pPr marL="457200" indent="-457200">
@@ -14366,10 +15157,9 @@
           </a:p>
           <a:p>
             <a:r>
-              <a:rPr lang="de-CH" sz="2800" dirty="0" smtClean="0"/>
+              <a:rPr lang="de-CH" sz="2800" dirty="0"/>
               <a:t>Abgabe heute elektronisch auf Moodle</a:t>
             </a:r>
-            <a:endParaRPr lang="de-CH" sz="2800" dirty="0"/>
           </a:p>
         </p:txBody>
       </p:sp>
@@ -14383,13 +15173,6 @@
   <p:clrMapOvr>
     <a:masterClrMapping/>
   </p:clrMapOvr>
-  <p:timing>
-    <p:tnLst>
-      <p:par>
-        <p:cTn id="1" dur="indefinite" restart="never" nodeType="tmRoot"/>
-      </p:par>
-    </p:tnLst>
-  </p:timing>
 </p:sld>
 </file>
 
